--- a/public/ato-executive-brief.pptx
+++ b/public/ato-executive-brief.pptx
@@ -515,7 +515,7 @@
           <a:p>
             <a:r>
               <a:rPr lang="en-US" dirty="0"/>
-              <a:t/>
+              <a:t>Welcome leadership. This brief covers our current authorization challenges and a path forward.</a:t>
             </a:r>
             <a:endParaRPr lang="en-US" dirty="0"/>
           </a:p>
@@ -603,7 +603,7 @@
           <a:p>
             <a:r>
               <a:rPr lang="en-US" dirty="0"/>
-              <a:t/>
+              <a:t>This comparison table is effective for leadership decision-making.</a:t>
             </a:r>
             <a:endParaRPr lang="en-US" dirty="0"/>
           </a:p>
@@ -691,7 +691,7 @@
           <a:p>
             <a:r>
               <a:rPr lang="en-US" dirty="0"/>
-              <a:t/>
+              <a:t>These are concrete next steps leadership can approve.</a:t>
             </a:r>
             <a:endParaRPr lang="en-US" dirty="0"/>
           </a:p>
@@ -779,7 +779,7 @@
           <a:p>
             <a:r>
               <a:rPr lang="en-US" dirty="0"/>
-              <a:t/>
+              <a:t>Be prepared to discuss how these outcomes will be measured.</a:t>
             </a:r>
             <a:endParaRPr lang="en-US" dirty="0"/>
           </a:p>
@@ -867,7 +867,7 @@
           <a:p>
             <a:r>
               <a:rPr lang="en-US" dirty="0"/>
-              <a:t/>
+              <a:t>This is the call to action. Pause here for impact.</a:t>
             </a:r>
             <a:endParaRPr lang="en-US" dirty="0"/>
           </a:p>
@@ -955,7 +955,7 @@
           <a:p>
             <a:r>
               <a:rPr lang="en-US" dirty="0"/>
-              <a:t/>
+              <a:t>End with confidence. Be ready for questions.</a:t>
             </a:r>
             <a:endParaRPr lang="en-US" dirty="0"/>
           </a:p>
@@ -1043,7 +1043,7 @@
           <a:p>
             <a:r>
               <a:rPr lang="en-US" dirty="0"/>
-              <a:t/>
+              <a:t>Emphasize the duplication happening across the organization.</a:t>
             </a:r>
             <a:endParaRPr lang="en-US" dirty="0"/>
           </a:p>
@@ -1131,7 +1131,7 @@
           <a:p>
             <a:r>
               <a:rPr lang="en-US" dirty="0"/>
-              <a:t/>
+              <a:t>Labor costs are the hidden expense leadership often underestimates.</a:t>
             </a:r>
             <a:endParaRPr lang="en-US" dirty="0"/>
           </a:p>
@@ -1219,7 +1219,7 @@
           <a:p>
             <a:r>
               <a:rPr lang="en-US" dirty="0"/>
-              <a:t/>
+              <a:t>The lack of standardization is killing efficiency.</a:t>
             </a:r>
             <a:endParaRPr lang="en-US" dirty="0"/>
           </a:p>
@@ -1307,7 +1307,7 @@
           <a:p>
             <a:r>
               <a:rPr lang="en-US" dirty="0"/>
-              <a:t/>
+              <a:t>This is the key transition moment in the presentation.</a:t>
             </a:r>
             <a:endParaRPr lang="en-US" dirty="0"/>
           </a:p>
@@ -1395,7 +1395,7 @@
           <a:p>
             <a:r>
               <a:rPr lang="en-US" dirty="0"/>
-              <a:t/>
+              <a:t>The 60% inheritance is a conservative estimate based on typical NIST 800-53 mappings.</a:t>
             </a:r>
             <a:endParaRPr lang="en-US" dirty="0"/>
           </a:p>
@@ -1483,7 +1483,7 @@
           <a:p>
             <a:r>
               <a:rPr lang="en-US" dirty="0"/>
-              <a:t/>
+              <a:t>Flexibility is key—not one-size-fits-all.</a:t>
             </a:r>
             <a:endParaRPr lang="en-US" dirty="0"/>
           </a:p>
@@ -1571,7 +1571,7 @@
           <a:p>
             <a:r>
               <a:rPr lang="en-US" dirty="0"/>
-              <a:t/>
+              <a:t>Automation is the key to sustainability.</a:t>
             </a:r>
             <a:endParaRPr lang="en-US" dirty="0"/>
           </a:p>
@@ -1659,7 +1659,7 @@
           <a:p>
             <a:r>
               <a:rPr lang="en-US" dirty="0"/>
-              <a:t/>
+              <a:t>cATO is the future—and it requires a platform approach.</a:t>
             </a:r>
             <a:endParaRPr lang="en-US" dirty="0"/>
           </a:p>
@@ -2025,20 +2025,12 @@
           <a:chExt cx="0" cy="0"/>
         </a:xfrm>
       </p:grpSpPr>
-      <p:pic>
-        <p:nvPicPr>
-          <p:cNvPr id="2" name="Image 0" descr="preencoded.png">    </p:cNvPr>
-          <p:cNvPicPr>
-            <a:picLocks noChangeAspect="1"/>
-          </p:cNvPicPr>
-          <p:nvPr/>
-        </p:nvPicPr>
-        <p:blipFill>
-          <a:blip r:embed="rId1"/>
-          <a:stretch>
-            <a:fillRect/>
-          </a:stretch>
-        </p:blipFill>
+      <p:sp>
+        <p:nvSpPr>
+          <p:cNvPr id="2" name="Shape 0"/>
+          <p:cNvSpPr/>
+          <p:nvPr/>
+        </p:nvSpPr>
         <p:spPr>
           <a:xfrm>
             <a:off x="0" y="0"/>
@@ -2047,8 +2039,467 @@
           <a:prstGeom prst="rect">
             <a:avLst/>
           </a:prstGeom>
-        </p:spPr>
-      </p:pic>
+          <a:solidFill>
+            <a:srgbClr val="0F172A"/>
+          </a:solidFill>
+          <a:ln/>
+        </p:spPr>
+      </p:sp>
+      <p:sp>
+        <p:nvSpPr>
+          <p:cNvPr id="3" name="Shape 1"/>
+          <p:cNvSpPr/>
+          <p:nvPr/>
+        </p:nvSpPr>
+        <p:spPr>
+          <a:xfrm>
+            <a:off x="0" y="5052060"/>
+            <a:ext cx="9144000" cy="91440"/>
+          </a:xfrm>
+          <a:prstGeom prst="rect">
+            <a:avLst/>
+          </a:prstGeom>
+          <a:solidFill>
+            <a:srgbClr val="0D9488"/>
+          </a:solidFill>
+          <a:ln/>
+        </p:spPr>
+      </p:sp>
+      <p:sp>
+        <p:nvSpPr>
+          <p:cNvPr id="4" name="Text 2"/>
+          <p:cNvSpPr/>
+          <p:nvPr/>
+        </p:nvSpPr>
+        <p:spPr>
+          <a:xfrm>
+            <a:off x="457200" y="1188720"/>
+            <a:ext cx="8229600" cy="731520"/>
+          </a:xfrm>
+          <a:prstGeom prst="rect">
+            <a:avLst/>
+          </a:prstGeom>
+          <a:noFill/>
+          <a:ln/>
+        </p:spPr>
+        <p:txBody>
+          <a:bodyPr wrap="square" rtlCol="0" anchor="ctr"/>
+          <a:lstStyle/>
+          <a:p>
+            <a:pPr algn="ctr" indent="0" marL="0">
+              <a:buNone/>
+            </a:pPr>
+            <a:r>
+              <a:rPr lang="en-US" sz="4000" b="1" dirty="0">
+                <a:solidFill>
+                  <a:srgbClr val="FFFFFF"/>
+                </a:solidFill>
+              </a:rPr>
+              <a:t>Modernizing Federal Authorization</a:t>
+            </a:r>
+            <a:endParaRPr lang="en-US" sz="4000" dirty="0"/>
+          </a:p>
+        </p:txBody>
+      </p:sp>
+      <p:sp>
+        <p:nvSpPr>
+          <p:cNvPr id="5" name="Text 3"/>
+          <p:cNvSpPr/>
+          <p:nvPr/>
+        </p:nvSpPr>
+        <p:spPr>
+          <a:xfrm>
+            <a:off x="457200" y="1920240"/>
+            <a:ext cx="8229600" cy="457200"/>
+          </a:xfrm>
+          <a:prstGeom prst="rect">
+            <a:avLst/>
+          </a:prstGeom>
+          <a:noFill/>
+          <a:ln/>
+        </p:spPr>
+        <p:txBody>
+          <a:bodyPr wrap="square" rtlCol="0" anchor="ctr"/>
+          <a:lstStyle/>
+          <a:p>
+            <a:pPr algn="ctr" indent="0" marL="0">
+              <a:buNone/>
+            </a:pPr>
+            <a:r>
+              <a:rPr lang="en-US" sz="2000" dirty="0">
+                <a:solidFill>
+                  <a:srgbClr val="0D9488"/>
+                </a:solidFill>
+              </a:rPr>
+              <a:t>From Fragmented Compliance to Continuous ATO</a:t>
+            </a:r>
+            <a:endParaRPr lang="en-US" sz="2000" dirty="0"/>
+          </a:p>
+        </p:txBody>
+      </p:sp>
+      <p:sp>
+        <p:nvSpPr>
+          <p:cNvPr id="6" name="Text 4"/>
+          <p:cNvSpPr/>
+          <p:nvPr/>
+        </p:nvSpPr>
+        <p:spPr>
+          <a:xfrm>
+            <a:off x="457200" y="2560320"/>
+            <a:ext cx="8229600" cy="365760"/>
+          </a:xfrm>
+          <a:prstGeom prst="rect">
+            <a:avLst/>
+          </a:prstGeom>
+          <a:noFill/>
+          <a:ln/>
+        </p:spPr>
+        <p:txBody>
+          <a:bodyPr wrap="square" rtlCol="0" anchor="ctr"/>
+          <a:lstStyle/>
+          <a:p>
+            <a:pPr algn="ctr" indent="0" marL="0">
+              <a:buNone/>
+            </a:pPr>
+            <a:r>
+              <a:rPr lang="en-US" sz="1400" dirty="0">
+                <a:solidFill>
+                  <a:srgbClr val="E2E8F0"/>
+                </a:solidFill>
+              </a:rPr>
+              <a:t>Executive Brief for Leadership</a:t>
+            </a:r>
+            <a:endParaRPr lang="en-US" sz="1400" dirty="0"/>
+          </a:p>
+        </p:txBody>
+      </p:sp>
+      <p:sp>
+        <p:nvSpPr>
+          <p:cNvPr id="7" name="Shape 5"/>
+          <p:cNvSpPr/>
+          <p:nvPr/>
+        </p:nvSpPr>
+        <p:spPr>
+          <a:xfrm>
+            <a:off x="1234440" y="3291840"/>
+            <a:ext cx="2103120" cy="1005840"/>
+          </a:xfrm>
+          <a:prstGeom prst="roundRect">
+            <a:avLst/>
+          </a:prstGeom>
+          <a:solidFill>
+            <a:srgbClr val="1E293B"/>
+          </a:solidFill>
+          <a:ln w="12700">
+            <a:solidFill>
+              <a:srgbClr val="0D9488"/>
+            </a:solidFill>
+            <a:prstDash val="solid"/>
+          </a:ln>
+        </p:spPr>
+      </p:sp>
+      <p:sp>
+        <p:nvSpPr>
+          <p:cNvPr id="8" name="Text 6"/>
+          <p:cNvSpPr/>
+          <p:nvPr/>
+        </p:nvSpPr>
+        <p:spPr>
+          <a:xfrm>
+            <a:off x="1234440" y="3383280"/>
+            <a:ext cx="2103120" cy="502920"/>
+          </a:xfrm>
+          <a:prstGeom prst="rect">
+            <a:avLst/>
+          </a:prstGeom>
+          <a:noFill/>
+          <a:ln/>
+        </p:spPr>
+        <p:txBody>
+          <a:bodyPr wrap="square" rtlCol="0" anchor="ctr"/>
+          <a:lstStyle/>
+          <a:p>
+            <a:pPr algn="ctr" indent="0" marL="0">
+              <a:buNone/>
+            </a:pPr>
+            <a:r>
+              <a:rPr lang="en-US" sz="2800" b="1" dirty="0">
+                <a:solidFill>
+                  <a:srgbClr val="0D9488"/>
+                </a:solidFill>
+              </a:rPr>
+              <a:t>80%</a:t>
+            </a:r>
+            <a:endParaRPr lang="en-US" sz="2800" dirty="0"/>
+          </a:p>
+        </p:txBody>
+      </p:sp>
+      <p:sp>
+        <p:nvSpPr>
+          <p:cNvPr id="9" name="Text 7"/>
+          <p:cNvSpPr/>
+          <p:nvPr/>
+        </p:nvSpPr>
+        <p:spPr>
+          <a:xfrm>
+            <a:off x="1234440" y="3886200"/>
+            <a:ext cx="2103120" cy="320040"/>
+          </a:xfrm>
+          <a:prstGeom prst="rect">
+            <a:avLst/>
+          </a:prstGeom>
+          <a:noFill/>
+          <a:ln/>
+        </p:spPr>
+        <p:txBody>
+          <a:bodyPr wrap="square" rtlCol="0" anchor="ctr"/>
+          <a:lstStyle/>
+          <a:p>
+            <a:pPr algn="ctr" indent="0" marL="0">
+              <a:buNone/>
+            </a:pPr>
+            <a:r>
+              <a:rPr lang="en-US" sz="1000" dirty="0">
+                <a:solidFill>
+                  <a:srgbClr val="E2E8F0"/>
+                </a:solidFill>
+              </a:rPr>
+              <a:t>Faster ATO</a:t>
+            </a:r>
+            <a:endParaRPr lang="en-US" sz="1000" dirty="0"/>
+          </a:p>
+        </p:txBody>
+      </p:sp>
+      <p:sp>
+        <p:nvSpPr>
+          <p:cNvPr id="10" name="Shape 8"/>
+          <p:cNvSpPr/>
+          <p:nvPr/>
+        </p:nvSpPr>
+        <p:spPr>
+          <a:xfrm>
+            <a:off x="3520440" y="3291840"/>
+            <a:ext cx="2103120" cy="1005840"/>
+          </a:xfrm>
+          <a:prstGeom prst="roundRect">
+            <a:avLst/>
+          </a:prstGeom>
+          <a:solidFill>
+            <a:srgbClr val="1E293B"/>
+          </a:solidFill>
+          <a:ln w="12700">
+            <a:solidFill>
+              <a:srgbClr val="0D9488"/>
+            </a:solidFill>
+            <a:prstDash val="solid"/>
+          </a:ln>
+        </p:spPr>
+      </p:sp>
+      <p:sp>
+        <p:nvSpPr>
+          <p:cNvPr id="11" name="Text 9"/>
+          <p:cNvSpPr/>
+          <p:nvPr/>
+        </p:nvSpPr>
+        <p:spPr>
+          <a:xfrm>
+            <a:off x="3520440" y="3383280"/>
+            <a:ext cx="2103120" cy="502920"/>
+          </a:xfrm>
+          <a:prstGeom prst="rect">
+            <a:avLst/>
+          </a:prstGeom>
+          <a:noFill/>
+          <a:ln/>
+        </p:spPr>
+        <p:txBody>
+          <a:bodyPr wrap="square" rtlCol="0" anchor="ctr"/>
+          <a:lstStyle/>
+          <a:p>
+            <a:pPr algn="ctr" indent="0" marL="0">
+              <a:buNone/>
+            </a:pPr>
+            <a:r>
+              <a:rPr lang="en-US" sz="2800" b="1" dirty="0">
+                <a:solidFill>
+                  <a:srgbClr val="0D9488"/>
+                </a:solidFill>
+              </a:rPr>
+              <a:t>$4.2M</a:t>
+            </a:r>
+            <a:endParaRPr lang="en-US" sz="2800" dirty="0"/>
+          </a:p>
+        </p:txBody>
+      </p:sp>
+      <p:sp>
+        <p:nvSpPr>
+          <p:cNvPr id="12" name="Text 10"/>
+          <p:cNvSpPr/>
+          <p:nvPr/>
+        </p:nvSpPr>
+        <p:spPr>
+          <a:xfrm>
+            <a:off x="3520440" y="3886200"/>
+            <a:ext cx="2103120" cy="320040"/>
+          </a:xfrm>
+          <a:prstGeom prst="rect">
+            <a:avLst/>
+          </a:prstGeom>
+          <a:noFill/>
+          <a:ln/>
+        </p:spPr>
+        <p:txBody>
+          <a:bodyPr wrap="square" rtlCol="0" anchor="ctr"/>
+          <a:lstStyle/>
+          <a:p>
+            <a:pPr algn="ctr" indent="0" marL="0">
+              <a:buNone/>
+            </a:pPr>
+            <a:r>
+              <a:rPr lang="en-US" sz="1000" dirty="0">
+                <a:solidFill>
+                  <a:srgbClr val="E2E8F0"/>
+                </a:solidFill>
+              </a:rPr>
+              <a:t>Annual Savings</a:t>
+            </a:r>
+            <a:endParaRPr lang="en-US" sz="1000" dirty="0"/>
+          </a:p>
+        </p:txBody>
+      </p:sp>
+      <p:sp>
+        <p:nvSpPr>
+          <p:cNvPr id="13" name="Shape 11"/>
+          <p:cNvSpPr/>
+          <p:nvPr/>
+        </p:nvSpPr>
+        <p:spPr>
+          <a:xfrm>
+            <a:off x="5806440" y="3291840"/>
+            <a:ext cx="2103120" cy="1005840"/>
+          </a:xfrm>
+          <a:prstGeom prst="roundRect">
+            <a:avLst/>
+          </a:prstGeom>
+          <a:solidFill>
+            <a:srgbClr val="1E293B"/>
+          </a:solidFill>
+          <a:ln w="12700">
+            <a:solidFill>
+              <a:srgbClr val="0D9488"/>
+            </a:solidFill>
+            <a:prstDash val="solid"/>
+          </a:ln>
+        </p:spPr>
+      </p:sp>
+      <p:sp>
+        <p:nvSpPr>
+          <p:cNvPr id="14" name="Text 12"/>
+          <p:cNvSpPr/>
+          <p:nvPr/>
+        </p:nvSpPr>
+        <p:spPr>
+          <a:xfrm>
+            <a:off x="5806440" y="3383280"/>
+            <a:ext cx="2103120" cy="502920"/>
+          </a:xfrm>
+          <a:prstGeom prst="rect">
+            <a:avLst/>
+          </a:prstGeom>
+          <a:noFill/>
+          <a:ln/>
+        </p:spPr>
+        <p:txBody>
+          <a:bodyPr wrap="square" rtlCol="0" anchor="ctr"/>
+          <a:lstStyle/>
+          <a:p>
+            <a:pPr algn="ctr" indent="0" marL="0">
+              <a:buNone/>
+            </a:pPr>
+            <a:r>
+              <a:rPr lang="en-US" sz="2800" b="1" dirty="0">
+                <a:solidFill>
+                  <a:srgbClr val="0D9488"/>
+                </a:solidFill>
+              </a:rPr>
+              <a:t>47</a:t>
+            </a:r>
+            <a:endParaRPr lang="en-US" sz="2800" dirty="0"/>
+          </a:p>
+        </p:txBody>
+      </p:sp>
+      <p:sp>
+        <p:nvSpPr>
+          <p:cNvPr id="15" name="Text 13"/>
+          <p:cNvSpPr/>
+          <p:nvPr/>
+        </p:nvSpPr>
+        <p:spPr>
+          <a:xfrm>
+            <a:off x="5806440" y="3886200"/>
+            <a:ext cx="2103120" cy="320040"/>
+          </a:xfrm>
+          <a:prstGeom prst="rect">
+            <a:avLst/>
+          </a:prstGeom>
+          <a:noFill/>
+          <a:ln/>
+        </p:spPr>
+        <p:txBody>
+          <a:bodyPr wrap="square" rtlCol="0" anchor="ctr"/>
+          <a:lstStyle/>
+          <a:p>
+            <a:pPr algn="ctr" indent="0" marL="0">
+              <a:buNone/>
+            </a:pPr>
+            <a:r>
+              <a:rPr lang="en-US" sz="1000" dirty="0">
+                <a:solidFill>
+                  <a:srgbClr val="E2E8F0"/>
+                </a:solidFill>
+              </a:rPr>
+              <a:t>Programs Unified</a:t>
+            </a:r>
+            <a:endParaRPr lang="en-US" sz="1000" dirty="0"/>
+          </a:p>
+        </p:txBody>
+      </p:sp>
+      <p:sp>
+        <p:nvSpPr>
+          <p:cNvPr id="16" name="Text 14"/>
+          <p:cNvSpPr/>
+          <p:nvPr/>
+        </p:nvSpPr>
+        <p:spPr>
+          <a:xfrm>
+            <a:off x="8229600" y="4777740"/>
+            <a:ext cx="731520" cy="274320"/>
+          </a:xfrm>
+          <a:prstGeom prst="rect">
+            <a:avLst/>
+          </a:prstGeom>
+          <a:noFill/>
+          <a:ln/>
+        </p:spPr>
+        <p:txBody>
+          <a:bodyPr wrap="square" rtlCol="0" anchor="ctr"/>
+          <a:lstStyle/>
+          <a:p>
+            <a:pPr algn="r" indent="0" marL="0">
+              <a:buNone/>
+            </a:pPr>
+            <a:r>
+              <a:rPr lang="en-US" sz="900" dirty="0">
+                <a:solidFill>
+                  <a:srgbClr val="E2E8F0"/>
+                </a:solidFill>
+              </a:rPr>
+              <a:t>1 / 14</a:t>
+            </a:r>
+            <a:endParaRPr lang="en-US" sz="900" dirty="0"/>
+          </a:p>
+        </p:txBody>
+      </p:sp>
     </p:spTree>
   </p:cSld>
   <p:clrMapOvr>
@@ -2074,20 +2525,12 @@
           <a:chExt cx="0" cy="0"/>
         </a:xfrm>
       </p:grpSpPr>
-      <p:pic>
-        <p:nvPicPr>
-          <p:cNvPr id="2" name="Image 0" descr="preencoded.png">    </p:cNvPr>
-          <p:cNvPicPr>
-            <a:picLocks noChangeAspect="1"/>
-          </p:cNvPicPr>
-          <p:nvPr/>
-        </p:nvPicPr>
-        <p:blipFill>
-          <a:blip r:embed="rId1"/>
-          <a:stretch>
-            <a:fillRect/>
-          </a:stretch>
-        </p:blipFill>
+      <p:sp>
+        <p:nvSpPr>
+          <p:cNvPr id="2" name="Shape 0"/>
+          <p:cNvSpPr/>
+          <p:nvPr/>
+        </p:nvSpPr>
         <p:spPr>
           <a:xfrm>
             <a:off x="0" y="0"/>
@@ -2096,8 +2539,1120 @@
           <a:prstGeom prst="rect">
             <a:avLst/>
           </a:prstGeom>
-        </p:spPr>
-      </p:pic>
+          <a:solidFill>
+            <a:srgbClr val="F8FAFC"/>
+          </a:solidFill>
+          <a:ln/>
+        </p:spPr>
+      </p:sp>
+      <p:sp>
+        <p:nvSpPr>
+          <p:cNvPr id="3" name="Shape 1"/>
+          <p:cNvSpPr/>
+          <p:nvPr/>
+        </p:nvSpPr>
+        <p:spPr>
+          <a:xfrm>
+            <a:off x="0" y="0"/>
+            <a:ext cx="9144000" cy="73152"/>
+          </a:xfrm>
+          <a:prstGeom prst="rect">
+            <a:avLst/>
+          </a:prstGeom>
+          <a:solidFill>
+            <a:srgbClr val="1E3A5F"/>
+          </a:solidFill>
+          <a:ln/>
+        </p:spPr>
+      </p:sp>
+      <p:sp>
+        <p:nvSpPr>
+          <p:cNvPr id="4" name="Shape 2"/>
+          <p:cNvSpPr/>
+          <p:nvPr/>
+        </p:nvSpPr>
+        <p:spPr>
+          <a:xfrm>
+            <a:off x="0" y="5070348"/>
+            <a:ext cx="9144000" cy="73152"/>
+          </a:xfrm>
+          <a:prstGeom prst="rect">
+            <a:avLst/>
+          </a:prstGeom>
+          <a:solidFill>
+            <a:srgbClr val="0D9488"/>
+          </a:solidFill>
+          <a:ln/>
+        </p:spPr>
+      </p:sp>
+      <p:sp>
+        <p:nvSpPr>
+          <p:cNvPr id="5" name="Text 3"/>
+          <p:cNvSpPr/>
+          <p:nvPr/>
+        </p:nvSpPr>
+        <p:spPr>
+          <a:xfrm>
+            <a:off x="457200" y="274320"/>
+            <a:ext cx="8229600" cy="548640"/>
+          </a:xfrm>
+          <a:prstGeom prst="rect">
+            <a:avLst/>
+          </a:prstGeom>
+          <a:noFill/>
+          <a:ln/>
+        </p:spPr>
+        <p:txBody>
+          <a:bodyPr wrap="square" rtlCol="0" anchor="ctr"/>
+          <a:lstStyle/>
+          <a:p>
+            <a:pPr indent="0" marL="0">
+              <a:buNone/>
+            </a:pPr>
+            <a:r>
+              <a:rPr lang="en-US" sz="3200" b="1" dirty="0">
+                <a:solidFill>
+                  <a:srgbClr val="1E3A5F"/>
+                </a:solidFill>
+              </a:rPr>
+              <a:t>The Transformation</a:t>
+            </a:r>
+            <a:endParaRPr lang="en-US" sz="3200" dirty="0"/>
+          </a:p>
+        </p:txBody>
+      </p:sp>
+      <p:graphicFrame>
+        <p:nvGraphicFramePr>
+          <p:cNvPr id="11" name="Table 0"/>
+          <p:cNvGraphicFramePr>
+            <a:graphicFrameLocks noGrp="1"/>
+          </p:cNvGraphicFramePr>
+          <p:nvPr>
+            <p:extLst>
+              <p:ext uri="{D42A27DB-BD31-4B8C-83A1-F6EECF244321}">
+                <p14:modId xmlns:p14="http://schemas.microsoft.com/office/powerpoint/2010/main" val="1579011935"/>
+              </p:ext>
+            </p:extLst>
+          </p:nvPr>
+        </p:nvGraphicFramePr>
+        <p:xfrm>
+          <a:off x="731520" y="914400"/>
+          <a:ext cx="7680960" cy="914400"/>
+        </p:xfrm>
+        <a:graphic>
+          <a:graphicData uri="http://schemas.openxmlformats.org/drawingml/2006/table">
+            <a:tbl>
+              <a:tblPr/>
+              <a:tblGrid>
+                <a:gridCol w="3840480"/>
+                <a:gridCol w="3840480"/>
+              </a:tblGrid>
+              <a:tr h="0">
+                <a:tc>
+                  <a:txBody>
+                    <a:bodyPr/>
+                    <a:lstStyle/>
+                    <a:p>
+                      <a:pPr algn="ctr" indent="0" marL="0">
+                        <a:buNone/>
+                      </a:pPr>
+                      <a:r>
+                        <a:rPr lang="en-US" sz="1100" b="1" dirty="0">
+                          <a:solidFill>
+                            <a:srgbClr val="FFFFFF"/>
+                          </a:solidFill>
+                          <a:latin typeface="Arial" pitchFamily="34" charset="0"/>
+                          <a:ea typeface="Arial" pitchFamily="34" charset="-122"/>
+                          <a:cs typeface="Arial" pitchFamily="34" charset="-120"/>
+                        </a:rPr>
+                        <a:t>Today</a:t>
+                      </a:r>
+                      <a:endParaRPr lang="en-US" sz="1100" dirty="0">
+                        <a:latin typeface="Arial" charset="0"/>
+                        <a:ea typeface="Arial" charset="0"/>
+                        <a:cs typeface="Arial" charset="0"/>
+                      </a:endParaRPr>
+                    </a:p>
+                  </a:txBody>
+                  <a:tcPr marL="91440" marR="91440" marT="45720" marB="45720">
+                    <a:lnL w="6350" cap="flat" cmpd="sng" algn="ctr">
+                      <a:solidFill>
+                        <a:srgbClr val="E2E8F0"/>
+                      </a:solidFill>
+                      <a:prstDash val="solid"/>
+                      <a:round/>
+                      <a:headEnd type="none" w="med" len="med"/>
+                      <a:tailEnd type="none" w="med" len="med"/>
+                    </a:lnL>
+                    <a:lnR w="6350" cap="flat" cmpd="sng" algn="ctr">
+                      <a:solidFill>
+                        <a:srgbClr val="E2E8F0"/>
+                      </a:solidFill>
+                      <a:prstDash val="solid"/>
+                      <a:round/>
+                      <a:headEnd type="none" w="med" len="med"/>
+                      <a:tailEnd type="none" w="med" len="med"/>
+                    </a:lnR>
+                    <a:lnT w="6350" cap="flat" cmpd="sng" algn="ctr">
+                      <a:solidFill>
+                        <a:srgbClr val="E2E8F0"/>
+                      </a:solidFill>
+                      <a:prstDash val="solid"/>
+                      <a:round/>
+                      <a:headEnd type="none" w="med" len="med"/>
+                      <a:tailEnd type="none" w="med" len="med"/>
+                    </a:lnT>
+                    <a:lnB w="6350" cap="flat" cmpd="sng" algn="ctr">
+                      <a:solidFill>
+                        <a:srgbClr val="E2E8F0"/>
+                      </a:solidFill>
+                      <a:prstDash val="solid"/>
+                      <a:round/>
+                      <a:headEnd type="none" w="med" len="med"/>
+                      <a:tailEnd type="none" w="med" len="med"/>
+                    </a:lnB>
+                    <a:solidFill>
+                      <a:srgbClr val="DC2626"/>
+                    </a:solidFill>
+                  </a:tcPr>
+                </a:tc>
+                <a:tc>
+                  <a:txBody>
+                    <a:bodyPr/>
+                    <a:lstStyle/>
+                    <a:p>
+                      <a:pPr algn="ctr" indent="0" marL="0">
+                        <a:buNone/>
+                      </a:pPr>
+                      <a:r>
+                        <a:rPr lang="en-US" sz="1100" b="1" dirty="0">
+                          <a:solidFill>
+                            <a:srgbClr val="FFFFFF"/>
+                          </a:solidFill>
+                          <a:latin typeface="Arial" pitchFamily="34" charset="0"/>
+                          <a:ea typeface="Arial" pitchFamily="34" charset="-122"/>
+                          <a:cs typeface="Arial" pitchFamily="34" charset="-120"/>
+                        </a:rPr>
+                        <a:t>Tomorrow</a:t>
+                      </a:r>
+                      <a:endParaRPr lang="en-US" sz="1100" dirty="0">
+                        <a:latin typeface="Arial" charset="0"/>
+                        <a:ea typeface="Arial" charset="0"/>
+                        <a:cs typeface="Arial" charset="0"/>
+                      </a:endParaRPr>
+                    </a:p>
+                  </a:txBody>
+                  <a:tcPr marL="91440" marR="91440" marT="45720" marB="45720">
+                    <a:lnL w="6350" cap="flat" cmpd="sng" algn="ctr">
+                      <a:solidFill>
+                        <a:srgbClr val="E2E8F0"/>
+                      </a:solidFill>
+                      <a:prstDash val="solid"/>
+                      <a:round/>
+                      <a:headEnd type="none" w="med" len="med"/>
+                      <a:tailEnd type="none" w="med" len="med"/>
+                    </a:lnL>
+                    <a:lnR w="6350" cap="flat" cmpd="sng" algn="ctr">
+                      <a:solidFill>
+                        <a:srgbClr val="E2E8F0"/>
+                      </a:solidFill>
+                      <a:prstDash val="solid"/>
+                      <a:round/>
+                      <a:headEnd type="none" w="med" len="med"/>
+                      <a:tailEnd type="none" w="med" len="med"/>
+                    </a:lnR>
+                    <a:lnT w="6350" cap="flat" cmpd="sng" algn="ctr">
+                      <a:solidFill>
+                        <a:srgbClr val="E2E8F0"/>
+                      </a:solidFill>
+                      <a:prstDash val="solid"/>
+                      <a:round/>
+                      <a:headEnd type="none" w="med" len="med"/>
+                      <a:tailEnd type="none" w="med" len="med"/>
+                    </a:lnT>
+                    <a:lnB w="6350" cap="flat" cmpd="sng" algn="ctr">
+                      <a:solidFill>
+                        <a:srgbClr val="E2E8F0"/>
+                      </a:solidFill>
+                      <a:prstDash val="solid"/>
+                      <a:round/>
+                      <a:headEnd type="none" w="med" len="med"/>
+                      <a:tailEnd type="none" w="med" len="med"/>
+                    </a:lnB>
+                    <a:solidFill>
+                      <a:srgbClr val="16A34A"/>
+                    </a:solidFill>
+                  </a:tcPr>
+                </a:tc>
+              </a:tr>
+              <a:tr h="0">
+                <a:tc>
+                  <a:txBody>
+                    <a:bodyPr/>
+                    <a:lstStyle/>
+                    <a:p>
+                      <a:pPr algn="l" indent="0" marL="0">
+                        <a:buNone/>
+                      </a:pPr>
+                      <a:r>
+                        <a:rPr lang="en-US" sz="1100" dirty="0">
+                          <a:solidFill>
+                            <a:srgbClr val="334155"/>
+                          </a:solidFill>
+                          <a:latin typeface="Arial" pitchFamily="34" charset="0"/>
+                          <a:ea typeface="Arial" pitchFamily="34" charset="-122"/>
+                          <a:cs typeface="Arial" pitchFamily="34" charset="-120"/>
+                        </a:rPr>
+                        <a:t>Each program buys hardware</a:t>
+                      </a:r>
+                      <a:endParaRPr lang="en-US" sz="1100" dirty="0">
+                        <a:latin typeface="Arial" charset="0"/>
+                        <a:ea typeface="Arial" charset="0"/>
+                        <a:cs typeface="Arial" charset="0"/>
+                      </a:endParaRPr>
+                    </a:p>
+                  </a:txBody>
+                  <a:tcPr marL="91440" marR="91440" marT="45720" marB="45720">
+                    <a:lnL w="6350" cap="flat" cmpd="sng" algn="ctr">
+                      <a:solidFill>
+                        <a:srgbClr val="E2E8F0"/>
+                      </a:solidFill>
+                      <a:prstDash val="solid"/>
+                      <a:round/>
+                      <a:headEnd type="none" w="med" len="med"/>
+                      <a:tailEnd type="none" w="med" len="med"/>
+                    </a:lnL>
+                    <a:lnR w="6350" cap="flat" cmpd="sng" algn="ctr">
+                      <a:solidFill>
+                        <a:srgbClr val="E2E8F0"/>
+                      </a:solidFill>
+                      <a:prstDash val="solid"/>
+                      <a:round/>
+                      <a:headEnd type="none" w="med" len="med"/>
+                      <a:tailEnd type="none" w="med" len="med"/>
+                    </a:lnR>
+                    <a:lnT w="6350" cap="flat" cmpd="sng" algn="ctr">
+                      <a:solidFill>
+                        <a:srgbClr val="E2E8F0"/>
+                      </a:solidFill>
+                      <a:prstDash val="solid"/>
+                      <a:round/>
+                      <a:headEnd type="none" w="med" len="med"/>
+                      <a:tailEnd type="none" w="med" len="med"/>
+                    </a:lnT>
+                    <a:lnB w="6350" cap="flat" cmpd="sng" algn="ctr">
+                      <a:solidFill>
+                        <a:srgbClr val="E2E8F0"/>
+                      </a:solidFill>
+                      <a:prstDash val="solid"/>
+                      <a:round/>
+                      <a:headEnd type="none" w="med" len="med"/>
+                      <a:tailEnd type="none" w="med" len="med"/>
+                    </a:lnB>
+                    <a:solidFill>
+                      <a:srgbClr val="FECACA"/>
+                    </a:solidFill>
+                  </a:tcPr>
+                </a:tc>
+                <a:tc>
+                  <a:txBody>
+                    <a:bodyPr/>
+                    <a:lstStyle/>
+                    <a:p>
+                      <a:pPr algn="l" indent="0" marL="0">
+                        <a:buNone/>
+                      </a:pPr>
+                      <a:r>
+                        <a:rPr lang="en-US" sz="1100" dirty="0">
+                          <a:solidFill>
+                            <a:srgbClr val="334155"/>
+                          </a:solidFill>
+                          <a:latin typeface="Arial" pitchFamily="34" charset="0"/>
+                          <a:ea typeface="Arial" pitchFamily="34" charset="-122"/>
+                          <a:cs typeface="Arial" pitchFamily="34" charset="-120"/>
+                        </a:rPr>
+                        <a:t>Shared infrastructure</a:t>
+                      </a:r>
+                      <a:endParaRPr lang="en-US" sz="1100" dirty="0">
+                        <a:latin typeface="Arial" charset="0"/>
+                        <a:ea typeface="Arial" charset="0"/>
+                        <a:cs typeface="Arial" charset="0"/>
+                      </a:endParaRPr>
+                    </a:p>
+                  </a:txBody>
+                  <a:tcPr marL="91440" marR="91440" marT="45720" marB="45720">
+                    <a:lnL w="6350" cap="flat" cmpd="sng" algn="ctr">
+                      <a:solidFill>
+                        <a:srgbClr val="E2E8F0"/>
+                      </a:solidFill>
+                      <a:prstDash val="solid"/>
+                      <a:round/>
+                      <a:headEnd type="none" w="med" len="med"/>
+                      <a:tailEnd type="none" w="med" len="med"/>
+                    </a:lnL>
+                    <a:lnR w="6350" cap="flat" cmpd="sng" algn="ctr">
+                      <a:solidFill>
+                        <a:srgbClr val="E2E8F0"/>
+                      </a:solidFill>
+                      <a:prstDash val="solid"/>
+                      <a:round/>
+                      <a:headEnd type="none" w="med" len="med"/>
+                      <a:tailEnd type="none" w="med" len="med"/>
+                    </a:lnR>
+                    <a:lnT w="6350" cap="flat" cmpd="sng" algn="ctr">
+                      <a:solidFill>
+                        <a:srgbClr val="E2E8F0"/>
+                      </a:solidFill>
+                      <a:prstDash val="solid"/>
+                      <a:round/>
+                      <a:headEnd type="none" w="med" len="med"/>
+                      <a:tailEnd type="none" w="med" len="med"/>
+                    </a:lnT>
+                    <a:lnB w="6350" cap="flat" cmpd="sng" algn="ctr">
+                      <a:solidFill>
+                        <a:srgbClr val="E2E8F0"/>
+                      </a:solidFill>
+                      <a:prstDash val="solid"/>
+                      <a:round/>
+                      <a:headEnd type="none" w="med" len="med"/>
+                      <a:tailEnd type="none" w="med" len="med"/>
+                    </a:lnB>
+                    <a:solidFill>
+                      <a:srgbClr val="BBF7D0"/>
+                    </a:solidFill>
+                  </a:tcPr>
+                </a:tc>
+              </a:tr>
+              <a:tr h="0">
+                <a:tc>
+                  <a:txBody>
+                    <a:bodyPr/>
+                    <a:lstStyle/>
+                    <a:p>
+                      <a:pPr algn="l" indent="0" marL="0">
+                        <a:buNone/>
+                      </a:pPr>
+                      <a:r>
+                        <a:rPr lang="en-US" sz="1100" dirty="0">
+                          <a:solidFill>
+                            <a:srgbClr val="334155"/>
+                          </a:solidFill>
+                          <a:latin typeface="Arial" pitchFamily="34" charset="0"/>
+                          <a:ea typeface="Arial" pitchFamily="34" charset="-122"/>
+                          <a:cs typeface="Arial" pitchFamily="34" charset="-120"/>
+                        </a:rPr>
+                        <a:t>Custom solutions everywhere</a:t>
+                      </a:r>
+                      <a:endParaRPr lang="en-US" sz="1100" dirty="0">
+                        <a:latin typeface="Arial" charset="0"/>
+                        <a:ea typeface="Arial" charset="0"/>
+                        <a:cs typeface="Arial" charset="0"/>
+                      </a:endParaRPr>
+                    </a:p>
+                  </a:txBody>
+                  <a:tcPr marL="91440" marR="91440" marT="45720" marB="45720">
+                    <a:lnL w="6350" cap="flat" cmpd="sng" algn="ctr">
+                      <a:solidFill>
+                        <a:srgbClr val="E2E8F0"/>
+                      </a:solidFill>
+                      <a:prstDash val="solid"/>
+                      <a:round/>
+                      <a:headEnd type="none" w="med" len="med"/>
+                      <a:tailEnd type="none" w="med" len="med"/>
+                    </a:lnL>
+                    <a:lnR w="6350" cap="flat" cmpd="sng" algn="ctr">
+                      <a:solidFill>
+                        <a:srgbClr val="E2E8F0"/>
+                      </a:solidFill>
+                      <a:prstDash val="solid"/>
+                      <a:round/>
+                      <a:headEnd type="none" w="med" len="med"/>
+                      <a:tailEnd type="none" w="med" len="med"/>
+                    </a:lnR>
+                    <a:lnT w="6350" cap="flat" cmpd="sng" algn="ctr">
+                      <a:solidFill>
+                        <a:srgbClr val="E2E8F0"/>
+                      </a:solidFill>
+                      <a:prstDash val="solid"/>
+                      <a:round/>
+                      <a:headEnd type="none" w="med" len="med"/>
+                      <a:tailEnd type="none" w="med" len="med"/>
+                    </a:lnT>
+                    <a:lnB w="6350" cap="flat" cmpd="sng" algn="ctr">
+                      <a:solidFill>
+                        <a:srgbClr val="E2E8F0"/>
+                      </a:solidFill>
+                      <a:prstDash val="solid"/>
+                      <a:round/>
+                      <a:headEnd type="none" w="med" len="med"/>
+                      <a:tailEnd type="none" w="med" len="med"/>
+                    </a:lnB>
+                    <a:solidFill>
+                      <a:srgbClr val="FECACA"/>
+                    </a:solidFill>
+                  </a:tcPr>
+                </a:tc>
+                <a:tc>
+                  <a:txBody>
+                    <a:bodyPr/>
+                    <a:lstStyle/>
+                    <a:p>
+                      <a:pPr algn="l" indent="0" marL="0">
+                        <a:buNone/>
+                      </a:pPr>
+                      <a:r>
+                        <a:rPr lang="en-US" sz="1100" dirty="0">
+                          <a:solidFill>
+                            <a:srgbClr val="334155"/>
+                          </a:solidFill>
+                          <a:latin typeface="Arial" pitchFamily="34" charset="0"/>
+                          <a:ea typeface="Arial" pitchFamily="34" charset="-122"/>
+                          <a:cs typeface="Arial" pitchFamily="34" charset="-120"/>
+                        </a:rPr>
+                        <a:t>One hardened platform</a:t>
+                      </a:r>
+                      <a:endParaRPr lang="en-US" sz="1100" dirty="0">
+                        <a:latin typeface="Arial" charset="0"/>
+                        <a:ea typeface="Arial" charset="0"/>
+                        <a:cs typeface="Arial" charset="0"/>
+                      </a:endParaRPr>
+                    </a:p>
+                  </a:txBody>
+                  <a:tcPr marL="91440" marR="91440" marT="45720" marB="45720">
+                    <a:lnL w="6350" cap="flat" cmpd="sng" algn="ctr">
+                      <a:solidFill>
+                        <a:srgbClr val="E2E8F0"/>
+                      </a:solidFill>
+                      <a:prstDash val="solid"/>
+                      <a:round/>
+                      <a:headEnd type="none" w="med" len="med"/>
+                      <a:tailEnd type="none" w="med" len="med"/>
+                    </a:lnL>
+                    <a:lnR w="6350" cap="flat" cmpd="sng" algn="ctr">
+                      <a:solidFill>
+                        <a:srgbClr val="E2E8F0"/>
+                      </a:solidFill>
+                      <a:prstDash val="solid"/>
+                      <a:round/>
+                      <a:headEnd type="none" w="med" len="med"/>
+                      <a:tailEnd type="none" w="med" len="med"/>
+                    </a:lnR>
+                    <a:lnT w="6350" cap="flat" cmpd="sng" algn="ctr">
+                      <a:solidFill>
+                        <a:srgbClr val="E2E8F0"/>
+                      </a:solidFill>
+                      <a:prstDash val="solid"/>
+                      <a:round/>
+                      <a:headEnd type="none" w="med" len="med"/>
+                      <a:tailEnd type="none" w="med" len="med"/>
+                    </a:lnT>
+                    <a:lnB w="6350" cap="flat" cmpd="sng" algn="ctr">
+                      <a:solidFill>
+                        <a:srgbClr val="E2E8F0"/>
+                      </a:solidFill>
+                      <a:prstDash val="solid"/>
+                      <a:round/>
+                      <a:headEnd type="none" w="med" len="med"/>
+                      <a:tailEnd type="none" w="med" len="med"/>
+                    </a:lnB>
+                    <a:solidFill>
+                      <a:srgbClr val="BBF7D0"/>
+                    </a:solidFill>
+                  </a:tcPr>
+                </a:tc>
+              </a:tr>
+              <a:tr h="0">
+                <a:tc>
+                  <a:txBody>
+                    <a:bodyPr/>
+                    <a:lstStyle/>
+                    <a:p>
+                      <a:pPr algn="l" indent="0" marL="0">
+                        <a:buNone/>
+                      </a:pPr>
+                      <a:r>
+                        <a:rPr lang="en-US" sz="1100" dirty="0">
+                          <a:solidFill>
+                            <a:srgbClr val="334155"/>
+                          </a:solidFill>
+                          <a:latin typeface="Arial" pitchFamily="34" charset="0"/>
+                          <a:ea typeface="Arial" pitchFamily="34" charset="-122"/>
+                          <a:cs typeface="Arial" pitchFamily="34" charset="-120"/>
+                        </a:rPr>
+                        <a:t>Unique requirements each time</a:t>
+                      </a:r>
+                      <a:endParaRPr lang="en-US" sz="1100" dirty="0">
+                        <a:latin typeface="Arial" charset="0"/>
+                        <a:ea typeface="Arial" charset="0"/>
+                        <a:cs typeface="Arial" charset="0"/>
+                      </a:endParaRPr>
+                    </a:p>
+                  </a:txBody>
+                  <a:tcPr marL="91440" marR="91440" marT="45720" marB="45720">
+                    <a:lnL w="6350" cap="flat" cmpd="sng" algn="ctr">
+                      <a:solidFill>
+                        <a:srgbClr val="E2E8F0"/>
+                      </a:solidFill>
+                      <a:prstDash val="solid"/>
+                      <a:round/>
+                      <a:headEnd type="none" w="med" len="med"/>
+                      <a:tailEnd type="none" w="med" len="med"/>
+                    </a:lnL>
+                    <a:lnR w="6350" cap="flat" cmpd="sng" algn="ctr">
+                      <a:solidFill>
+                        <a:srgbClr val="E2E8F0"/>
+                      </a:solidFill>
+                      <a:prstDash val="solid"/>
+                      <a:round/>
+                      <a:headEnd type="none" w="med" len="med"/>
+                      <a:tailEnd type="none" w="med" len="med"/>
+                    </a:lnR>
+                    <a:lnT w="6350" cap="flat" cmpd="sng" algn="ctr">
+                      <a:solidFill>
+                        <a:srgbClr val="E2E8F0"/>
+                      </a:solidFill>
+                      <a:prstDash val="solid"/>
+                      <a:round/>
+                      <a:headEnd type="none" w="med" len="med"/>
+                      <a:tailEnd type="none" w="med" len="med"/>
+                    </a:lnT>
+                    <a:lnB w="6350" cap="flat" cmpd="sng" algn="ctr">
+                      <a:solidFill>
+                        <a:srgbClr val="E2E8F0"/>
+                      </a:solidFill>
+                      <a:prstDash val="solid"/>
+                      <a:round/>
+                      <a:headEnd type="none" w="med" len="med"/>
+                      <a:tailEnd type="none" w="med" len="med"/>
+                    </a:lnB>
+                    <a:solidFill>
+                      <a:srgbClr val="FECACA"/>
+                    </a:solidFill>
+                  </a:tcPr>
+                </a:tc>
+                <a:tc>
+                  <a:txBody>
+                    <a:bodyPr/>
+                    <a:lstStyle/>
+                    <a:p>
+                      <a:pPr algn="l" indent="0" marL="0">
+                        <a:buNone/>
+                      </a:pPr>
+                      <a:r>
+                        <a:rPr lang="en-US" sz="1100" dirty="0">
+                          <a:solidFill>
+                            <a:srgbClr val="334155"/>
+                          </a:solidFill>
+                          <a:latin typeface="Arial" pitchFamily="34" charset="0"/>
+                          <a:ea typeface="Arial" pitchFamily="34" charset="-122"/>
+                          <a:cs typeface="Arial" pitchFamily="34" charset="-120"/>
+                        </a:rPr>
+                        <a:t>Inheritable controls</a:t>
+                      </a:r>
+                      <a:endParaRPr lang="en-US" sz="1100" dirty="0">
+                        <a:latin typeface="Arial" charset="0"/>
+                        <a:ea typeface="Arial" charset="0"/>
+                        <a:cs typeface="Arial" charset="0"/>
+                      </a:endParaRPr>
+                    </a:p>
+                  </a:txBody>
+                  <a:tcPr marL="91440" marR="91440" marT="45720" marB="45720">
+                    <a:lnL w="6350" cap="flat" cmpd="sng" algn="ctr">
+                      <a:solidFill>
+                        <a:srgbClr val="E2E8F0"/>
+                      </a:solidFill>
+                      <a:prstDash val="solid"/>
+                      <a:round/>
+                      <a:headEnd type="none" w="med" len="med"/>
+                      <a:tailEnd type="none" w="med" len="med"/>
+                    </a:lnL>
+                    <a:lnR w="6350" cap="flat" cmpd="sng" algn="ctr">
+                      <a:solidFill>
+                        <a:srgbClr val="E2E8F0"/>
+                      </a:solidFill>
+                      <a:prstDash val="solid"/>
+                      <a:round/>
+                      <a:headEnd type="none" w="med" len="med"/>
+                      <a:tailEnd type="none" w="med" len="med"/>
+                    </a:lnR>
+                    <a:lnT w="6350" cap="flat" cmpd="sng" algn="ctr">
+                      <a:solidFill>
+                        <a:srgbClr val="E2E8F0"/>
+                      </a:solidFill>
+                      <a:prstDash val="solid"/>
+                      <a:round/>
+                      <a:headEnd type="none" w="med" len="med"/>
+                      <a:tailEnd type="none" w="med" len="med"/>
+                    </a:lnT>
+                    <a:lnB w="6350" cap="flat" cmpd="sng" algn="ctr">
+                      <a:solidFill>
+                        <a:srgbClr val="E2E8F0"/>
+                      </a:solidFill>
+                      <a:prstDash val="solid"/>
+                      <a:round/>
+                      <a:headEnd type="none" w="med" len="med"/>
+                      <a:tailEnd type="none" w="med" len="med"/>
+                    </a:lnB>
+                    <a:solidFill>
+                      <a:srgbClr val="BBF7D0"/>
+                    </a:solidFill>
+                  </a:tcPr>
+                </a:tc>
+              </a:tr>
+              <a:tr h="0">
+                <a:tc>
+                  <a:txBody>
+                    <a:bodyPr/>
+                    <a:lstStyle/>
+                    <a:p>
+                      <a:pPr algn="l" indent="0" marL="0">
+                        <a:buNone/>
+                      </a:pPr>
+                      <a:r>
+                        <a:rPr lang="en-US" sz="1100" dirty="0">
+                          <a:solidFill>
+                            <a:srgbClr val="334155"/>
+                          </a:solidFill>
+                          <a:latin typeface="Arial" pitchFamily="34" charset="0"/>
+                          <a:ea typeface="Arial" pitchFamily="34" charset="-122"/>
+                          <a:cs typeface="Arial" pitchFamily="34" charset="-120"/>
+                        </a:rPr>
+                        <a:t>Manual evidence collection</a:t>
+                      </a:r>
+                      <a:endParaRPr lang="en-US" sz="1100" dirty="0">
+                        <a:latin typeface="Arial" charset="0"/>
+                        <a:ea typeface="Arial" charset="0"/>
+                        <a:cs typeface="Arial" charset="0"/>
+                      </a:endParaRPr>
+                    </a:p>
+                  </a:txBody>
+                  <a:tcPr marL="91440" marR="91440" marT="45720" marB="45720">
+                    <a:lnL w="6350" cap="flat" cmpd="sng" algn="ctr">
+                      <a:solidFill>
+                        <a:srgbClr val="E2E8F0"/>
+                      </a:solidFill>
+                      <a:prstDash val="solid"/>
+                      <a:round/>
+                      <a:headEnd type="none" w="med" len="med"/>
+                      <a:tailEnd type="none" w="med" len="med"/>
+                    </a:lnL>
+                    <a:lnR w="6350" cap="flat" cmpd="sng" algn="ctr">
+                      <a:solidFill>
+                        <a:srgbClr val="E2E8F0"/>
+                      </a:solidFill>
+                      <a:prstDash val="solid"/>
+                      <a:round/>
+                      <a:headEnd type="none" w="med" len="med"/>
+                      <a:tailEnd type="none" w="med" len="med"/>
+                    </a:lnR>
+                    <a:lnT w="6350" cap="flat" cmpd="sng" algn="ctr">
+                      <a:solidFill>
+                        <a:srgbClr val="E2E8F0"/>
+                      </a:solidFill>
+                      <a:prstDash val="solid"/>
+                      <a:round/>
+                      <a:headEnd type="none" w="med" len="med"/>
+                      <a:tailEnd type="none" w="med" len="med"/>
+                    </a:lnT>
+                    <a:lnB w="6350" cap="flat" cmpd="sng" algn="ctr">
+                      <a:solidFill>
+                        <a:srgbClr val="E2E8F0"/>
+                      </a:solidFill>
+                      <a:prstDash val="solid"/>
+                      <a:round/>
+                      <a:headEnd type="none" w="med" len="med"/>
+                      <a:tailEnd type="none" w="med" len="med"/>
+                    </a:lnB>
+                    <a:solidFill>
+                      <a:srgbClr val="FECACA"/>
+                    </a:solidFill>
+                  </a:tcPr>
+                </a:tc>
+                <a:tc>
+                  <a:txBody>
+                    <a:bodyPr/>
+                    <a:lstStyle/>
+                    <a:p>
+                      <a:pPr algn="l" indent="0" marL="0">
+                        <a:buNone/>
+                      </a:pPr>
+                      <a:r>
+                        <a:rPr lang="en-US" sz="1100" dirty="0">
+                          <a:solidFill>
+                            <a:srgbClr val="334155"/>
+                          </a:solidFill>
+                          <a:latin typeface="Arial" pitchFamily="34" charset="0"/>
+                          <a:ea typeface="Arial" pitchFamily="34" charset="-122"/>
+                          <a:cs typeface="Arial" pitchFamily="34" charset="-120"/>
+                        </a:rPr>
+                        <a:t>Automated compliance</a:t>
+                      </a:r>
+                      <a:endParaRPr lang="en-US" sz="1100" dirty="0">
+                        <a:latin typeface="Arial" charset="0"/>
+                        <a:ea typeface="Arial" charset="0"/>
+                        <a:cs typeface="Arial" charset="0"/>
+                      </a:endParaRPr>
+                    </a:p>
+                  </a:txBody>
+                  <a:tcPr marL="91440" marR="91440" marT="45720" marB="45720">
+                    <a:lnL w="6350" cap="flat" cmpd="sng" algn="ctr">
+                      <a:solidFill>
+                        <a:srgbClr val="E2E8F0"/>
+                      </a:solidFill>
+                      <a:prstDash val="solid"/>
+                      <a:round/>
+                      <a:headEnd type="none" w="med" len="med"/>
+                      <a:tailEnd type="none" w="med" len="med"/>
+                    </a:lnL>
+                    <a:lnR w="6350" cap="flat" cmpd="sng" algn="ctr">
+                      <a:solidFill>
+                        <a:srgbClr val="E2E8F0"/>
+                      </a:solidFill>
+                      <a:prstDash val="solid"/>
+                      <a:round/>
+                      <a:headEnd type="none" w="med" len="med"/>
+                      <a:tailEnd type="none" w="med" len="med"/>
+                    </a:lnR>
+                    <a:lnT w="6350" cap="flat" cmpd="sng" algn="ctr">
+                      <a:solidFill>
+                        <a:srgbClr val="E2E8F0"/>
+                      </a:solidFill>
+                      <a:prstDash val="solid"/>
+                      <a:round/>
+                      <a:headEnd type="none" w="med" len="med"/>
+                      <a:tailEnd type="none" w="med" len="med"/>
+                    </a:lnT>
+                    <a:lnB w="6350" cap="flat" cmpd="sng" algn="ctr">
+                      <a:solidFill>
+                        <a:srgbClr val="E2E8F0"/>
+                      </a:solidFill>
+                      <a:prstDash val="solid"/>
+                      <a:round/>
+                      <a:headEnd type="none" w="med" len="med"/>
+                      <a:tailEnd type="none" w="med" len="med"/>
+                    </a:lnB>
+                    <a:solidFill>
+                      <a:srgbClr val="BBF7D0"/>
+                    </a:solidFill>
+                  </a:tcPr>
+                </a:tc>
+              </a:tr>
+              <a:tr h="0">
+                <a:tc>
+                  <a:txBody>
+                    <a:bodyPr/>
+                    <a:lstStyle/>
+                    <a:p>
+                      <a:pPr algn="l" indent="0" marL="0">
+                        <a:buNone/>
+                      </a:pPr>
+                      <a:r>
+                        <a:rPr lang="en-US" sz="1100" dirty="0">
+                          <a:solidFill>
+                            <a:srgbClr val="334155"/>
+                          </a:solidFill>
+                          <a:latin typeface="Arial" pitchFamily="34" charset="0"/>
+                          <a:ea typeface="Arial" pitchFamily="34" charset="-122"/>
+                          <a:cs typeface="Arial" pitchFamily="34" charset="-120"/>
+                        </a:rPr>
+                        <a:t>12-18 month ATOs</a:t>
+                      </a:r>
+                      <a:endParaRPr lang="en-US" sz="1100" dirty="0">
+                        <a:latin typeface="Arial" charset="0"/>
+                        <a:ea typeface="Arial" charset="0"/>
+                        <a:cs typeface="Arial" charset="0"/>
+                      </a:endParaRPr>
+                    </a:p>
+                  </a:txBody>
+                  <a:tcPr marL="91440" marR="91440" marT="45720" marB="45720">
+                    <a:lnL w="6350" cap="flat" cmpd="sng" algn="ctr">
+                      <a:solidFill>
+                        <a:srgbClr val="E2E8F0"/>
+                      </a:solidFill>
+                      <a:prstDash val="solid"/>
+                      <a:round/>
+                      <a:headEnd type="none" w="med" len="med"/>
+                      <a:tailEnd type="none" w="med" len="med"/>
+                    </a:lnL>
+                    <a:lnR w="6350" cap="flat" cmpd="sng" algn="ctr">
+                      <a:solidFill>
+                        <a:srgbClr val="E2E8F0"/>
+                      </a:solidFill>
+                      <a:prstDash val="solid"/>
+                      <a:round/>
+                      <a:headEnd type="none" w="med" len="med"/>
+                      <a:tailEnd type="none" w="med" len="med"/>
+                    </a:lnR>
+                    <a:lnT w="6350" cap="flat" cmpd="sng" algn="ctr">
+                      <a:solidFill>
+                        <a:srgbClr val="E2E8F0"/>
+                      </a:solidFill>
+                      <a:prstDash val="solid"/>
+                      <a:round/>
+                      <a:headEnd type="none" w="med" len="med"/>
+                      <a:tailEnd type="none" w="med" len="med"/>
+                    </a:lnT>
+                    <a:lnB w="6350" cap="flat" cmpd="sng" algn="ctr">
+                      <a:solidFill>
+                        <a:srgbClr val="E2E8F0"/>
+                      </a:solidFill>
+                      <a:prstDash val="solid"/>
+                      <a:round/>
+                      <a:headEnd type="none" w="med" len="med"/>
+                      <a:tailEnd type="none" w="med" len="med"/>
+                    </a:lnB>
+                    <a:solidFill>
+                      <a:srgbClr val="FECACA"/>
+                    </a:solidFill>
+                  </a:tcPr>
+                </a:tc>
+                <a:tc>
+                  <a:txBody>
+                    <a:bodyPr/>
+                    <a:lstStyle/>
+                    <a:p>
+                      <a:pPr algn="l" indent="0" marL="0">
+                        <a:buNone/>
+                      </a:pPr>
+                      <a:r>
+                        <a:rPr lang="en-US" sz="1100" dirty="0">
+                          <a:solidFill>
+                            <a:srgbClr val="334155"/>
+                          </a:solidFill>
+                          <a:latin typeface="Arial" pitchFamily="34" charset="0"/>
+                          <a:ea typeface="Arial" pitchFamily="34" charset="-122"/>
+                          <a:cs typeface="Arial" pitchFamily="34" charset="-120"/>
+                        </a:rPr>
+                        <a:t>Days to weeks</a:t>
+                      </a:r>
+                      <a:endParaRPr lang="en-US" sz="1100" dirty="0">
+                        <a:latin typeface="Arial" charset="0"/>
+                        <a:ea typeface="Arial" charset="0"/>
+                        <a:cs typeface="Arial" charset="0"/>
+                      </a:endParaRPr>
+                    </a:p>
+                  </a:txBody>
+                  <a:tcPr marL="91440" marR="91440" marT="45720" marB="45720">
+                    <a:lnL w="6350" cap="flat" cmpd="sng" algn="ctr">
+                      <a:solidFill>
+                        <a:srgbClr val="E2E8F0"/>
+                      </a:solidFill>
+                      <a:prstDash val="solid"/>
+                      <a:round/>
+                      <a:headEnd type="none" w="med" len="med"/>
+                      <a:tailEnd type="none" w="med" len="med"/>
+                    </a:lnL>
+                    <a:lnR w="6350" cap="flat" cmpd="sng" algn="ctr">
+                      <a:solidFill>
+                        <a:srgbClr val="E2E8F0"/>
+                      </a:solidFill>
+                      <a:prstDash val="solid"/>
+                      <a:round/>
+                      <a:headEnd type="none" w="med" len="med"/>
+                      <a:tailEnd type="none" w="med" len="med"/>
+                    </a:lnR>
+                    <a:lnT w="6350" cap="flat" cmpd="sng" algn="ctr">
+                      <a:solidFill>
+                        <a:srgbClr val="E2E8F0"/>
+                      </a:solidFill>
+                      <a:prstDash val="solid"/>
+                      <a:round/>
+                      <a:headEnd type="none" w="med" len="med"/>
+                      <a:tailEnd type="none" w="med" len="med"/>
+                    </a:lnT>
+                    <a:lnB w="6350" cap="flat" cmpd="sng" algn="ctr">
+                      <a:solidFill>
+                        <a:srgbClr val="E2E8F0"/>
+                      </a:solidFill>
+                      <a:prstDash val="solid"/>
+                      <a:round/>
+                      <a:headEnd type="none" w="med" len="med"/>
+                      <a:tailEnd type="none" w="med" len="med"/>
+                    </a:lnB>
+                    <a:solidFill>
+                      <a:srgbClr val="BBF7D0"/>
+                    </a:solidFill>
+                  </a:tcPr>
+                </a:tc>
+              </a:tr>
+              <a:tr h="0">
+                <a:tc>
+                  <a:txBody>
+                    <a:bodyPr/>
+                    <a:lstStyle/>
+                    <a:p>
+                      <a:pPr algn="l" indent="0" marL="0">
+                        <a:buNone/>
+                      </a:pPr>
+                      <a:r>
+                        <a:rPr lang="en-US" sz="1100" dirty="0">
+                          <a:solidFill>
+                            <a:srgbClr val="334155"/>
+                          </a:solidFill>
+                          <a:latin typeface="Arial" pitchFamily="34" charset="0"/>
+                          <a:ea typeface="Arial" pitchFamily="34" charset="-122"/>
+                          <a:cs typeface="Arial" pitchFamily="34" charset="-120"/>
+                        </a:rPr>
+                        <a:t>Duplicated labor costs</a:t>
+                      </a:r>
+                      <a:endParaRPr lang="en-US" sz="1100" dirty="0">
+                        <a:latin typeface="Arial" charset="0"/>
+                        <a:ea typeface="Arial" charset="0"/>
+                        <a:cs typeface="Arial" charset="0"/>
+                      </a:endParaRPr>
+                    </a:p>
+                  </a:txBody>
+                  <a:tcPr marL="91440" marR="91440" marT="45720" marB="45720">
+                    <a:lnL w="6350" cap="flat" cmpd="sng" algn="ctr">
+                      <a:solidFill>
+                        <a:srgbClr val="E2E8F0"/>
+                      </a:solidFill>
+                      <a:prstDash val="solid"/>
+                      <a:round/>
+                      <a:headEnd type="none" w="med" len="med"/>
+                      <a:tailEnd type="none" w="med" len="med"/>
+                    </a:lnL>
+                    <a:lnR w="6350" cap="flat" cmpd="sng" algn="ctr">
+                      <a:solidFill>
+                        <a:srgbClr val="E2E8F0"/>
+                      </a:solidFill>
+                      <a:prstDash val="solid"/>
+                      <a:round/>
+                      <a:headEnd type="none" w="med" len="med"/>
+                      <a:tailEnd type="none" w="med" len="med"/>
+                    </a:lnR>
+                    <a:lnT w="6350" cap="flat" cmpd="sng" algn="ctr">
+                      <a:solidFill>
+                        <a:srgbClr val="E2E8F0"/>
+                      </a:solidFill>
+                      <a:prstDash val="solid"/>
+                      <a:round/>
+                      <a:headEnd type="none" w="med" len="med"/>
+                      <a:tailEnd type="none" w="med" len="med"/>
+                    </a:lnT>
+                    <a:lnB w="6350" cap="flat" cmpd="sng" algn="ctr">
+                      <a:solidFill>
+                        <a:srgbClr val="E2E8F0"/>
+                      </a:solidFill>
+                      <a:prstDash val="solid"/>
+                      <a:round/>
+                      <a:headEnd type="none" w="med" len="med"/>
+                      <a:tailEnd type="none" w="med" len="med"/>
+                    </a:lnB>
+                    <a:solidFill>
+                      <a:srgbClr val="FECACA"/>
+                    </a:solidFill>
+                  </a:tcPr>
+                </a:tc>
+                <a:tc>
+                  <a:txBody>
+                    <a:bodyPr/>
+                    <a:lstStyle/>
+                    <a:p>
+                      <a:pPr algn="l" indent="0" marL="0">
+                        <a:buNone/>
+                      </a:pPr>
+                      <a:r>
+                        <a:rPr lang="en-US" sz="1100" dirty="0">
+                          <a:solidFill>
+                            <a:srgbClr val="334155"/>
+                          </a:solidFill>
+                          <a:latin typeface="Arial" pitchFamily="34" charset="0"/>
+                          <a:ea typeface="Arial" pitchFamily="34" charset="-122"/>
+                          <a:cs typeface="Arial" pitchFamily="34" charset="-120"/>
+                        </a:rPr>
+                        <a:t>Mission-focused teams</a:t>
+                      </a:r>
+                      <a:endParaRPr lang="en-US" sz="1100" dirty="0">
+                        <a:latin typeface="Arial" charset="0"/>
+                        <a:ea typeface="Arial" charset="0"/>
+                        <a:cs typeface="Arial" charset="0"/>
+                      </a:endParaRPr>
+                    </a:p>
+                  </a:txBody>
+                  <a:tcPr marL="91440" marR="91440" marT="45720" marB="45720">
+                    <a:lnL w="6350" cap="flat" cmpd="sng" algn="ctr">
+                      <a:solidFill>
+                        <a:srgbClr val="E2E8F0"/>
+                      </a:solidFill>
+                      <a:prstDash val="solid"/>
+                      <a:round/>
+                      <a:headEnd type="none" w="med" len="med"/>
+                      <a:tailEnd type="none" w="med" len="med"/>
+                    </a:lnL>
+                    <a:lnR w="6350" cap="flat" cmpd="sng" algn="ctr">
+                      <a:solidFill>
+                        <a:srgbClr val="E2E8F0"/>
+                      </a:solidFill>
+                      <a:prstDash val="solid"/>
+                      <a:round/>
+                      <a:headEnd type="none" w="med" len="med"/>
+                      <a:tailEnd type="none" w="med" len="med"/>
+                    </a:lnR>
+                    <a:lnT w="6350" cap="flat" cmpd="sng" algn="ctr">
+                      <a:solidFill>
+                        <a:srgbClr val="E2E8F0"/>
+                      </a:solidFill>
+                      <a:prstDash val="solid"/>
+                      <a:round/>
+                      <a:headEnd type="none" w="med" len="med"/>
+                      <a:tailEnd type="none" w="med" len="med"/>
+                    </a:lnT>
+                    <a:lnB w="6350" cap="flat" cmpd="sng" algn="ctr">
+                      <a:solidFill>
+                        <a:srgbClr val="E2E8F0"/>
+                      </a:solidFill>
+                      <a:prstDash val="solid"/>
+                      <a:round/>
+                      <a:headEnd type="none" w="med" len="med"/>
+                      <a:tailEnd type="none" w="med" len="med"/>
+                    </a:lnB>
+                    <a:solidFill>
+                      <a:srgbClr val="BBF7D0"/>
+                    </a:solidFill>
+                  </a:tcPr>
+                </a:tc>
+              </a:tr>
+            </a:tbl>
+          </a:graphicData>
+        </a:graphic>
+      </p:graphicFrame>
+      <p:sp>
+        <p:nvSpPr>
+          <p:cNvPr id="7" name="Text 4"/>
+          <p:cNvSpPr/>
+          <p:nvPr/>
+        </p:nvSpPr>
+        <p:spPr>
+          <a:xfrm>
+            <a:off x="8229600" y="4777740"/>
+            <a:ext cx="731520" cy="274320"/>
+          </a:xfrm>
+          <a:prstGeom prst="rect">
+            <a:avLst/>
+          </a:prstGeom>
+          <a:noFill/>
+          <a:ln/>
+        </p:spPr>
+        <p:txBody>
+          <a:bodyPr wrap="square" rtlCol="0" anchor="ctr"/>
+          <a:lstStyle/>
+          <a:p>
+            <a:pPr algn="r" indent="0" marL="0">
+              <a:buNone/>
+            </a:pPr>
+            <a:r>
+              <a:rPr lang="en-US" sz="900" dirty="0">
+                <a:solidFill>
+                  <a:srgbClr val="475569"/>
+                </a:solidFill>
+              </a:rPr>
+              <a:t>10 / 14</a:t>
+            </a:r>
+            <a:endParaRPr lang="en-US" sz="900" dirty="0"/>
+          </a:p>
+        </p:txBody>
+      </p:sp>
     </p:spTree>
   </p:cSld>
   <p:clrMapOvr>
@@ -2123,20 +3678,12 @@
           <a:chExt cx="0" cy="0"/>
         </a:xfrm>
       </p:grpSpPr>
-      <p:pic>
-        <p:nvPicPr>
-          <p:cNvPr id="2" name="Image 0" descr="preencoded.png">    </p:cNvPr>
-          <p:cNvPicPr>
-            <a:picLocks noChangeAspect="1"/>
-          </p:cNvPicPr>
-          <p:nvPr/>
-        </p:nvPicPr>
-        <p:blipFill>
-          <a:blip r:embed="rId1"/>
-          <a:stretch>
-            <a:fillRect/>
-          </a:stretch>
-        </p:blipFill>
+      <p:sp>
+        <p:nvSpPr>
+          <p:cNvPr id="2" name="Shape 0"/>
+          <p:cNvSpPr/>
+          <p:nvPr/>
+        </p:nvSpPr>
         <p:spPr>
           <a:xfrm>
             <a:off x="0" y="0"/>
@@ -2145,8 +3692,674 @@
           <a:prstGeom prst="rect">
             <a:avLst/>
           </a:prstGeom>
-        </p:spPr>
-      </p:pic>
+          <a:solidFill>
+            <a:srgbClr val="F8FAFC"/>
+          </a:solidFill>
+          <a:ln/>
+        </p:spPr>
+      </p:sp>
+      <p:sp>
+        <p:nvSpPr>
+          <p:cNvPr id="3" name="Shape 1"/>
+          <p:cNvSpPr/>
+          <p:nvPr/>
+        </p:nvSpPr>
+        <p:spPr>
+          <a:xfrm>
+            <a:off x="0" y="0"/>
+            <a:ext cx="9144000" cy="73152"/>
+          </a:xfrm>
+          <a:prstGeom prst="rect">
+            <a:avLst/>
+          </a:prstGeom>
+          <a:solidFill>
+            <a:srgbClr val="1E3A5F"/>
+          </a:solidFill>
+          <a:ln/>
+        </p:spPr>
+      </p:sp>
+      <p:sp>
+        <p:nvSpPr>
+          <p:cNvPr id="4" name="Shape 2"/>
+          <p:cNvSpPr/>
+          <p:nvPr/>
+        </p:nvSpPr>
+        <p:spPr>
+          <a:xfrm>
+            <a:off x="0" y="5070348"/>
+            <a:ext cx="9144000" cy="73152"/>
+          </a:xfrm>
+          <a:prstGeom prst="rect">
+            <a:avLst/>
+          </a:prstGeom>
+          <a:solidFill>
+            <a:srgbClr val="0D9488"/>
+          </a:solidFill>
+          <a:ln/>
+        </p:spPr>
+      </p:sp>
+      <p:sp>
+        <p:nvSpPr>
+          <p:cNvPr id="5" name="Text 3"/>
+          <p:cNvSpPr/>
+          <p:nvPr/>
+        </p:nvSpPr>
+        <p:spPr>
+          <a:xfrm>
+            <a:off x="457200" y="274320"/>
+            <a:ext cx="8229600" cy="548640"/>
+          </a:xfrm>
+          <a:prstGeom prst="rect">
+            <a:avLst/>
+          </a:prstGeom>
+          <a:noFill/>
+          <a:ln/>
+        </p:spPr>
+        <p:txBody>
+          <a:bodyPr wrap="square" rtlCol="0" anchor="ctr"/>
+          <a:lstStyle/>
+          <a:p>
+            <a:pPr indent="0" marL="0">
+              <a:buNone/>
+            </a:pPr>
+            <a:r>
+              <a:rPr lang="en-US" sz="3200" b="1" dirty="0">
+                <a:solidFill>
+                  <a:srgbClr val="1E3A5F"/>
+                </a:solidFill>
+              </a:rPr>
+              <a:t>Five Steps to Get There</a:t>
+            </a:r>
+            <a:endParaRPr lang="en-US" sz="3200" dirty="0"/>
+          </a:p>
+        </p:txBody>
+      </p:sp>
+      <p:sp>
+        <p:nvSpPr>
+          <p:cNvPr id="6" name="Shape 4"/>
+          <p:cNvSpPr/>
+          <p:nvPr/>
+        </p:nvSpPr>
+        <p:spPr>
+          <a:xfrm>
+            <a:off x="1280160" y="2331720"/>
+            <a:ext cx="6583680" cy="73152"/>
+          </a:xfrm>
+          <a:prstGeom prst="rect">
+            <a:avLst/>
+          </a:prstGeom>
+          <a:solidFill>
+            <a:srgbClr val="0D9488"/>
+          </a:solidFill>
+          <a:ln/>
+        </p:spPr>
+      </p:sp>
+      <p:sp>
+        <p:nvSpPr>
+          <p:cNvPr id="7" name="Shape 5"/>
+          <p:cNvSpPr/>
+          <p:nvPr/>
+        </p:nvSpPr>
+        <p:spPr>
+          <a:xfrm>
+            <a:off x="960120" y="2057400"/>
+            <a:ext cx="640080" cy="640080"/>
+          </a:xfrm>
+          <a:prstGeom prst="ellipse">
+            <a:avLst/>
+          </a:prstGeom>
+          <a:solidFill>
+            <a:srgbClr val="0D9488"/>
+          </a:solidFill>
+          <a:ln/>
+        </p:spPr>
+      </p:sp>
+      <p:sp>
+        <p:nvSpPr>
+          <p:cNvPr id="8" name="Text 6"/>
+          <p:cNvSpPr/>
+          <p:nvPr/>
+        </p:nvSpPr>
+        <p:spPr>
+          <a:xfrm>
+            <a:off x="960120" y="2176272"/>
+            <a:ext cx="640080" cy="457200"/>
+          </a:xfrm>
+          <a:prstGeom prst="rect">
+            <a:avLst/>
+          </a:prstGeom>
+          <a:noFill/>
+          <a:ln/>
+        </p:spPr>
+        <p:txBody>
+          <a:bodyPr wrap="square" rtlCol="0" anchor="ctr"/>
+          <a:lstStyle/>
+          <a:p>
+            <a:pPr algn="ctr" indent="0" marL="0">
+              <a:buNone/>
+            </a:pPr>
+            <a:r>
+              <a:rPr lang="en-US" sz="1800" b="1" dirty="0">
+                <a:solidFill>
+                  <a:srgbClr val="FFFFFF"/>
+                </a:solidFill>
+              </a:rPr>
+              <a:t>1</a:t>
+            </a:r>
+            <a:endParaRPr lang="en-US" sz="1800" dirty="0"/>
+          </a:p>
+        </p:txBody>
+      </p:sp>
+      <p:sp>
+        <p:nvSpPr>
+          <p:cNvPr id="9" name="Text 7"/>
+          <p:cNvSpPr/>
+          <p:nvPr/>
+        </p:nvSpPr>
+        <p:spPr>
+          <a:xfrm>
+            <a:off x="594360" y="2834640"/>
+            <a:ext cx="1371600" cy="640080"/>
+          </a:xfrm>
+          <a:prstGeom prst="rect">
+            <a:avLst/>
+          </a:prstGeom>
+          <a:noFill/>
+          <a:ln/>
+        </p:spPr>
+        <p:txBody>
+          <a:bodyPr wrap="square" rtlCol="0" anchor="ctr"/>
+          <a:lstStyle/>
+          <a:p>
+            <a:pPr algn="ctr" indent="0" marL="0">
+              <a:buNone/>
+            </a:pPr>
+            <a:r>
+              <a:rPr lang="en-US" sz="1100" dirty="0">
+                <a:solidFill>
+                  <a:srgbClr val="334155"/>
+                </a:solidFill>
+              </a:rPr>
+              <a:t>Establish</a:t>
+            </a:r>
+            <a:endParaRPr lang="en-US" sz="1100" dirty="0"/>
+          </a:p>
+          <a:p>
+            <a:pPr algn="ctr" indent="0" marL="0">
+              <a:buNone/>
+            </a:pPr>
+            <a:r>
+              <a:rPr lang="en-US" sz="1100" dirty="0">
+                <a:solidFill>
+                  <a:srgbClr val="334155"/>
+                </a:solidFill>
+              </a:rPr>
+              <a:t>DSOP</a:t>
+            </a:r>
+            <a:endParaRPr lang="en-US" sz="1100" dirty="0"/>
+          </a:p>
+        </p:txBody>
+      </p:sp>
+      <p:sp>
+        <p:nvSpPr>
+          <p:cNvPr id="10" name="Shape 8"/>
+          <p:cNvSpPr/>
+          <p:nvPr/>
+        </p:nvSpPr>
+        <p:spPr>
+          <a:xfrm>
+            <a:off x="2606040" y="2057400"/>
+            <a:ext cx="640080" cy="640080"/>
+          </a:xfrm>
+          <a:prstGeom prst="ellipse">
+            <a:avLst/>
+          </a:prstGeom>
+          <a:solidFill>
+            <a:srgbClr val="0D9488"/>
+          </a:solidFill>
+          <a:ln/>
+        </p:spPr>
+      </p:sp>
+      <p:sp>
+        <p:nvSpPr>
+          <p:cNvPr id="11" name="Text 9"/>
+          <p:cNvSpPr/>
+          <p:nvPr/>
+        </p:nvSpPr>
+        <p:spPr>
+          <a:xfrm>
+            <a:off x="2606040" y="2176272"/>
+            <a:ext cx="640080" cy="457200"/>
+          </a:xfrm>
+          <a:prstGeom prst="rect">
+            <a:avLst/>
+          </a:prstGeom>
+          <a:noFill/>
+          <a:ln/>
+        </p:spPr>
+        <p:txBody>
+          <a:bodyPr wrap="square" rtlCol="0" anchor="ctr"/>
+          <a:lstStyle/>
+          <a:p>
+            <a:pPr algn="ctr" indent="0" marL="0">
+              <a:buNone/>
+            </a:pPr>
+            <a:r>
+              <a:rPr lang="en-US" sz="1800" b="1" dirty="0">
+                <a:solidFill>
+                  <a:srgbClr val="FFFFFF"/>
+                </a:solidFill>
+              </a:rPr>
+              <a:t>2</a:t>
+            </a:r>
+            <a:endParaRPr lang="en-US" sz="1800" dirty="0"/>
+          </a:p>
+        </p:txBody>
+      </p:sp>
+      <p:sp>
+        <p:nvSpPr>
+          <p:cNvPr id="12" name="Text 10"/>
+          <p:cNvSpPr/>
+          <p:nvPr/>
+        </p:nvSpPr>
+        <p:spPr>
+          <a:xfrm>
+            <a:off x="2240280" y="2834640"/>
+            <a:ext cx="1371600" cy="640080"/>
+          </a:xfrm>
+          <a:prstGeom prst="rect">
+            <a:avLst/>
+          </a:prstGeom>
+          <a:noFill/>
+          <a:ln/>
+        </p:spPr>
+        <p:txBody>
+          <a:bodyPr wrap="square" rtlCol="0" anchor="ctr"/>
+          <a:lstStyle/>
+          <a:p>
+            <a:pPr algn="ctr" indent="0" marL="0">
+              <a:buNone/>
+            </a:pPr>
+            <a:r>
+              <a:rPr lang="en-US" sz="1100" dirty="0">
+                <a:solidFill>
+                  <a:srgbClr val="334155"/>
+                </a:solidFill>
+              </a:rPr>
+              <a:t>Platform</a:t>
+            </a:r>
+            <a:endParaRPr lang="en-US" sz="1100" dirty="0"/>
+          </a:p>
+          <a:p>
+            <a:pPr algn="ctr" indent="0" marL="0">
+              <a:buNone/>
+            </a:pPr>
+            <a:r>
+              <a:rPr lang="en-US" sz="1100" dirty="0">
+                <a:solidFill>
+                  <a:srgbClr val="334155"/>
+                </a:solidFill>
+              </a:rPr>
+              <a:t>ATO</a:t>
+            </a:r>
+            <a:endParaRPr lang="en-US" sz="1100" dirty="0"/>
+          </a:p>
+        </p:txBody>
+      </p:sp>
+      <p:sp>
+        <p:nvSpPr>
+          <p:cNvPr id="13" name="Shape 11"/>
+          <p:cNvSpPr/>
+          <p:nvPr/>
+        </p:nvSpPr>
+        <p:spPr>
+          <a:xfrm>
+            <a:off x="4251960" y="2057400"/>
+            <a:ext cx="640080" cy="640080"/>
+          </a:xfrm>
+          <a:prstGeom prst="ellipse">
+            <a:avLst/>
+          </a:prstGeom>
+          <a:solidFill>
+            <a:srgbClr val="0D9488"/>
+          </a:solidFill>
+          <a:ln/>
+        </p:spPr>
+      </p:sp>
+      <p:sp>
+        <p:nvSpPr>
+          <p:cNvPr id="14" name="Text 12"/>
+          <p:cNvSpPr/>
+          <p:nvPr/>
+        </p:nvSpPr>
+        <p:spPr>
+          <a:xfrm>
+            <a:off x="4251960" y="2176272"/>
+            <a:ext cx="640080" cy="457200"/>
+          </a:xfrm>
+          <a:prstGeom prst="rect">
+            <a:avLst/>
+          </a:prstGeom>
+          <a:noFill/>
+          <a:ln/>
+        </p:spPr>
+        <p:txBody>
+          <a:bodyPr wrap="square" rtlCol="0" anchor="ctr"/>
+          <a:lstStyle/>
+          <a:p>
+            <a:pPr algn="ctr" indent="0" marL="0">
+              <a:buNone/>
+            </a:pPr>
+            <a:r>
+              <a:rPr lang="en-US" sz="1800" b="1" dirty="0">
+                <a:solidFill>
+                  <a:srgbClr val="FFFFFF"/>
+                </a:solidFill>
+              </a:rPr>
+              <a:t>3</a:t>
+            </a:r>
+            <a:endParaRPr lang="en-US" sz="1800" dirty="0"/>
+          </a:p>
+        </p:txBody>
+      </p:sp>
+      <p:sp>
+        <p:nvSpPr>
+          <p:cNvPr id="15" name="Text 13"/>
+          <p:cNvSpPr/>
+          <p:nvPr/>
+        </p:nvSpPr>
+        <p:spPr>
+          <a:xfrm>
+            <a:off x="3886200" y="2834640"/>
+            <a:ext cx="1371600" cy="640080"/>
+          </a:xfrm>
+          <a:prstGeom prst="rect">
+            <a:avLst/>
+          </a:prstGeom>
+          <a:noFill/>
+          <a:ln/>
+        </p:spPr>
+        <p:txBody>
+          <a:bodyPr wrap="square" rtlCol="0" anchor="ctr"/>
+          <a:lstStyle/>
+          <a:p>
+            <a:pPr algn="ctr" indent="0" marL="0">
+              <a:buNone/>
+            </a:pPr>
+            <a:r>
+              <a:rPr lang="en-US" sz="1100" dirty="0">
+                <a:solidFill>
+                  <a:srgbClr val="334155"/>
+                </a:solidFill>
+              </a:rPr>
+              <a:t>Automate</a:t>
+            </a:r>
+            <a:endParaRPr lang="en-US" sz="1100" dirty="0"/>
+          </a:p>
+          <a:p>
+            <a:pPr algn="ctr" indent="0" marL="0">
+              <a:buNone/>
+            </a:pPr>
+            <a:r>
+              <a:rPr lang="en-US" sz="1100" dirty="0">
+                <a:solidFill>
+                  <a:srgbClr val="334155"/>
+                </a:solidFill>
+              </a:rPr>
+              <a:t>Compliance</a:t>
+            </a:r>
+            <a:endParaRPr lang="en-US" sz="1100" dirty="0"/>
+          </a:p>
+        </p:txBody>
+      </p:sp>
+      <p:sp>
+        <p:nvSpPr>
+          <p:cNvPr id="16" name="Shape 14"/>
+          <p:cNvSpPr/>
+          <p:nvPr/>
+        </p:nvSpPr>
+        <p:spPr>
+          <a:xfrm>
+            <a:off x="5897880" y="2057400"/>
+            <a:ext cx="640080" cy="640080"/>
+          </a:xfrm>
+          <a:prstGeom prst="ellipse">
+            <a:avLst/>
+          </a:prstGeom>
+          <a:solidFill>
+            <a:srgbClr val="0D9488"/>
+          </a:solidFill>
+          <a:ln/>
+        </p:spPr>
+      </p:sp>
+      <p:sp>
+        <p:nvSpPr>
+          <p:cNvPr id="17" name="Text 15"/>
+          <p:cNvSpPr/>
+          <p:nvPr/>
+        </p:nvSpPr>
+        <p:spPr>
+          <a:xfrm>
+            <a:off x="5897880" y="2176272"/>
+            <a:ext cx="640080" cy="457200"/>
+          </a:xfrm>
+          <a:prstGeom prst="rect">
+            <a:avLst/>
+          </a:prstGeom>
+          <a:noFill/>
+          <a:ln/>
+        </p:spPr>
+        <p:txBody>
+          <a:bodyPr wrap="square" rtlCol="0" anchor="ctr"/>
+          <a:lstStyle/>
+          <a:p>
+            <a:pPr algn="ctr" indent="0" marL="0">
+              <a:buNone/>
+            </a:pPr>
+            <a:r>
+              <a:rPr lang="en-US" sz="1800" b="1" dirty="0">
+                <a:solidFill>
+                  <a:srgbClr val="FFFFFF"/>
+                </a:solidFill>
+              </a:rPr>
+              <a:t>4</a:t>
+            </a:r>
+            <a:endParaRPr lang="en-US" sz="1800" dirty="0"/>
+          </a:p>
+        </p:txBody>
+      </p:sp>
+      <p:sp>
+        <p:nvSpPr>
+          <p:cNvPr id="18" name="Text 16"/>
+          <p:cNvSpPr/>
+          <p:nvPr/>
+        </p:nvSpPr>
+        <p:spPr>
+          <a:xfrm>
+            <a:off x="5532120" y="2834640"/>
+            <a:ext cx="1371600" cy="640080"/>
+          </a:xfrm>
+          <a:prstGeom prst="rect">
+            <a:avLst/>
+          </a:prstGeom>
+          <a:noFill/>
+          <a:ln/>
+        </p:spPr>
+        <p:txBody>
+          <a:bodyPr wrap="square" rtlCol="0" anchor="ctr"/>
+          <a:lstStyle/>
+          <a:p>
+            <a:pPr algn="ctr" indent="0" marL="0">
+              <a:buNone/>
+            </a:pPr>
+            <a:r>
+              <a:rPr lang="en-US" sz="1100" dirty="0">
+                <a:solidFill>
+                  <a:srgbClr val="334155"/>
+                </a:solidFill>
+              </a:rPr>
+              <a:t>Migrate</a:t>
+            </a:r>
+            <a:endParaRPr lang="en-US" sz="1100" dirty="0"/>
+          </a:p>
+          <a:p>
+            <a:pPr algn="ctr" indent="0" marL="0">
+              <a:buNone/>
+            </a:pPr>
+            <a:r>
+              <a:rPr lang="en-US" sz="1100" dirty="0">
+                <a:solidFill>
+                  <a:srgbClr val="334155"/>
+                </a:solidFill>
+              </a:rPr>
+              <a:t>Workloads</a:t>
+            </a:r>
+            <a:endParaRPr lang="en-US" sz="1100" dirty="0"/>
+          </a:p>
+        </p:txBody>
+      </p:sp>
+      <p:sp>
+        <p:nvSpPr>
+          <p:cNvPr id="19" name="Shape 17"/>
+          <p:cNvSpPr/>
+          <p:nvPr/>
+        </p:nvSpPr>
+        <p:spPr>
+          <a:xfrm>
+            <a:off x="7543800" y="2057400"/>
+            <a:ext cx="640080" cy="640080"/>
+          </a:xfrm>
+          <a:prstGeom prst="ellipse">
+            <a:avLst/>
+          </a:prstGeom>
+          <a:solidFill>
+            <a:srgbClr val="0D9488"/>
+          </a:solidFill>
+          <a:ln/>
+        </p:spPr>
+      </p:sp>
+      <p:sp>
+        <p:nvSpPr>
+          <p:cNvPr id="20" name="Text 18"/>
+          <p:cNvSpPr/>
+          <p:nvPr/>
+        </p:nvSpPr>
+        <p:spPr>
+          <a:xfrm>
+            <a:off x="7543800" y="2176272"/>
+            <a:ext cx="640080" cy="457200"/>
+          </a:xfrm>
+          <a:prstGeom prst="rect">
+            <a:avLst/>
+          </a:prstGeom>
+          <a:noFill/>
+          <a:ln/>
+        </p:spPr>
+        <p:txBody>
+          <a:bodyPr wrap="square" rtlCol="0" anchor="ctr"/>
+          <a:lstStyle/>
+          <a:p>
+            <a:pPr algn="ctr" indent="0" marL="0">
+              <a:buNone/>
+            </a:pPr>
+            <a:r>
+              <a:rPr lang="en-US" sz="1800" b="1" dirty="0">
+                <a:solidFill>
+                  <a:srgbClr val="FFFFFF"/>
+                </a:solidFill>
+              </a:rPr>
+              <a:t>5</a:t>
+            </a:r>
+            <a:endParaRPr lang="en-US" sz="1800" dirty="0"/>
+          </a:p>
+        </p:txBody>
+      </p:sp>
+      <p:sp>
+        <p:nvSpPr>
+          <p:cNvPr id="21" name="Text 19"/>
+          <p:cNvSpPr/>
+          <p:nvPr/>
+        </p:nvSpPr>
+        <p:spPr>
+          <a:xfrm>
+            <a:off x="7178040" y="2834640"/>
+            <a:ext cx="1371600" cy="640080"/>
+          </a:xfrm>
+          <a:prstGeom prst="rect">
+            <a:avLst/>
+          </a:prstGeom>
+          <a:noFill/>
+          <a:ln/>
+        </p:spPr>
+        <p:txBody>
+          <a:bodyPr wrap="square" rtlCol="0" anchor="ctr"/>
+          <a:lstStyle/>
+          <a:p>
+            <a:pPr algn="ctr" indent="0" marL="0">
+              <a:buNone/>
+            </a:pPr>
+            <a:r>
+              <a:rPr lang="en-US" sz="1100" dirty="0">
+                <a:solidFill>
+                  <a:srgbClr val="334155"/>
+                </a:solidFill>
+              </a:rPr>
+              <a:t>Measure</a:t>
+            </a:r>
+            <a:endParaRPr lang="en-US" sz="1100" dirty="0"/>
+          </a:p>
+          <a:p>
+            <a:pPr algn="ctr" indent="0" marL="0">
+              <a:buNone/>
+            </a:pPr>
+            <a:r>
+              <a:rPr lang="en-US" sz="1100" dirty="0">
+                <a:solidFill>
+                  <a:srgbClr val="334155"/>
+                </a:solidFill>
+              </a:rPr>
+              <a:t>ROI</a:t>
+            </a:r>
+            <a:endParaRPr lang="en-US" sz="1100" dirty="0"/>
+          </a:p>
+        </p:txBody>
+      </p:sp>
+      <p:sp>
+        <p:nvSpPr>
+          <p:cNvPr id="22" name="Text 20"/>
+          <p:cNvSpPr/>
+          <p:nvPr/>
+        </p:nvSpPr>
+        <p:spPr>
+          <a:xfrm>
+            <a:off x="8229600" y="4777740"/>
+            <a:ext cx="731520" cy="274320"/>
+          </a:xfrm>
+          <a:prstGeom prst="rect">
+            <a:avLst/>
+          </a:prstGeom>
+          <a:noFill/>
+          <a:ln/>
+        </p:spPr>
+        <p:txBody>
+          <a:bodyPr wrap="square" rtlCol="0" anchor="ctr"/>
+          <a:lstStyle/>
+          <a:p>
+            <a:pPr algn="r" indent="0" marL="0">
+              <a:buNone/>
+            </a:pPr>
+            <a:r>
+              <a:rPr lang="en-US" sz="900" dirty="0">
+                <a:solidFill>
+                  <a:srgbClr val="475569"/>
+                </a:solidFill>
+              </a:rPr>
+              <a:t>11 / 14</a:t>
+            </a:r>
+            <a:endParaRPr lang="en-US" sz="900" dirty="0"/>
+          </a:p>
+        </p:txBody>
+      </p:sp>
     </p:spTree>
   </p:cSld>
   <p:clrMapOvr>
@@ -2172,20 +4385,12 @@
           <a:chExt cx="0" cy="0"/>
         </a:xfrm>
       </p:grpSpPr>
-      <p:pic>
-        <p:nvPicPr>
-          <p:cNvPr id="2" name="Image 0" descr="preencoded.png">    </p:cNvPr>
-          <p:cNvPicPr>
-            <a:picLocks noChangeAspect="1"/>
-          </p:cNvPicPr>
-          <p:nvPr/>
-        </p:nvPicPr>
-        <p:blipFill>
-          <a:blip r:embed="rId1"/>
-          <a:stretch>
-            <a:fillRect/>
-          </a:stretch>
-        </p:blipFill>
+      <p:sp>
+        <p:nvSpPr>
+          <p:cNvPr id="2" name="Shape 0"/>
+          <p:cNvSpPr/>
+          <p:nvPr/>
+        </p:nvSpPr>
         <p:spPr>
           <a:xfrm>
             <a:off x="0" y="0"/>
@@ -2194,8 +4399,706 @@
           <a:prstGeom prst="rect">
             <a:avLst/>
           </a:prstGeom>
-        </p:spPr>
-      </p:pic>
+          <a:solidFill>
+            <a:srgbClr val="1E293B"/>
+          </a:solidFill>
+          <a:ln/>
+        </p:spPr>
+      </p:sp>
+      <p:sp>
+        <p:nvSpPr>
+          <p:cNvPr id="3" name="Shape 1"/>
+          <p:cNvSpPr/>
+          <p:nvPr/>
+        </p:nvSpPr>
+        <p:spPr>
+          <a:xfrm>
+            <a:off x="0" y="0"/>
+            <a:ext cx="73152" cy="5143500"/>
+          </a:xfrm>
+          <a:prstGeom prst="rect">
+            <a:avLst/>
+          </a:prstGeom>
+          <a:solidFill>
+            <a:srgbClr val="0D9488"/>
+          </a:solidFill>
+          <a:ln/>
+        </p:spPr>
+      </p:sp>
+      <p:sp>
+        <p:nvSpPr>
+          <p:cNvPr id="4" name="Shape 2"/>
+          <p:cNvSpPr/>
+          <p:nvPr/>
+        </p:nvSpPr>
+        <p:spPr>
+          <a:xfrm>
+            <a:off x="0" y="5070348"/>
+            <a:ext cx="9144000" cy="73152"/>
+          </a:xfrm>
+          <a:prstGeom prst="rect">
+            <a:avLst/>
+          </a:prstGeom>
+          <a:solidFill>
+            <a:srgbClr val="0D9488"/>
+          </a:solidFill>
+          <a:ln/>
+        </p:spPr>
+      </p:sp>
+      <p:sp>
+        <p:nvSpPr>
+          <p:cNvPr id="5" name="Text 3"/>
+          <p:cNvSpPr/>
+          <p:nvPr/>
+        </p:nvSpPr>
+        <p:spPr>
+          <a:xfrm>
+            <a:off x="457200" y="274320"/>
+            <a:ext cx="8229600" cy="548640"/>
+          </a:xfrm>
+          <a:prstGeom prst="rect">
+            <a:avLst/>
+          </a:prstGeom>
+          <a:noFill/>
+          <a:ln/>
+        </p:spPr>
+        <p:txBody>
+          <a:bodyPr wrap="square" rtlCol="0" anchor="ctr"/>
+          <a:lstStyle/>
+          <a:p>
+            <a:pPr indent="0" marL="0">
+              <a:buNone/>
+            </a:pPr>
+            <a:r>
+              <a:rPr lang="en-US" sz="3200" b="1" dirty="0">
+                <a:solidFill>
+                  <a:srgbClr val="FFFFFF"/>
+                </a:solidFill>
+              </a:rPr>
+              <a:t>Expected Impact</a:t>
+            </a:r>
+            <a:endParaRPr lang="en-US" sz="3200" dirty="0"/>
+          </a:p>
+        </p:txBody>
+      </p:sp>
+      <p:sp>
+        <p:nvSpPr>
+          <p:cNvPr id="6" name="Shape 4"/>
+          <p:cNvSpPr/>
+          <p:nvPr/>
+        </p:nvSpPr>
+        <p:spPr>
+          <a:xfrm>
+            <a:off x="1234440" y="1005840"/>
+            <a:ext cx="2103120" cy="914400"/>
+          </a:xfrm>
+          <a:prstGeom prst="roundRect">
+            <a:avLst/>
+          </a:prstGeom>
+          <a:solidFill>
+            <a:srgbClr val="334155"/>
+          </a:solidFill>
+          <a:ln w="12700">
+            <a:solidFill>
+              <a:srgbClr val="0D9488"/>
+            </a:solidFill>
+            <a:prstDash val="solid"/>
+          </a:ln>
+        </p:spPr>
+      </p:sp>
+      <p:sp>
+        <p:nvSpPr>
+          <p:cNvPr id="7" name="Text 5"/>
+          <p:cNvSpPr/>
+          <p:nvPr/>
+        </p:nvSpPr>
+        <p:spPr>
+          <a:xfrm>
+            <a:off x="1234440" y="1097280"/>
+            <a:ext cx="2103120" cy="457200"/>
+          </a:xfrm>
+          <a:prstGeom prst="rect">
+            <a:avLst/>
+          </a:prstGeom>
+          <a:noFill/>
+          <a:ln/>
+        </p:spPr>
+        <p:txBody>
+          <a:bodyPr wrap="square" rtlCol="0" anchor="ctr"/>
+          <a:lstStyle/>
+          <a:p>
+            <a:pPr algn="ctr" indent="0" marL="0">
+              <a:buNone/>
+            </a:pPr>
+            <a:r>
+              <a:rPr lang="en-US" sz="2600" b="1" dirty="0">
+                <a:solidFill>
+                  <a:srgbClr val="0D9488"/>
+                </a:solidFill>
+              </a:rPr>
+              <a:t>80%</a:t>
+            </a:r>
+            <a:endParaRPr lang="en-US" sz="2600" dirty="0"/>
+          </a:p>
+        </p:txBody>
+      </p:sp>
+      <p:sp>
+        <p:nvSpPr>
+          <p:cNvPr id="8" name="Text 6"/>
+          <p:cNvSpPr/>
+          <p:nvPr/>
+        </p:nvSpPr>
+        <p:spPr>
+          <a:xfrm>
+            <a:off x="1234440" y="1554480"/>
+            <a:ext cx="2103120" cy="274320"/>
+          </a:xfrm>
+          <a:prstGeom prst="rect">
+            <a:avLst/>
+          </a:prstGeom>
+          <a:noFill/>
+          <a:ln/>
+        </p:spPr>
+        <p:txBody>
+          <a:bodyPr wrap="square" rtlCol="0" anchor="ctr"/>
+          <a:lstStyle/>
+          <a:p>
+            <a:pPr algn="ctr" indent="0" marL="0">
+              <a:buNone/>
+            </a:pPr>
+            <a:r>
+              <a:rPr lang="en-US" sz="900" dirty="0">
+                <a:solidFill>
+                  <a:srgbClr val="FFFFFF"/>
+                </a:solidFill>
+              </a:rPr>
+              <a:t>Faster Time-to-ATO</a:t>
+            </a:r>
+            <a:endParaRPr lang="en-US" sz="900" dirty="0"/>
+          </a:p>
+        </p:txBody>
+      </p:sp>
+      <p:sp>
+        <p:nvSpPr>
+          <p:cNvPr id="9" name="Shape 7"/>
+          <p:cNvSpPr/>
+          <p:nvPr/>
+        </p:nvSpPr>
+        <p:spPr>
+          <a:xfrm>
+            <a:off x="3520440" y="1005840"/>
+            <a:ext cx="2103120" cy="914400"/>
+          </a:xfrm>
+          <a:prstGeom prst="roundRect">
+            <a:avLst/>
+          </a:prstGeom>
+          <a:solidFill>
+            <a:srgbClr val="334155"/>
+          </a:solidFill>
+          <a:ln w="12700">
+            <a:solidFill>
+              <a:srgbClr val="0D9488"/>
+            </a:solidFill>
+            <a:prstDash val="solid"/>
+          </a:ln>
+        </p:spPr>
+      </p:sp>
+      <p:sp>
+        <p:nvSpPr>
+          <p:cNvPr id="10" name="Text 8"/>
+          <p:cNvSpPr/>
+          <p:nvPr/>
+        </p:nvSpPr>
+        <p:spPr>
+          <a:xfrm>
+            <a:off x="3520440" y="1097280"/>
+            <a:ext cx="2103120" cy="457200"/>
+          </a:xfrm>
+          <a:prstGeom prst="rect">
+            <a:avLst/>
+          </a:prstGeom>
+          <a:noFill/>
+          <a:ln/>
+        </p:spPr>
+        <p:txBody>
+          <a:bodyPr wrap="square" rtlCol="0" anchor="ctr"/>
+          <a:lstStyle/>
+          <a:p>
+            <a:pPr algn="ctr" indent="0" marL="0">
+              <a:buNone/>
+            </a:pPr>
+            <a:r>
+              <a:rPr lang="en-US" sz="2600" b="1" dirty="0">
+                <a:solidFill>
+                  <a:srgbClr val="0D9488"/>
+                </a:solidFill>
+              </a:rPr>
+              <a:t>$4.2M</a:t>
+            </a:r>
+            <a:endParaRPr lang="en-US" sz="2600" dirty="0"/>
+          </a:p>
+        </p:txBody>
+      </p:sp>
+      <p:sp>
+        <p:nvSpPr>
+          <p:cNvPr id="11" name="Text 9"/>
+          <p:cNvSpPr/>
+          <p:nvPr/>
+        </p:nvSpPr>
+        <p:spPr>
+          <a:xfrm>
+            <a:off x="3520440" y="1554480"/>
+            <a:ext cx="2103120" cy="274320"/>
+          </a:xfrm>
+          <a:prstGeom prst="rect">
+            <a:avLst/>
+          </a:prstGeom>
+          <a:noFill/>
+          <a:ln/>
+        </p:spPr>
+        <p:txBody>
+          <a:bodyPr wrap="square" rtlCol="0" anchor="ctr"/>
+          <a:lstStyle/>
+          <a:p>
+            <a:pPr algn="ctr" indent="0" marL="0">
+              <a:buNone/>
+            </a:pPr>
+            <a:r>
+              <a:rPr lang="en-US" sz="900" dirty="0">
+                <a:solidFill>
+                  <a:srgbClr val="FFFFFF"/>
+                </a:solidFill>
+              </a:rPr>
+              <a:t>Annual Savings</a:t>
+            </a:r>
+            <a:endParaRPr lang="en-US" sz="900" dirty="0"/>
+          </a:p>
+        </p:txBody>
+      </p:sp>
+      <p:sp>
+        <p:nvSpPr>
+          <p:cNvPr id="12" name="Shape 10"/>
+          <p:cNvSpPr/>
+          <p:nvPr/>
+        </p:nvSpPr>
+        <p:spPr>
+          <a:xfrm>
+            <a:off x="5806440" y="1005840"/>
+            <a:ext cx="2103120" cy="914400"/>
+          </a:xfrm>
+          <a:prstGeom prst="roundRect">
+            <a:avLst/>
+          </a:prstGeom>
+          <a:solidFill>
+            <a:srgbClr val="334155"/>
+          </a:solidFill>
+          <a:ln w="12700">
+            <a:solidFill>
+              <a:srgbClr val="0D9488"/>
+            </a:solidFill>
+            <a:prstDash val="solid"/>
+          </a:ln>
+        </p:spPr>
+      </p:sp>
+      <p:sp>
+        <p:nvSpPr>
+          <p:cNvPr id="13" name="Text 11"/>
+          <p:cNvSpPr/>
+          <p:nvPr/>
+        </p:nvSpPr>
+        <p:spPr>
+          <a:xfrm>
+            <a:off x="5806440" y="1097280"/>
+            <a:ext cx="2103120" cy="457200"/>
+          </a:xfrm>
+          <a:prstGeom prst="rect">
+            <a:avLst/>
+          </a:prstGeom>
+          <a:noFill/>
+          <a:ln/>
+        </p:spPr>
+        <p:txBody>
+          <a:bodyPr wrap="square" rtlCol="0" anchor="ctr"/>
+          <a:lstStyle/>
+          <a:p>
+            <a:pPr algn="ctr" indent="0" marL="0">
+              <a:buNone/>
+            </a:pPr>
+            <a:r>
+              <a:rPr lang="en-US" sz="2600" b="1" dirty="0">
+                <a:solidFill>
+                  <a:srgbClr val="0D9488"/>
+                </a:solidFill>
+              </a:rPr>
+              <a:t>35+</a:t>
+            </a:r>
+            <a:endParaRPr lang="en-US" sz="2600" dirty="0"/>
+          </a:p>
+        </p:txBody>
+      </p:sp>
+      <p:sp>
+        <p:nvSpPr>
+          <p:cNvPr id="14" name="Text 12"/>
+          <p:cNvSpPr/>
+          <p:nvPr/>
+        </p:nvSpPr>
+        <p:spPr>
+          <a:xfrm>
+            <a:off x="5806440" y="1554480"/>
+            <a:ext cx="2103120" cy="274320"/>
+          </a:xfrm>
+          <a:prstGeom prst="rect">
+            <a:avLst/>
+          </a:prstGeom>
+          <a:noFill/>
+          <a:ln/>
+        </p:spPr>
+        <p:txBody>
+          <a:bodyPr wrap="square" rtlCol="0" anchor="ctr"/>
+          <a:lstStyle/>
+          <a:p>
+            <a:pPr algn="ctr" indent="0" marL="0">
+              <a:buNone/>
+            </a:pPr>
+            <a:r>
+              <a:rPr lang="en-US" sz="900" dirty="0">
+                <a:solidFill>
+                  <a:srgbClr val="FFFFFF"/>
+                </a:solidFill>
+              </a:rPr>
+              <a:t>Apps Waiting</a:t>
+            </a:r>
+            <a:endParaRPr lang="en-US" sz="900" dirty="0"/>
+          </a:p>
+        </p:txBody>
+      </p:sp>
+      <p:sp>
+        <p:nvSpPr>
+          <p:cNvPr id="15" name="Shape 13"/>
+          <p:cNvSpPr/>
+          <p:nvPr/>
+        </p:nvSpPr>
+        <p:spPr>
+          <a:xfrm>
+            <a:off x="1234440" y="2194560"/>
+            <a:ext cx="2103120" cy="914400"/>
+          </a:xfrm>
+          <a:prstGeom prst="roundRect">
+            <a:avLst/>
+          </a:prstGeom>
+          <a:solidFill>
+            <a:srgbClr val="334155"/>
+          </a:solidFill>
+          <a:ln w="12700">
+            <a:solidFill>
+              <a:srgbClr val="0D9488"/>
+            </a:solidFill>
+            <a:prstDash val="solid"/>
+          </a:ln>
+        </p:spPr>
+      </p:sp>
+      <p:sp>
+        <p:nvSpPr>
+          <p:cNvPr id="16" name="Text 14"/>
+          <p:cNvSpPr/>
+          <p:nvPr/>
+        </p:nvSpPr>
+        <p:spPr>
+          <a:xfrm>
+            <a:off x="1234440" y="2286000"/>
+            <a:ext cx="2103120" cy="457200"/>
+          </a:xfrm>
+          <a:prstGeom prst="rect">
+            <a:avLst/>
+          </a:prstGeom>
+          <a:noFill/>
+          <a:ln/>
+        </p:spPr>
+        <p:txBody>
+          <a:bodyPr wrap="square" rtlCol="0" anchor="ctr"/>
+          <a:lstStyle/>
+          <a:p>
+            <a:pPr algn="ctr" indent="0" marL="0">
+              <a:buNone/>
+            </a:pPr>
+            <a:r>
+              <a:rPr lang="en-US" sz="2600" b="1" dirty="0">
+                <a:solidFill>
+                  <a:srgbClr val="0D9488"/>
+                </a:solidFill>
+              </a:rPr>
+              <a:t>24/7</a:t>
+            </a:r>
+            <a:endParaRPr lang="en-US" sz="2600" dirty="0"/>
+          </a:p>
+        </p:txBody>
+      </p:sp>
+      <p:sp>
+        <p:nvSpPr>
+          <p:cNvPr id="17" name="Text 15"/>
+          <p:cNvSpPr/>
+          <p:nvPr/>
+        </p:nvSpPr>
+        <p:spPr>
+          <a:xfrm>
+            <a:off x="1234440" y="2743200"/>
+            <a:ext cx="2103120" cy="274320"/>
+          </a:xfrm>
+          <a:prstGeom prst="rect">
+            <a:avLst/>
+          </a:prstGeom>
+          <a:noFill/>
+          <a:ln/>
+        </p:spPr>
+        <p:txBody>
+          <a:bodyPr wrap="square" rtlCol="0" anchor="ctr"/>
+          <a:lstStyle/>
+          <a:p>
+            <a:pPr algn="ctr" indent="0" marL="0">
+              <a:buNone/>
+            </a:pPr>
+            <a:r>
+              <a:rPr lang="en-US" sz="900" dirty="0">
+                <a:solidFill>
+                  <a:srgbClr val="FFFFFF"/>
+                </a:solidFill>
+              </a:rPr>
+              <a:t>Security Monitoring</a:t>
+            </a:r>
+            <a:endParaRPr lang="en-US" sz="900" dirty="0"/>
+          </a:p>
+        </p:txBody>
+      </p:sp>
+      <p:sp>
+        <p:nvSpPr>
+          <p:cNvPr id="18" name="Shape 16"/>
+          <p:cNvSpPr/>
+          <p:nvPr/>
+        </p:nvSpPr>
+        <p:spPr>
+          <a:xfrm>
+            <a:off x="3520440" y="2194560"/>
+            <a:ext cx="2103120" cy="914400"/>
+          </a:xfrm>
+          <a:prstGeom prst="roundRect">
+            <a:avLst/>
+          </a:prstGeom>
+          <a:solidFill>
+            <a:srgbClr val="334155"/>
+          </a:solidFill>
+          <a:ln w="12700">
+            <a:solidFill>
+              <a:srgbClr val="0D9488"/>
+            </a:solidFill>
+            <a:prstDash val="solid"/>
+          </a:ln>
+        </p:spPr>
+      </p:sp>
+      <p:sp>
+        <p:nvSpPr>
+          <p:cNvPr id="19" name="Text 17"/>
+          <p:cNvSpPr/>
+          <p:nvPr/>
+        </p:nvSpPr>
+        <p:spPr>
+          <a:xfrm>
+            <a:off x="3520440" y="2286000"/>
+            <a:ext cx="2103120" cy="457200"/>
+          </a:xfrm>
+          <a:prstGeom prst="rect">
+            <a:avLst/>
+          </a:prstGeom>
+          <a:noFill/>
+          <a:ln/>
+        </p:spPr>
+        <p:txBody>
+          <a:bodyPr wrap="square" rtlCol="0" anchor="ctr"/>
+          <a:lstStyle/>
+          <a:p>
+            <a:pPr algn="ctr" indent="0" marL="0">
+              <a:buNone/>
+            </a:pPr>
+            <a:r>
+              <a:rPr lang="en-US" sz="2600" b="1" dirty="0">
+                <a:solidFill>
+                  <a:srgbClr val="0D9488"/>
+                </a:solidFill>
+              </a:rPr>
+              <a:t>100%</a:t>
+            </a:r>
+            <a:endParaRPr lang="en-US" sz="2600" dirty="0"/>
+          </a:p>
+        </p:txBody>
+      </p:sp>
+      <p:sp>
+        <p:nvSpPr>
+          <p:cNvPr id="20" name="Text 18"/>
+          <p:cNvSpPr/>
+          <p:nvPr/>
+        </p:nvSpPr>
+        <p:spPr>
+          <a:xfrm>
+            <a:off x="3520440" y="2743200"/>
+            <a:ext cx="2103120" cy="274320"/>
+          </a:xfrm>
+          <a:prstGeom prst="rect">
+            <a:avLst/>
+          </a:prstGeom>
+          <a:noFill/>
+          <a:ln/>
+        </p:spPr>
+        <p:txBody>
+          <a:bodyPr wrap="square" rtlCol="0" anchor="ctr"/>
+          <a:lstStyle/>
+          <a:p>
+            <a:pPr algn="ctr" indent="0" marL="0">
+              <a:buNone/>
+            </a:pPr>
+            <a:r>
+              <a:rPr lang="en-US" sz="900" dirty="0">
+                <a:solidFill>
+                  <a:srgbClr val="FFFFFF"/>
+                </a:solidFill>
+              </a:rPr>
+              <a:t>Evidence Automation</a:t>
+            </a:r>
+            <a:endParaRPr lang="en-US" sz="900" dirty="0"/>
+          </a:p>
+        </p:txBody>
+      </p:sp>
+      <p:sp>
+        <p:nvSpPr>
+          <p:cNvPr id="21" name="Shape 19"/>
+          <p:cNvSpPr/>
+          <p:nvPr/>
+        </p:nvSpPr>
+        <p:spPr>
+          <a:xfrm>
+            <a:off x="5806440" y="2194560"/>
+            <a:ext cx="2103120" cy="914400"/>
+          </a:xfrm>
+          <a:prstGeom prst="roundRect">
+            <a:avLst/>
+          </a:prstGeom>
+          <a:solidFill>
+            <a:srgbClr val="334155"/>
+          </a:solidFill>
+          <a:ln w="12700">
+            <a:solidFill>
+              <a:srgbClr val="0D9488"/>
+            </a:solidFill>
+            <a:prstDash val="solid"/>
+          </a:ln>
+        </p:spPr>
+      </p:sp>
+      <p:sp>
+        <p:nvSpPr>
+          <p:cNvPr id="22" name="Text 20"/>
+          <p:cNvSpPr/>
+          <p:nvPr/>
+        </p:nvSpPr>
+        <p:spPr>
+          <a:xfrm>
+            <a:off x="5806440" y="2286000"/>
+            <a:ext cx="2103120" cy="457200"/>
+          </a:xfrm>
+          <a:prstGeom prst="rect">
+            <a:avLst/>
+          </a:prstGeom>
+          <a:noFill/>
+          <a:ln/>
+        </p:spPr>
+        <p:txBody>
+          <a:bodyPr wrap="square" rtlCol="0" anchor="ctr"/>
+          <a:lstStyle/>
+          <a:p>
+            <a:pPr algn="ctr" indent="0" marL="0">
+              <a:buNone/>
+            </a:pPr>
+            <a:r>
+              <a:rPr lang="en-US" sz="2600" b="1" dirty="0">
+                <a:solidFill>
+                  <a:srgbClr val="0D9488"/>
+                </a:solidFill>
+              </a:rPr>
+              <a:t>1st Year</a:t>
+            </a:r>
+            <a:endParaRPr lang="en-US" sz="2600" dirty="0"/>
+          </a:p>
+        </p:txBody>
+      </p:sp>
+      <p:sp>
+        <p:nvSpPr>
+          <p:cNvPr id="23" name="Text 21"/>
+          <p:cNvSpPr/>
+          <p:nvPr/>
+        </p:nvSpPr>
+        <p:spPr>
+          <a:xfrm>
+            <a:off x="5806440" y="2743200"/>
+            <a:ext cx="2103120" cy="274320"/>
+          </a:xfrm>
+          <a:prstGeom prst="rect">
+            <a:avLst/>
+          </a:prstGeom>
+          <a:noFill/>
+          <a:ln/>
+        </p:spPr>
+        <p:txBody>
+          <a:bodyPr wrap="square" rtlCol="0" anchor="ctr"/>
+          <a:lstStyle/>
+          <a:p>
+            <a:pPr algn="ctr" indent="0" marL="0">
+              <a:buNone/>
+            </a:pPr>
+            <a:r>
+              <a:rPr lang="en-US" sz="900" dirty="0">
+                <a:solidFill>
+                  <a:srgbClr val="FFFFFF"/>
+                </a:solidFill>
+              </a:rPr>
+              <a:t>ROI Timeline</a:t>
+            </a:r>
+            <a:endParaRPr lang="en-US" sz="900" dirty="0"/>
+          </a:p>
+        </p:txBody>
+      </p:sp>
+      <p:sp>
+        <p:nvSpPr>
+          <p:cNvPr id="24" name="Text 22"/>
+          <p:cNvSpPr/>
+          <p:nvPr/>
+        </p:nvSpPr>
+        <p:spPr>
+          <a:xfrm>
+            <a:off x="8229600" y="4777740"/>
+            <a:ext cx="731520" cy="274320"/>
+          </a:xfrm>
+          <a:prstGeom prst="rect">
+            <a:avLst/>
+          </a:prstGeom>
+          <a:noFill/>
+          <a:ln/>
+        </p:spPr>
+        <p:txBody>
+          <a:bodyPr wrap="square" rtlCol="0" anchor="ctr"/>
+          <a:lstStyle/>
+          <a:p>
+            <a:pPr algn="r" indent="0" marL="0">
+              <a:buNone/>
+            </a:pPr>
+            <a:r>
+              <a:rPr lang="en-US" sz="900" dirty="0">
+                <a:solidFill>
+                  <a:srgbClr val="E2E8F0"/>
+                </a:solidFill>
+              </a:rPr>
+              <a:t>12 / 14</a:t>
+            </a:r>
+            <a:endParaRPr lang="en-US" sz="900" dirty="0"/>
+          </a:p>
+        </p:txBody>
+      </p:sp>
     </p:spTree>
   </p:cSld>
   <p:clrMapOvr>
@@ -2221,20 +5124,12 @@
           <a:chExt cx="0" cy="0"/>
         </a:xfrm>
       </p:grpSpPr>
-      <p:pic>
-        <p:nvPicPr>
-          <p:cNvPr id="2" name="Image 0" descr="preencoded.png">    </p:cNvPr>
-          <p:cNvPicPr>
-            <a:picLocks noChangeAspect="1"/>
-          </p:cNvPicPr>
-          <p:nvPr/>
-        </p:nvPicPr>
-        <p:blipFill>
-          <a:blip r:embed="rId1"/>
-          <a:stretch>
-            <a:fillRect/>
-          </a:stretch>
-        </p:blipFill>
+      <p:sp>
+        <p:nvSpPr>
+          <p:cNvPr id="2" name="Shape 0"/>
+          <p:cNvSpPr/>
+          <p:nvPr/>
+        </p:nvSpPr>
         <p:spPr>
           <a:xfrm>
             <a:off x="0" y="0"/>
@@ -2243,8 +5138,212 @@
           <a:prstGeom prst="rect">
             <a:avLst/>
           </a:prstGeom>
-        </p:spPr>
-      </p:pic>
+          <a:solidFill>
+            <a:srgbClr val="0F172A"/>
+          </a:solidFill>
+          <a:ln/>
+        </p:spPr>
+      </p:sp>
+      <p:sp>
+        <p:nvSpPr>
+          <p:cNvPr id="3" name="Shape 1"/>
+          <p:cNvSpPr/>
+          <p:nvPr/>
+        </p:nvSpPr>
+        <p:spPr>
+          <a:xfrm>
+            <a:off x="0" y="5052060"/>
+            <a:ext cx="9144000" cy="91440"/>
+          </a:xfrm>
+          <a:prstGeom prst="rect">
+            <a:avLst/>
+          </a:prstGeom>
+          <a:solidFill>
+            <a:srgbClr val="0D9488"/>
+          </a:solidFill>
+          <a:ln/>
+        </p:spPr>
+      </p:sp>
+      <p:sp>
+        <p:nvSpPr>
+          <p:cNvPr id="4" name="Text 2"/>
+          <p:cNvSpPr/>
+          <p:nvPr/>
+        </p:nvSpPr>
+        <p:spPr>
+          <a:xfrm>
+            <a:off x="457200" y="731520"/>
+            <a:ext cx="8229600" cy="548640"/>
+          </a:xfrm>
+          <a:prstGeom prst="rect">
+            <a:avLst/>
+          </a:prstGeom>
+          <a:noFill/>
+          <a:ln/>
+        </p:spPr>
+        <p:txBody>
+          <a:bodyPr wrap="square" rtlCol="0" anchor="ctr"/>
+          <a:lstStyle/>
+          <a:p>
+            <a:pPr algn="ctr" indent="0" marL="0">
+              <a:buNone/>
+            </a:pPr>
+            <a:r>
+              <a:rPr lang="en-US" sz="3600" b="1" dirty="0">
+                <a:solidFill>
+                  <a:srgbClr val="FFFFFF"/>
+                </a:solidFill>
+              </a:rPr>
+              <a:t>The Question Isn't If</a:t>
+            </a:r>
+            <a:endParaRPr lang="en-US" sz="3600" dirty="0"/>
+          </a:p>
+        </p:txBody>
+      </p:sp>
+      <p:sp>
+        <p:nvSpPr>
+          <p:cNvPr id="5" name="Text 3"/>
+          <p:cNvSpPr/>
+          <p:nvPr/>
+        </p:nvSpPr>
+        <p:spPr>
+          <a:xfrm>
+            <a:off x="457200" y="1463040"/>
+            <a:ext cx="457200" cy="457200"/>
+          </a:xfrm>
+          <a:prstGeom prst="rect">
+            <a:avLst/>
+          </a:prstGeom>
+          <a:noFill/>
+          <a:ln/>
+        </p:spPr>
+        <p:txBody>
+          <a:bodyPr wrap="square" rtlCol="0" anchor="ctr"/>
+          <a:lstStyle/>
+          <a:p>
+            <a:pPr indent="0" marL="0">
+              <a:buNone/>
+            </a:pPr>
+            <a:r>
+              <a:rPr lang="en-US" sz="6000" dirty="0">
+                <a:solidFill>
+                  <a:srgbClr val="0D9488"/>
+                </a:solidFill>
+              </a:rPr>
+              <a:t>"</a:t>
+            </a:r>
+            <a:endParaRPr lang="en-US" sz="6000" dirty="0"/>
+          </a:p>
+        </p:txBody>
+      </p:sp>
+      <p:sp>
+        <p:nvSpPr>
+          <p:cNvPr id="6" name="Text 4"/>
+          <p:cNvSpPr/>
+          <p:nvPr/>
+        </p:nvSpPr>
+        <p:spPr>
+          <a:xfrm>
+            <a:off x="914400" y="1645920"/>
+            <a:ext cx="7315200" cy="914400"/>
+          </a:xfrm>
+          <a:prstGeom prst="rect">
+            <a:avLst/>
+          </a:prstGeom>
+          <a:noFill/>
+          <a:ln/>
+        </p:spPr>
+        <p:txBody>
+          <a:bodyPr wrap="square" rtlCol="0" anchor="ctr"/>
+          <a:lstStyle/>
+          <a:p>
+            <a:pPr algn="ctr" indent="0" marL="0">
+              <a:buNone/>
+            </a:pPr>
+            <a:r>
+              <a:rPr lang="en-US" sz="1800" i="1" dirty="0">
+                <a:solidFill>
+                  <a:srgbClr val="FFFFFF"/>
+                </a:solidFill>
+              </a:rPr>
+              <a:t>The question is not whether we can afford to modernize our authorization approach—it's whether we can afford not to.</a:t>
+            </a:r>
+            <a:endParaRPr lang="en-US" sz="1800" dirty="0"/>
+          </a:p>
+        </p:txBody>
+      </p:sp>
+      <p:sp>
+        <p:nvSpPr>
+          <p:cNvPr id="7" name="Text 5"/>
+          <p:cNvSpPr/>
+          <p:nvPr/>
+        </p:nvSpPr>
+        <p:spPr>
+          <a:xfrm>
+            <a:off x="731520" y="2926080"/>
+            <a:ext cx="7680960" cy="731520"/>
+          </a:xfrm>
+          <a:prstGeom prst="rect">
+            <a:avLst/>
+          </a:prstGeom>
+          <a:noFill/>
+          <a:ln/>
+        </p:spPr>
+        <p:txBody>
+          <a:bodyPr wrap="square" rtlCol="0" anchor="ctr"/>
+          <a:lstStyle/>
+          <a:p>
+            <a:pPr algn="ctr" indent="0" marL="0">
+              <a:buNone/>
+            </a:pPr>
+            <a:r>
+              <a:rPr lang="en-US" sz="1400" dirty="0">
+                <a:solidFill>
+                  <a:srgbClr val="E2E8F0"/>
+                </a:solidFill>
+              </a:rPr>
+              <a:t>Every month of delay means more duplicated spending, more manual labor, and more mission capability sitting in authorization queues.</a:t>
+            </a:r>
+            <a:endParaRPr lang="en-US" sz="1400" dirty="0"/>
+          </a:p>
+        </p:txBody>
+      </p:sp>
+      <p:sp>
+        <p:nvSpPr>
+          <p:cNvPr id="8" name="Text 6"/>
+          <p:cNvSpPr/>
+          <p:nvPr/>
+        </p:nvSpPr>
+        <p:spPr>
+          <a:xfrm>
+            <a:off x="8229600" y="4777740"/>
+            <a:ext cx="731520" cy="274320"/>
+          </a:xfrm>
+          <a:prstGeom prst="rect">
+            <a:avLst/>
+          </a:prstGeom>
+          <a:noFill/>
+          <a:ln/>
+        </p:spPr>
+        <p:txBody>
+          <a:bodyPr wrap="square" rtlCol="0" anchor="ctr"/>
+          <a:lstStyle/>
+          <a:p>
+            <a:pPr algn="r" indent="0" marL="0">
+              <a:buNone/>
+            </a:pPr>
+            <a:r>
+              <a:rPr lang="en-US" sz="900" dirty="0">
+                <a:solidFill>
+                  <a:srgbClr val="E2E8F0"/>
+                </a:solidFill>
+              </a:rPr>
+              <a:t>13 / 14</a:t>
+            </a:r>
+            <a:endParaRPr lang="en-US" sz="900" dirty="0"/>
+          </a:p>
+        </p:txBody>
+      </p:sp>
     </p:spTree>
   </p:cSld>
   <p:clrMapOvr>
@@ -2270,20 +5369,12 @@
           <a:chExt cx="0" cy="0"/>
         </a:xfrm>
       </p:grpSpPr>
-      <p:pic>
-        <p:nvPicPr>
-          <p:cNvPr id="2" name="Image 0" descr="preencoded.png">    </p:cNvPr>
-          <p:cNvPicPr>
-            <a:picLocks noChangeAspect="1"/>
-          </p:cNvPicPr>
-          <p:nvPr/>
-        </p:nvPicPr>
-        <p:blipFill>
-          <a:blip r:embed="rId1"/>
-          <a:stretch>
-            <a:fillRect/>
-          </a:stretch>
-        </p:blipFill>
+      <p:sp>
+        <p:nvSpPr>
+          <p:cNvPr id="2" name="Shape 0"/>
+          <p:cNvSpPr/>
+          <p:nvPr/>
+        </p:nvSpPr>
         <p:spPr>
           <a:xfrm>
             <a:off x="0" y="0"/>
@@ -2292,8 +5383,584 @@
           <a:prstGeom prst="rect">
             <a:avLst/>
           </a:prstGeom>
-        </p:spPr>
-      </p:pic>
+          <a:solidFill>
+            <a:srgbClr val="1E3A5F"/>
+          </a:solidFill>
+          <a:ln/>
+        </p:spPr>
+      </p:sp>
+      <p:sp>
+        <p:nvSpPr>
+          <p:cNvPr id="3" name="Shape 1"/>
+          <p:cNvSpPr/>
+          <p:nvPr/>
+        </p:nvSpPr>
+        <p:spPr>
+          <a:xfrm>
+            <a:off x="0" y="5006340"/>
+            <a:ext cx="9144000" cy="137160"/>
+          </a:xfrm>
+          <a:prstGeom prst="rect">
+            <a:avLst/>
+          </a:prstGeom>
+          <a:solidFill>
+            <a:srgbClr val="0D9488"/>
+          </a:solidFill>
+          <a:ln/>
+        </p:spPr>
+      </p:sp>
+      <p:sp>
+        <p:nvSpPr>
+          <p:cNvPr id="4" name="Text 2"/>
+          <p:cNvSpPr/>
+          <p:nvPr/>
+        </p:nvSpPr>
+        <p:spPr>
+          <a:xfrm>
+            <a:off x="457200" y="457200"/>
+            <a:ext cx="8229600" cy="548640"/>
+          </a:xfrm>
+          <a:prstGeom prst="rect">
+            <a:avLst/>
+          </a:prstGeom>
+          <a:noFill/>
+          <a:ln/>
+        </p:spPr>
+        <p:txBody>
+          <a:bodyPr wrap="square" rtlCol="0" anchor="ctr"/>
+          <a:lstStyle/>
+          <a:p>
+            <a:pPr algn="ctr" indent="0" marL="0">
+              <a:buNone/>
+            </a:pPr>
+            <a:r>
+              <a:rPr lang="en-US" sz="3600" b="1" dirty="0">
+                <a:solidFill>
+                  <a:srgbClr val="FFFFFF"/>
+                </a:solidFill>
+              </a:rPr>
+              <a:t>The Path Forward</a:t>
+            </a:r>
+            <a:endParaRPr lang="en-US" sz="3600" dirty="0"/>
+          </a:p>
+        </p:txBody>
+      </p:sp>
+      <p:sp>
+        <p:nvSpPr>
+          <p:cNvPr id="5" name="Shape 3"/>
+          <p:cNvSpPr/>
+          <p:nvPr/>
+        </p:nvSpPr>
+        <p:spPr>
+          <a:xfrm>
+            <a:off x="502920" y="1280160"/>
+            <a:ext cx="1828800" cy="1188720"/>
+          </a:xfrm>
+          <a:prstGeom prst="roundRect">
+            <a:avLst/>
+          </a:prstGeom>
+          <a:solidFill>
+            <a:srgbClr val="1E293B"/>
+          </a:solidFill>
+          <a:ln w="12700">
+            <a:solidFill>
+              <a:srgbClr val="0D9488"/>
+            </a:solidFill>
+            <a:prstDash val="solid"/>
+          </a:ln>
+        </p:spPr>
+      </p:sp>
+      <p:sp>
+        <p:nvSpPr>
+          <p:cNvPr id="6" name="Text 4"/>
+          <p:cNvSpPr/>
+          <p:nvPr/>
+        </p:nvSpPr>
+        <p:spPr>
+          <a:xfrm>
+            <a:off x="502920" y="1371600"/>
+            <a:ext cx="1828800" cy="548640"/>
+          </a:xfrm>
+          <a:prstGeom prst="rect">
+            <a:avLst/>
+          </a:prstGeom>
+          <a:noFill/>
+          <a:ln/>
+        </p:spPr>
+        <p:txBody>
+          <a:bodyPr wrap="square" rtlCol="0" anchor="ctr"/>
+          <a:lstStyle/>
+          <a:p>
+            <a:pPr algn="ctr" indent="0" marL="0">
+              <a:buNone/>
+            </a:pPr>
+            <a:r>
+              <a:rPr lang="en-US" sz="2800" b="1" dirty="0">
+                <a:solidFill>
+                  <a:srgbClr val="0D9488"/>
+                </a:solidFill>
+              </a:rPr>
+              <a:t>01</a:t>
+            </a:r>
+            <a:endParaRPr lang="en-US" sz="2800" dirty="0"/>
+          </a:p>
+        </p:txBody>
+      </p:sp>
+      <p:sp>
+        <p:nvSpPr>
+          <p:cNvPr id="7" name="Text 5"/>
+          <p:cNvSpPr/>
+          <p:nvPr/>
+        </p:nvSpPr>
+        <p:spPr>
+          <a:xfrm>
+            <a:off x="502920" y="1965960"/>
+            <a:ext cx="1828800" cy="365760"/>
+          </a:xfrm>
+          <a:prstGeom prst="rect">
+            <a:avLst/>
+          </a:prstGeom>
+          <a:noFill/>
+          <a:ln/>
+        </p:spPr>
+        <p:txBody>
+          <a:bodyPr wrap="square" rtlCol="0" anchor="ctr"/>
+          <a:lstStyle/>
+          <a:p>
+            <a:pPr algn="ctr" indent="0" marL="0">
+              <a:buNone/>
+            </a:pPr>
+            <a:r>
+              <a:rPr lang="en-US" sz="1100" dirty="0">
+                <a:solidFill>
+                  <a:srgbClr val="FFFFFF"/>
+                </a:solidFill>
+              </a:rPr>
+              <a:t>Shared Platforms</a:t>
+            </a:r>
+            <a:endParaRPr lang="en-US" sz="1100" dirty="0"/>
+          </a:p>
+        </p:txBody>
+      </p:sp>
+      <p:sp>
+        <p:nvSpPr>
+          <p:cNvPr id="8" name="Shape 6"/>
+          <p:cNvSpPr/>
+          <p:nvPr/>
+        </p:nvSpPr>
+        <p:spPr>
+          <a:xfrm>
+            <a:off x="2606040" y="1280160"/>
+            <a:ext cx="1828800" cy="1188720"/>
+          </a:xfrm>
+          <a:prstGeom prst="roundRect">
+            <a:avLst/>
+          </a:prstGeom>
+          <a:solidFill>
+            <a:srgbClr val="1E293B"/>
+          </a:solidFill>
+          <a:ln w="12700">
+            <a:solidFill>
+              <a:srgbClr val="0D9488"/>
+            </a:solidFill>
+            <a:prstDash val="solid"/>
+          </a:ln>
+        </p:spPr>
+      </p:sp>
+      <p:sp>
+        <p:nvSpPr>
+          <p:cNvPr id="9" name="Text 7"/>
+          <p:cNvSpPr/>
+          <p:nvPr/>
+        </p:nvSpPr>
+        <p:spPr>
+          <a:xfrm>
+            <a:off x="2606040" y="1371600"/>
+            <a:ext cx="1828800" cy="548640"/>
+          </a:xfrm>
+          <a:prstGeom prst="rect">
+            <a:avLst/>
+          </a:prstGeom>
+          <a:noFill/>
+          <a:ln/>
+        </p:spPr>
+        <p:txBody>
+          <a:bodyPr wrap="square" rtlCol="0" anchor="ctr"/>
+          <a:lstStyle/>
+          <a:p>
+            <a:pPr algn="ctr" indent="0" marL="0">
+              <a:buNone/>
+            </a:pPr>
+            <a:r>
+              <a:rPr lang="en-US" sz="2800" b="1" dirty="0">
+                <a:solidFill>
+                  <a:srgbClr val="0D9488"/>
+                </a:solidFill>
+              </a:rPr>
+              <a:t>02</a:t>
+            </a:r>
+            <a:endParaRPr lang="en-US" sz="2800" dirty="0"/>
+          </a:p>
+        </p:txBody>
+      </p:sp>
+      <p:sp>
+        <p:nvSpPr>
+          <p:cNvPr id="10" name="Text 8"/>
+          <p:cNvSpPr/>
+          <p:nvPr/>
+        </p:nvSpPr>
+        <p:spPr>
+          <a:xfrm>
+            <a:off x="2606040" y="1965960"/>
+            <a:ext cx="1828800" cy="365760"/>
+          </a:xfrm>
+          <a:prstGeom prst="rect">
+            <a:avLst/>
+          </a:prstGeom>
+          <a:noFill/>
+          <a:ln/>
+        </p:spPr>
+        <p:txBody>
+          <a:bodyPr wrap="square" rtlCol="0" anchor="ctr"/>
+          <a:lstStyle/>
+          <a:p>
+            <a:pPr algn="ctr" indent="0" marL="0">
+              <a:buNone/>
+            </a:pPr>
+            <a:r>
+              <a:rPr lang="en-US" sz="1100" dirty="0">
+                <a:solidFill>
+                  <a:srgbClr val="FFFFFF"/>
+                </a:solidFill>
+              </a:rPr>
+              <a:t>Inherited Controls</a:t>
+            </a:r>
+            <a:endParaRPr lang="en-US" sz="1100" dirty="0"/>
+          </a:p>
+        </p:txBody>
+      </p:sp>
+      <p:sp>
+        <p:nvSpPr>
+          <p:cNvPr id="11" name="Shape 9"/>
+          <p:cNvSpPr/>
+          <p:nvPr/>
+        </p:nvSpPr>
+        <p:spPr>
+          <a:xfrm>
+            <a:off x="4709160" y="1280160"/>
+            <a:ext cx="1828800" cy="1188720"/>
+          </a:xfrm>
+          <a:prstGeom prst="roundRect">
+            <a:avLst/>
+          </a:prstGeom>
+          <a:solidFill>
+            <a:srgbClr val="1E293B"/>
+          </a:solidFill>
+          <a:ln w="12700">
+            <a:solidFill>
+              <a:srgbClr val="0D9488"/>
+            </a:solidFill>
+            <a:prstDash val="solid"/>
+          </a:ln>
+        </p:spPr>
+      </p:sp>
+      <p:sp>
+        <p:nvSpPr>
+          <p:cNvPr id="12" name="Text 10"/>
+          <p:cNvSpPr/>
+          <p:nvPr/>
+        </p:nvSpPr>
+        <p:spPr>
+          <a:xfrm>
+            <a:off x="4709160" y="1371600"/>
+            <a:ext cx="1828800" cy="548640"/>
+          </a:xfrm>
+          <a:prstGeom prst="rect">
+            <a:avLst/>
+          </a:prstGeom>
+          <a:noFill/>
+          <a:ln/>
+        </p:spPr>
+        <p:txBody>
+          <a:bodyPr wrap="square" rtlCol="0" anchor="ctr"/>
+          <a:lstStyle/>
+          <a:p>
+            <a:pPr algn="ctr" indent="0" marL="0">
+              <a:buNone/>
+            </a:pPr>
+            <a:r>
+              <a:rPr lang="en-US" sz="2800" b="1" dirty="0">
+                <a:solidFill>
+                  <a:srgbClr val="0D9488"/>
+                </a:solidFill>
+              </a:rPr>
+              <a:t>03</a:t>
+            </a:r>
+            <a:endParaRPr lang="en-US" sz="2800" dirty="0"/>
+          </a:p>
+        </p:txBody>
+      </p:sp>
+      <p:sp>
+        <p:nvSpPr>
+          <p:cNvPr id="13" name="Text 11"/>
+          <p:cNvSpPr/>
+          <p:nvPr/>
+        </p:nvSpPr>
+        <p:spPr>
+          <a:xfrm>
+            <a:off x="4709160" y="1965960"/>
+            <a:ext cx="1828800" cy="365760"/>
+          </a:xfrm>
+          <a:prstGeom prst="rect">
+            <a:avLst/>
+          </a:prstGeom>
+          <a:noFill/>
+          <a:ln/>
+        </p:spPr>
+        <p:txBody>
+          <a:bodyPr wrap="square" rtlCol="0" anchor="ctr"/>
+          <a:lstStyle/>
+          <a:p>
+            <a:pPr algn="ctr" indent="0" marL="0">
+              <a:buNone/>
+            </a:pPr>
+            <a:r>
+              <a:rPr lang="en-US" sz="1100" dirty="0">
+                <a:solidFill>
+                  <a:srgbClr val="FFFFFF"/>
+                </a:solidFill>
+              </a:rPr>
+              <a:t>Automated Compliance</a:t>
+            </a:r>
+            <a:endParaRPr lang="en-US" sz="1100" dirty="0"/>
+          </a:p>
+        </p:txBody>
+      </p:sp>
+      <p:sp>
+        <p:nvSpPr>
+          <p:cNvPr id="14" name="Shape 12"/>
+          <p:cNvSpPr/>
+          <p:nvPr/>
+        </p:nvSpPr>
+        <p:spPr>
+          <a:xfrm>
+            <a:off x="6812280" y="1280160"/>
+            <a:ext cx="1828800" cy="1188720"/>
+          </a:xfrm>
+          <a:prstGeom prst="roundRect">
+            <a:avLst/>
+          </a:prstGeom>
+          <a:solidFill>
+            <a:srgbClr val="1E293B"/>
+          </a:solidFill>
+          <a:ln w="12700">
+            <a:solidFill>
+              <a:srgbClr val="0D9488"/>
+            </a:solidFill>
+            <a:prstDash val="solid"/>
+          </a:ln>
+        </p:spPr>
+      </p:sp>
+      <p:sp>
+        <p:nvSpPr>
+          <p:cNvPr id="15" name="Text 13"/>
+          <p:cNvSpPr/>
+          <p:nvPr/>
+        </p:nvSpPr>
+        <p:spPr>
+          <a:xfrm>
+            <a:off x="6812280" y="1371600"/>
+            <a:ext cx="1828800" cy="548640"/>
+          </a:xfrm>
+          <a:prstGeom prst="rect">
+            <a:avLst/>
+          </a:prstGeom>
+          <a:noFill/>
+          <a:ln/>
+        </p:spPr>
+        <p:txBody>
+          <a:bodyPr wrap="square" rtlCol="0" anchor="ctr"/>
+          <a:lstStyle/>
+          <a:p>
+            <a:pPr algn="ctr" indent="0" marL="0">
+              <a:buNone/>
+            </a:pPr>
+            <a:r>
+              <a:rPr lang="en-US" sz="2800" b="1" dirty="0">
+                <a:solidFill>
+                  <a:srgbClr val="0D9488"/>
+                </a:solidFill>
+              </a:rPr>
+              <a:t>04</a:t>
+            </a:r>
+            <a:endParaRPr lang="en-US" sz="2800" dirty="0"/>
+          </a:p>
+        </p:txBody>
+      </p:sp>
+      <p:sp>
+        <p:nvSpPr>
+          <p:cNvPr id="16" name="Text 14"/>
+          <p:cNvSpPr/>
+          <p:nvPr/>
+        </p:nvSpPr>
+        <p:spPr>
+          <a:xfrm>
+            <a:off x="6812280" y="1965960"/>
+            <a:ext cx="1828800" cy="365760"/>
+          </a:xfrm>
+          <a:prstGeom prst="rect">
+            <a:avLst/>
+          </a:prstGeom>
+          <a:noFill/>
+          <a:ln/>
+        </p:spPr>
+        <p:txBody>
+          <a:bodyPr wrap="square" rtlCol="0" anchor="ctr"/>
+          <a:lstStyle/>
+          <a:p>
+            <a:pPr algn="ctr" indent="0" marL="0">
+              <a:buNone/>
+            </a:pPr>
+            <a:r>
+              <a:rPr lang="en-US" sz="1100" dirty="0">
+                <a:solidFill>
+                  <a:srgbClr val="FFFFFF"/>
+                </a:solidFill>
+              </a:rPr>
+              <a:t>Continuous Auth</a:t>
+            </a:r>
+            <a:endParaRPr lang="en-US" sz="1100" dirty="0"/>
+          </a:p>
+        </p:txBody>
+      </p:sp>
+      <p:sp>
+        <p:nvSpPr>
+          <p:cNvPr id="17" name="Shape 15"/>
+          <p:cNvSpPr/>
+          <p:nvPr/>
+        </p:nvSpPr>
+        <p:spPr>
+          <a:xfrm>
+            <a:off x="1828800" y="2926080"/>
+            <a:ext cx="5486400" cy="1097280"/>
+          </a:xfrm>
+          <a:prstGeom prst="roundRect">
+            <a:avLst/>
+          </a:prstGeom>
+          <a:solidFill>
+            <a:srgbClr val="0D9488"/>
+          </a:solidFill>
+          <a:ln/>
+        </p:spPr>
+      </p:sp>
+      <p:sp>
+        <p:nvSpPr>
+          <p:cNvPr id="18" name="Text 16"/>
+          <p:cNvSpPr/>
+          <p:nvPr/>
+        </p:nvSpPr>
+        <p:spPr>
+          <a:xfrm>
+            <a:off x="1828800" y="3063240"/>
+            <a:ext cx="5486400" cy="502920"/>
+          </a:xfrm>
+          <a:prstGeom prst="rect">
+            <a:avLst/>
+          </a:prstGeom>
+          <a:noFill/>
+          <a:ln/>
+        </p:spPr>
+        <p:txBody>
+          <a:bodyPr wrap="square" rtlCol="0" anchor="ctr"/>
+          <a:lstStyle/>
+          <a:p>
+            <a:pPr algn="ctr" indent="0" marL="0">
+              <a:buNone/>
+            </a:pPr>
+            <a:r>
+              <a:rPr lang="en-US" sz="2200" b="1" dirty="0">
+                <a:solidFill>
+                  <a:srgbClr val="FFFFFF"/>
+                </a:solidFill>
+              </a:rPr>
+              <a:t>Ready to proceed when you are.</a:t>
+            </a:r>
+            <a:endParaRPr lang="en-US" sz="2200" dirty="0"/>
+          </a:p>
+        </p:txBody>
+      </p:sp>
+      <p:sp>
+        <p:nvSpPr>
+          <p:cNvPr id="19" name="Text 17"/>
+          <p:cNvSpPr/>
+          <p:nvPr/>
+        </p:nvSpPr>
+        <p:spPr>
+          <a:xfrm>
+            <a:off x="1828800" y="3566160"/>
+            <a:ext cx="5486400" cy="365760"/>
+          </a:xfrm>
+          <a:prstGeom prst="rect">
+            <a:avLst/>
+          </a:prstGeom>
+          <a:noFill/>
+          <a:ln/>
+        </p:spPr>
+        <p:txBody>
+          <a:bodyPr wrap="square" rtlCol="0" anchor="ctr"/>
+          <a:lstStyle/>
+          <a:p>
+            <a:pPr algn="ctr" indent="0" marL="0">
+              <a:buNone/>
+            </a:pPr>
+            <a:r>
+              <a:rPr lang="en-US" sz="1600" dirty="0">
+                <a:solidFill>
+                  <a:srgbClr val="FFFFFF"/>
+                </a:solidFill>
+              </a:rPr>
+              <a:t>Questions?</a:t>
+            </a:r>
+            <a:endParaRPr lang="en-US" sz="1600" dirty="0"/>
+          </a:p>
+        </p:txBody>
+      </p:sp>
+      <p:sp>
+        <p:nvSpPr>
+          <p:cNvPr id="20" name="Text 18"/>
+          <p:cNvSpPr/>
+          <p:nvPr/>
+        </p:nvSpPr>
+        <p:spPr>
+          <a:xfrm>
+            <a:off x="8229600" y="4777740"/>
+            <a:ext cx="731520" cy="274320"/>
+          </a:xfrm>
+          <a:prstGeom prst="rect">
+            <a:avLst/>
+          </a:prstGeom>
+          <a:noFill/>
+          <a:ln/>
+        </p:spPr>
+        <p:txBody>
+          <a:bodyPr wrap="square" rtlCol="0" anchor="ctr"/>
+          <a:lstStyle/>
+          <a:p>
+            <a:pPr algn="r" indent="0" marL="0">
+              <a:buNone/>
+            </a:pPr>
+            <a:r>
+              <a:rPr lang="en-US" sz="900" dirty="0">
+                <a:solidFill>
+                  <a:srgbClr val="E2E8F0"/>
+                </a:solidFill>
+              </a:rPr>
+              <a:t>14 / 14</a:t>
+            </a:r>
+            <a:endParaRPr lang="en-US" sz="900" dirty="0"/>
+          </a:p>
+        </p:txBody>
+      </p:sp>
     </p:spTree>
   </p:cSld>
   <p:clrMapOvr>
@@ -2319,20 +5986,12 @@
           <a:chExt cx="0" cy="0"/>
         </a:xfrm>
       </p:grpSpPr>
-      <p:pic>
-        <p:nvPicPr>
-          <p:cNvPr id="2" name="Image 0" descr="preencoded.png">    </p:cNvPr>
-          <p:cNvPicPr>
-            <a:picLocks noChangeAspect="1"/>
-          </p:cNvPicPr>
-          <p:nvPr/>
-        </p:nvPicPr>
-        <p:blipFill>
-          <a:blip r:embed="rId1"/>
-          <a:stretch>
-            <a:fillRect/>
-          </a:stretch>
-        </p:blipFill>
+      <p:sp>
+        <p:nvSpPr>
+          <p:cNvPr id="2" name="Shape 0"/>
+          <p:cNvSpPr/>
+          <p:nvPr/>
+        </p:nvSpPr>
         <p:spPr>
           <a:xfrm>
             <a:off x="0" y="0"/>
@@ -2341,8 +6000,837 @@
           <a:prstGeom prst="rect">
             <a:avLst/>
           </a:prstGeom>
-        </p:spPr>
-      </p:pic>
+          <a:solidFill>
+            <a:srgbClr val="F8FAFC"/>
+          </a:solidFill>
+          <a:ln/>
+        </p:spPr>
+      </p:sp>
+      <p:sp>
+        <p:nvSpPr>
+          <p:cNvPr id="3" name="Shape 1"/>
+          <p:cNvSpPr/>
+          <p:nvPr/>
+        </p:nvSpPr>
+        <p:spPr>
+          <a:xfrm>
+            <a:off x="0" y="0"/>
+            <a:ext cx="9144000" cy="73152"/>
+          </a:xfrm>
+          <a:prstGeom prst="rect">
+            <a:avLst/>
+          </a:prstGeom>
+          <a:solidFill>
+            <a:srgbClr val="1E3A5F"/>
+          </a:solidFill>
+          <a:ln/>
+        </p:spPr>
+      </p:sp>
+      <p:sp>
+        <p:nvSpPr>
+          <p:cNvPr id="4" name="Shape 2"/>
+          <p:cNvSpPr/>
+          <p:nvPr/>
+        </p:nvSpPr>
+        <p:spPr>
+          <a:xfrm>
+            <a:off x="0" y="5070348"/>
+            <a:ext cx="9144000" cy="73152"/>
+          </a:xfrm>
+          <a:prstGeom prst="rect">
+            <a:avLst/>
+          </a:prstGeom>
+          <a:solidFill>
+            <a:srgbClr val="0D9488"/>
+          </a:solidFill>
+          <a:ln/>
+        </p:spPr>
+      </p:sp>
+      <p:sp>
+        <p:nvSpPr>
+          <p:cNvPr id="5" name="Text 3"/>
+          <p:cNvSpPr/>
+          <p:nvPr/>
+        </p:nvSpPr>
+        <p:spPr>
+          <a:xfrm>
+            <a:off x="457200" y="274320"/>
+            <a:ext cx="8229600" cy="548640"/>
+          </a:xfrm>
+          <a:prstGeom prst="rect">
+            <a:avLst/>
+          </a:prstGeom>
+          <a:noFill/>
+          <a:ln/>
+        </p:spPr>
+        <p:txBody>
+          <a:bodyPr wrap="square" rtlCol="0" anchor="ctr"/>
+          <a:lstStyle/>
+          <a:p>
+            <a:pPr indent="0" marL="0">
+              <a:buNone/>
+            </a:pPr>
+            <a:r>
+              <a:rPr lang="en-US" sz="3200" b="1" dirty="0">
+                <a:solidFill>
+                  <a:srgbClr val="1E3A5F"/>
+                </a:solidFill>
+              </a:rPr>
+              <a:t>The Current Reality</a:t>
+            </a:r>
+            <a:endParaRPr lang="en-US" sz="3200" dirty="0"/>
+          </a:p>
+        </p:txBody>
+      </p:sp>
+      <p:sp>
+        <p:nvSpPr>
+          <p:cNvPr id="6" name="Text 4"/>
+          <p:cNvSpPr/>
+          <p:nvPr/>
+        </p:nvSpPr>
+        <p:spPr>
+          <a:xfrm>
+            <a:off x="457200" y="777240"/>
+            <a:ext cx="8229600" cy="365760"/>
+          </a:xfrm>
+          <a:prstGeom prst="rect">
+            <a:avLst/>
+          </a:prstGeom>
+          <a:noFill/>
+          <a:ln/>
+        </p:spPr>
+        <p:txBody>
+          <a:bodyPr wrap="square" rtlCol="0" anchor="ctr"/>
+          <a:lstStyle/>
+          <a:p>
+            <a:pPr indent="0" marL="0">
+              <a:buNone/>
+            </a:pPr>
+            <a:r>
+              <a:rPr lang="en-US" sz="1600" dirty="0">
+                <a:solidFill>
+                  <a:srgbClr val="0D9488"/>
+                </a:solidFill>
+              </a:rPr>
+              <a:t>Every Program Is an Island</a:t>
+            </a:r>
+            <a:endParaRPr lang="en-US" sz="1600" dirty="0"/>
+          </a:p>
+        </p:txBody>
+      </p:sp>
+      <p:sp>
+        <p:nvSpPr>
+          <p:cNvPr id="7" name="Shape 5"/>
+          <p:cNvSpPr/>
+          <p:nvPr/>
+        </p:nvSpPr>
+        <p:spPr>
+          <a:xfrm>
+            <a:off x="3931920" y="1737360"/>
+            <a:ext cx="1280160" cy="731520"/>
+          </a:xfrm>
+          <a:prstGeom prst="ellipse">
+            <a:avLst/>
+          </a:prstGeom>
+          <a:solidFill>
+            <a:srgbClr val="DC2626"/>
+          </a:solidFill>
+          <a:ln/>
+        </p:spPr>
+      </p:sp>
+      <p:sp>
+        <p:nvSpPr>
+          <p:cNvPr id="8" name="Text 6"/>
+          <p:cNvSpPr/>
+          <p:nvPr/>
+        </p:nvSpPr>
+        <p:spPr>
+          <a:xfrm>
+            <a:off x="3931920" y="1783080"/>
+            <a:ext cx="1280160" cy="640080"/>
+          </a:xfrm>
+          <a:prstGeom prst="rect">
+            <a:avLst/>
+          </a:prstGeom>
+          <a:noFill/>
+          <a:ln/>
+        </p:spPr>
+        <p:txBody>
+          <a:bodyPr wrap="square" rtlCol="0" anchor="ctr"/>
+          <a:lstStyle/>
+          <a:p>
+            <a:pPr algn="ctr" indent="0" marL="0">
+              <a:buNone/>
+            </a:pPr>
+            <a:r>
+              <a:rPr lang="en-US" sz="900" b="1" dirty="0">
+                <a:solidFill>
+                  <a:srgbClr val="FFFFFF"/>
+                </a:solidFill>
+              </a:rPr>
+              <a:t>Siloed</a:t>
+            </a:r>
+            <a:endParaRPr lang="en-US" sz="900" dirty="0"/>
+          </a:p>
+          <a:p>
+            <a:pPr algn="ctr" indent="0" marL="0">
+              <a:buNone/>
+            </a:pPr>
+            <a:r>
+              <a:rPr lang="en-US" sz="900" b="1" dirty="0">
+                <a:solidFill>
+                  <a:srgbClr val="FFFFFF"/>
+                </a:solidFill>
+              </a:rPr>
+              <a:t>Approach</a:t>
+            </a:r>
+            <a:endParaRPr lang="en-US" sz="900" dirty="0"/>
+          </a:p>
+        </p:txBody>
+      </p:sp>
+      <p:sp>
+        <p:nvSpPr>
+          <p:cNvPr id="9" name="Shape 7"/>
+          <p:cNvSpPr/>
+          <p:nvPr/>
+        </p:nvSpPr>
+        <p:spPr>
+          <a:xfrm>
+            <a:off x="5038948" y="1292599"/>
+            <a:ext cx="1005840" cy="457200"/>
+          </a:xfrm>
+          <a:prstGeom prst="roundRect">
+            <a:avLst/>
+          </a:prstGeom>
+          <a:solidFill>
+            <a:srgbClr val="334155"/>
+          </a:solidFill>
+          <a:ln/>
+        </p:spPr>
+      </p:sp>
+      <p:sp>
+        <p:nvSpPr>
+          <p:cNvPr id="10" name="Text 8"/>
+          <p:cNvSpPr/>
+          <p:nvPr/>
+        </p:nvSpPr>
+        <p:spPr>
+          <a:xfrm>
+            <a:off x="5038948" y="1402327"/>
+            <a:ext cx="1005840" cy="237744"/>
+          </a:xfrm>
+          <a:prstGeom prst="rect">
+            <a:avLst/>
+          </a:prstGeom>
+          <a:noFill/>
+          <a:ln/>
+        </p:spPr>
+        <p:txBody>
+          <a:bodyPr wrap="square" rtlCol="0" anchor="ctr"/>
+          <a:lstStyle/>
+          <a:p>
+            <a:pPr algn="ctr" indent="0" marL="0">
+              <a:buNone/>
+            </a:pPr>
+            <a:r>
+              <a:rPr lang="en-US" sz="900" dirty="0">
+                <a:solidFill>
+                  <a:srgbClr val="FFFFFF"/>
+                </a:solidFill>
+              </a:rPr>
+              <a:t>Program A</a:t>
+            </a:r>
+            <a:endParaRPr lang="en-US" sz="900" dirty="0"/>
+          </a:p>
+        </p:txBody>
+      </p:sp>
+      <p:sp>
+        <p:nvSpPr>
+          <p:cNvPr id="11" name="Shape 9"/>
+          <p:cNvSpPr/>
+          <p:nvPr/>
+        </p:nvSpPr>
+        <p:spPr>
+          <a:xfrm>
+            <a:off x="4572000" y="2103120"/>
+            <a:ext cx="0" cy="0"/>
+          </a:xfrm>
+          <a:prstGeom prst="line">
+            <a:avLst/>
+          </a:prstGeom>
+          <a:noFill/>
+          <a:ln w="12700">
+            <a:solidFill>
+              <a:srgbClr val="DC2626"/>
+            </a:solidFill>
+            <a:prstDash val="dash"/>
+          </a:ln>
+        </p:spPr>
+      </p:sp>
+      <p:sp>
+        <p:nvSpPr>
+          <p:cNvPr id="12" name="Shape 10"/>
+          <p:cNvSpPr/>
+          <p:nvPr/>
+        </p:nvSpPr>
+        <p:spPr>
+          <a:xfrm>
+            <a:off x="5038948" y="2456441"/>
+            <a:ext cx="1005840" cy="457200"/>
+          </a:xfrm>
+          <a:prstGeom prst="roundRect">
+            <a:avLst/>
+          </a:prstGeom>
+          <a:solidFill>
+            <a:srgbClr val="334155"/>
+          </a:solidFill>
+          <a:ln/>
+        </p:spPr>
+      </p:sp>
+      <p:sp>
+        <p:nvSpPr>
+          <p:cNvPr id="13" name="Text 11"/>
+          <p:cNvSpPr/>
+          <p:nvPr/>
+        </p:nvSpPr>
+        <p:spPr>
+          <a:xfrm>
+            <a:off x="5038948" y="2566169"/>
+            <a:ext cx="1005840" cy="237744"/>
+          </a:xfrm>
+          <a:prstGeom prst="rect">
+            <a:avLst/>
+          </a:prstGeom>
+          <a:noFill/>
+          <a:ln/>
+        </p:spPr>
+        <p:txBody>
+          <a:bodyPr wrap="square" rtlCol="0" anchor="ctr"/>
+          <a:lstStyle/>
+          <a:p>
+            <a:pPr algn="ctr" indent="0" marL="0">
+              <a:buNone/>
+            </a:pPr>
+            <a:r>
+              <a:rPr lang="en-US" sz="900" dirty="0">
+                <a:solidFill>
+                  <a:srgbClr val="FFFFFF"/>
+                </a:solidFill>
+              </a:rPr>
+              <a:t>Program B</a:t>
+            </a:r>
+            <a:endParaRPr lang="en-US" sz="900" dirty="0"/>
+          </a:p>
+        </p:txBody>
+      </p:sp>
+      <p:sp>
+        <p:nvSpPr>
+          <p:cNvPr id="14" name="Shape 12"/>
+          <p:cNvSpPr/>
+          <p:nvPr/>
+        </p:nvSpPr>
+        <p:spPr>
+          <a:xfrm>
+            <a:off x="4572000" y="2103120"/>
+            <a:ext cx="0" cy="0"/>
+          </a:xfrm>
+          <a:prstGeom prst="line">
+            <a:avLst/>
+          </a:prstGeom>
+          <a:noFill/>
+          <a:ln w="12700">
+            <a:solidFill>
+              <a:srgbClr val="DC2626"/>
+            </a:solidFill>
+            <a:prstDash val="dash"/>
+          </a:ln>
+        </p:spPr>
+      </p:sp>
+      <p:sp>
+        <p:nvSpPr>
+          <p:cNvPr id="15" name="Shape 13"/>
+          <p:cNvSpPr/>
+          <p:nvPr/>
+        </p:nvSpPr>
+        <p:spPr>
+          <a:xfrm>
+            <a:off x="3099212" y="1292599"/>
+            <a:ext cx="1005840" cy="457200"/>
+          </a:xfrm>
+          <a:prstGeom prst="roundRect">
+            <a:avLst/>
+          </a:prstGeom>
+          <a:solidFill>
+            <a:srgbClr val="334155"/>
+          </a:solidFill>
+          <a:ln/>
+        </p:spPr>
+      </p:sp>
+      <p:sp>
+        <p:nvSpPr>
+          <p:cNvPr id="16" name="Text 14"/>
+          <p:cNvSpPr/>
+          <p:nvPr/>
+        </p:nvSpPr>
+        <p:spPr>
+          <a:xfrm>
+            <a:off x="3099212" y="1402327"/>
+            <a:ext cx="1005840" cy="237744"/>
+          </a:xfrm>
+          <a:prstGeom prst="rect">
+            <a:avLst/>
+          </a:prstGeom>
+          <a:noFill/>
+          <a:ln/>
+        </p:spPr>
+        <p:txBody>
+          <a:bodyPr wrap="square" rtlCol="0" anchor="ctr"/>
+          <a:lstStyle/>
+          <a:p>
+            <a:pPr algn="ctr" indent="0" marL="0">
+              <a:buNone/>
+            </a:pPr>
+            <a:r>
+              <a:rPr lang="en-US" sz="900" dirty="0">
+                <a:solidFill>
+                  <a:srgbClr val="FFFFFF"/>
+                </a:solidFill>
+              </a:rPr>
+              <a:t>Program C</a:t>
+            </a:r>
+            <a:endParaRPr lang="en-US" sz="900" dirty="0"/>
+          </a:p>
+        </p:txBody>
+      </p:sp>
+      <p:sp>
+        <p:nvSpPr>
+          <p:cNvPr id="17" name="Shape 15"/>
+          <p:cNvSpPr/>
+          <p:nvPr/>
+        </p:nvSpPr>
+        <p:spPr>
+          <a:xfrm>
+            <a:off x="4572000" y="2103120"/>
+            <a:ext cx="0" cy="0"/>
+          </a:xfrm>
+          <a:prstGeom prst="line">
+            <a:avLst/>
+          </a:prstGeom>
+          <a:noFill/>
+          <a:ln w="12700">
+            <a:solidFill>
+              <a:srgbClr val="DC2626"/>
+            </a:solidFill>
+            <a:prstDash val="dash"/>
+          </a:ln>
+        </p:spPr>
+      </p:sp>
+      <p:sp>
+        <p:nvSpPr>
+          <p:cNvPr id="18" name="Shape 16"/>
+          <p:cNvSpPr/>
+          <p:nvPr/>
+        </p:nvSpPr>
+        <p:spPr>
+          <a:xfrm>
+            <a:off x="3099212" y="2456441"/>
+            <a:ext cx="1005840" cy="457200"/>
+          </a:xfrm>
+          <a:prstGeom prst="roundRect">
+            <a:avLst/>
+          </a:prstGeom>
+          <a:solidFill>
+            <a:srgbClr val="334155"/>
+          </a:solidFill>
+          <a:ln/>
+        </p:spPr>
+      </p:sp>
+      <p:sp>
+        <p:nvSpPr>
+          <p:cNvPr id="19" name="Text 17"/>
+          <p:cNvSpPr/>
+          <p:nvPr/>
+        </p:nvSpPr>
+        <p:spPr>
+          <a:xfrm>
+            <a:off x="3099212" y="2566169"/>
+            <a:ext cx="1005840" cy="237744"/>
+          </a:xfrm>
+          <a:prstGeom prst="rect">
+            <a:avLst/>
+          </a:prstGeom>
+          <a:noFill/>
+          <a:ln/>
+        </p:spPr>
+        <p:txBody>
+          <a:bodyPr wrap="square" rtlCol="0" anchor="ctr"/>
+          <a:lstStyle/>
+          <a:p>
+            <a:pPr algn="ctr" indent="0" marL="0">
+              <a:buNone/>
+            </a:pPr>
+            <a:r>
+              <a:rPr lang="en-US" sz="900" dirty="0">
+                <a:solidFill>
+                  <a:srgbClr val="FFFFFF"/>
+                </a:solidFill>
+              </a:rPr>
+              <a:t>Program D</a:t>
+            </a:r>
+            <a:endParaRPr lang="en-US" sz="900" dirty="0"/>
+          </a:p>
+        </p:txBody>
+      </p:sp>
+      <p:sp>
+        <p:nvSpPr>
+          <p:cNvPr id="20" name="Shape 18"/>
+          <p:cNvSpPr/>
+          <p:nvPr/>
+        </p:nvSpPr>
+        <p:spPr>
+          <a:xfrm>
+            <a:off x="4572000" y="2103120"/>
+            <a:ext cx="0" cy="0"/>
+          </a:xfrm>
+          <a:prstGeom prst="line">
+            <a:avLst/>
+          </a:prstGeom>
+          <a:noFill/>
+          <a:ln w="12700">
+            <a:solidFill>
+              <a:srgbClr val="DC2626"/>
+            </a:solidFill>
+            <a:prstDash val="dash"/>
+          </a:ln>
+        </p:spPr>
+      </p:sp>
+      <p:sp>
+        <p:nvSpPr>
+          <p:cNvPr id="21" name="Shape 19"/>
+          <p:cNvSpPr/>
+          <p:nvPr/>
+        </p:nvSpPr>
+        <p:spPr>
+          <a:xfrm>
+            <a:off x="1234440" y="3474720"/>
+            <a:ext cx="2103120" cy="914400"/>
+          </a:xfrm>
+          <a:prstGeom prst="roundRect">
+            <a:avLst/>
+          </a:prstGeom>
+          <a:solidFill>
+            <a:srgbClr val="1E293B"/>
+          </a:solidFill>
+          <a:ln w="12700">
+            <a:solidFill>
+              <a:srgbClr val="0D9488"/>
+            </a:solidFill>
+            <a:prstDash val="solid"/>
+          </a:ln>
+        </p:spPr>
+      </p:sp>
+      <p:sp>
+        <p:nvSpPr>
+          <p:cNvPr id="22" name="Text 20"/>
+          <p:cNvSpPr/>
+          <p:nvPr/>
+        </p:nvSpPr>
+        <p:spPr>
+          <a:xfrm>
+            <a:off x="1234440" y="3566160"/>
+            <a:ext cx="2103120" cy="457200"/>
+          </a:xfrm>
+          <a:prstGeom prst="rect">
+            <a:avLst/>
+          </a:prstGeom>
+          <a:noFill/>
+          <a:ln/>
+        </p:spPr>
+        <p:txBody>
+          <a:bodyPr wrap="square" rtlCol="0" anchor="ctr"/>
+          <a:lstStyle/>
+          <a:p>
+            <a:pPr algn="ctr" indent="0" marL="0">
+              <a:buNone/>
+            </a:pPr>
+            <a:r>
+              <a:rPr lang="en-US" sz="2600" b="1" dirty="0">
+                <a:solidFill>
+                  <a:srgbClr val="0D9488"/>
+                </a:solidFill>
+              </a:rPr>
+              <a:t>$2-5M</a:t>
+            </a:r>
+            <a:endParaRPr lang="en-US" sz="2600" dirty="0"/>
+          </a:p>
+        </p:txBody>
+      </p:sp>
+      <p:sp>
+        <p:nvSpPr>
+          <p:cNvPr id="23" name="Text 21"/>
+          <p:cNvSpPr/>
+          <p:nvPr/>
+        </p:nvSpPr>
+        <p:spPr>
+          <a:xfrm>
+            <a:off x="1234440" y="4023360"/>
+            <a:ext cx="2103120" cy="274320"/>
+          </a:xfrm>
+          <a:prstGeom prst="rect">
+            <a:avLst/>
+          </a:prstGeom>
+          <a:noFill/>
+          <a:ln/>
+        </p:spPr>
+        <p:txBody>
+          <a:bodyPr wrap="square" rtlCol="0" anchor="ctr"/>
+          <a:lstStyle/>
+          <a:p>
+            <a:pPr algn="ctr" indent="0" marL="0">
+              <a:buNone/>
+            </a:pPr>
+            <a:r>
+              <a:rPr lang="en-US" sz="900" dirty="0">
+                <a:solidFill>
+                  <a:srgbClr val="FFFFFF"/>
+                </a:solidFill>
+              </a:rPr>
+              <a:t>Per Program Infrastructure</a:t>
+            </a:r>
+            <a:endParaRPr lang="en-US" sz="900" dirty="0"/>
+          </a:p>
+        </p:txBody>
+      </p:sp>
+      <p:sp>
+        <p:nvSpPr>
+          <p:cNvPr id="24" name="Shape 22"/>
+          <p:cNvSpPr/>
+          <p:nvPr/>
+        </p:nvSpPr>
+        <p:spPr>
+          <a:xfrm>
+            <a:off x="3520440" y="3474720"/>
+            <a:ext cx="2103120" cy="914400"/>
+          </a:xfrm>
+          <a:prstGeom prst="roundRect">
+            <a:avLst/>
+          </a:prstGeom>
+          <a:solidFill>
+            <a:srgbClr val="1E293B"/>
+          </a:solidFill>
+          <a:ln w="12700">
+            <a:solidFill>
+              <a:srgbClr val="0D9488"/>
+            </a:solidFill>
+            <a:prstDash val="solid"/>
+          </a:ln>
+        </p:spPr>
+      </p:sp>
+      <p:sp>
+        <p:nvSpPr>
+          <p:cNvPr id="25" name="Text 23"/>
+          <p:cNvSpPr/>
+          <p:nvPr/>
+        </p:nvSpPr>
+        <p:spPr>
+          <a:xfrm>
+            <a:off x="3520440" y="3566160"/>
+            <a:ext cx="2103120" cy="457200"/>
+          </a:xfrm>
+          <a:prstGeom prst="rect">
+            <a:avLst/>
+          </a:prstGeom>
+          <a:noFill/>
+          <a:ln/>
+        </p:spPr>
+        <p:txBody>
+          <a:bodyPr wrap="square" rtlCol="0" anchor="ctr"/>
+          <a:lstStyle/>
+          <a:p>
+            <a:pPr algn="ctr" indent="0" marL="0">
+              <a:buNone/>
+            </a:pPr>
+            <a:r>
+              <a:rPr lang="en-US" sz="2600" b="1" dirty="0">
+                <a:solidFill>
+                  <a:srgbClr val="0D9488"/>
+                </a:solidFill>
+              </a:rPr>
+              <a:t>12-18</a:t>
+            </a:r>
+            <a:endParaRPr lang="en-US" sz="2600" dirty="0"/>
+          </a:p>
+        </p:txBody>
+      </p:sp>
+      <p:sp>
+        <p:nvSpPr>
+          <p:cNvPr id="26" name="Text 24"/>
+          <p:cNvSpPr/>
+          <p:nvPr/>
+        </p:nvSpPr>
+        <p:spPr>
+          <a:xfrm>
+            <a:off x="3520440" y="4023360"/>
+            <a:ext cx="2103120" cy="274320"/>
+          </a:xfrm>
+          <a:prstGeom prst="rect">
+            <a:avLst/>
+          </a:prstGeom>
+          <a:noFill/>
+          <a:ln/>
+        </p:spPr>
+        <p:txBody>
+          <a:bodyPr wrap="square" rtlCol="0" anchor="ctr"/>
+          <a:lstStyle/>
+          <a:p>
+            <a:pPr algn="ctr" indent="0" marL="0">
+              <a:buNone/>
+            </a:pPr>
+            <a:r>
+              <a:rPr lang="en-US" sz="900" dirty="0">
+                <a:solidFill>
+                  <a:srgbClr val="FFFFFF"/>
+                </a:solidFill>
+              </a:rPr>
+              <a:t>Months to ATO</a:t>
+            </a:r>
+            <a:endParaRPr lang="en-US" sz="900" dirty="0"/>
+          </a:p>
+        </p:txBody>
+      </p:sp>
+      <p:sp>
+        <p:nvSpPr>
+          <p:cNvPr id="27" name="Shape 25"/>
+          <p:cNvSpPr/>
+          <p:nvPr/>
+        </p:nvSpPr>
+        <p:spPr>
+          <a:xfrm>
+            <a:off x="5806440" y="3474720"/>
+            <a:ext cx="2103120" cy="914400"/>
+          </a:xfrm>
+          <a:prstGeom prst="roundRect">
+            <a:avLst/>
+          </a:prstGeom>
+          <a:solidFill>
+            <a:srgbClr val="1E293B"/>
+          </a:solidFill>
+          <a:ln w="12700">
+            <a:solidFill>
+              <a:srgbClr val="0D9488"/>
+            </a:solidFill>
+            <a:prstDash val="solid"/>
+          </a:ln>
+        </p:spPr>
+      </p:sp>
+      <p:sp>
+        <p:nvSpPr>
+          <p:cNvPr id="28" name="Text 26"/>
+          <p:cNvSpPr/>
+          <p:nvPr/>
+        </p:nvSpPr>
+        <p:spPr>
+          <a:xfrm>
+            <a:off x="5806440" y="3566160"/>
+            <a:ext cx="2103120" cy="457200"/>
+          </a:xfrm>
+          <a:prstGeom prst="rect">
+            <a:avLst/>
+          </a:prstGeom>
+          <a:noFill/>
+          <a:ln/>
+        </p:spPr>
+        <p:txBody>
+          <a:bodyPr wrap="square" rtlCol="0" anchor="ctr"/>
+          <a:lstStyle/>
+          <a:p>
+            <a:pPr algn="ctr" indent="0" marL="0">
+              <a:buNone/>
+            </a:pPr>
+            <a:r>
+              <a:rPr lang="en-US" sz="2600" b="1" dirty="0">
+                <a:solidFill>
+                  <a:srgbClr val="0D9488"/>
+                </a:solidFill>
+              </a:rPr>
+              <a:t>0%</a:t>
+            </a:r>
+            <a:endParaRPr lang="en-US" sz="2600" dirty="0"/>
+          </a:p>
+        </p:txBody>
+      </p:sp>
+      <p:sp>
+        <p:nvSpPr>
+          <p:cNvPr id="29" name="Text 27"/>
+          <p:cNvSpPr/>
+          <p:nvPr/>
+        </p:nvSpPr>
+        <p:spPr>
+          <a:xfrm>
+            <a:off x="5806440" y="4023360"/>
+            <a:ext cx="2103120" cy="274320"/>
+          </a:xfrm>
+          <a:prstGeom prst="rect">
+            <a:avLst/>
+          </a:prstGeom>
+          <a:noFill/>
+          <a:ln/>
+        </p:spPr>
+        <p:txBody>
+          <a:bodyPr wrap="square" rtlCol="0" anchor="ctr"/>
+          <a:lstStyle/>
+          <a:p>
+            <a:pPr algn="ctr" indent="0" marL="0">
+              <a:buNone/>
+            </a:pPr>
+            <a:r>
+              <a:rPr lang="en-US" sz="900" dirty="0">
+                <a:solidFill>
+                  <a:srgbClr val="FFFFFF"/>
+                </a:solidFill>
+              </a:rPr>
+              <a:t>Control Reuse</a:t>
+            </a:r>
+            <a:endParaRPr lang="en-US" sz="900" dirty="0"/>
+          </a:p>
+        </p:txBody>
+      </p:sp>
+      <p:sp>
+        <p:nvSpPr>
+          <p:cNvPr id="30" name="Text 28"/>
+          <p:cNvSpPr/>
+          <p:nvPr/>
+        </p:nvSpPr>
+        <p:spPr>
+          <a:xfrm>
+            <a:off x="8229600" y="4777740"/>
+            <a:ext cx="731520" cy="274320"/>
+          </a:xfrm>
+          <a:prstGeom prst="rect">
+            <a:avLst/>
+          </a:prstGeom>
+          <a:noFill/>
+          <a:ln/>
+        </p:spPr>
+        <p:txBody>
+          <a:bodyPr wrap="square" rtlCol="0" anchor="ctr"/>
+          <a:lstStyle/>
+          <a:p>
+            <a:pPr algn="r" indent="0" marL="0">
+              <a:buNone/>
+            </a:pPr>
+            <a:r>
+              <a:rPr lang="en-US" sz="900" dirty="0">
+                <a:solidFill>
+                  <a:srgbClr val="475569"/>
+                </a:solidFill>
+              </a:rPr>
+              <a:t>2 / 14</a:t>
+            </a:r>
+            <a:endParaRPr lang="en-US" sz="900" dirty="0"/>
+          </a:p>
+        </p:txBody>
+      </p:sp>
     </p:spTree>
   </p:cSld>
   <p:clrMapOvr>
@@ -2368,20 +6856,12 @@
           <a:chExt cx="0" cy="0"/>
         </a:xfrm>
       </p:grpSpPr>
-      <p:pic>
-        <p:nvPicPr>
-          <p:cNvPr id="2" name="Image 0" descr="preencoded.png">    </p:cNvPr>
-          <p:cNvPicPr>
-            <a:picLocks noChangeAspect="1"/>
-          </p:cNvPicPr>
-          <p:nvPr/>
-        </p:nvPicPr>
-        <p:blipFill>
-          <a:blip r:embed="rId1"/>
-          <a:stretch>
-            <a:fillRect/>
-          </a:stretch>
-        </p:blipFill>
+      <p:sp>
+        <p:nvSpPr>
+          <p:cNvPr id="2" name="Shape 0"/>
+          <p:cNvSpPr/>
+          <p:nvPr/>
+        </p:nvSpPr>
         <p:spPr>
           <a:xfrm>
             <a:off x="0" y="0"/>
@@ -2390,8 +6870,580 @@
           <a:prstGeom prst="rect">
             <a:avLst/>
           </a:prstGeom>
-        </p:spPr>
-      </p:pic>
+          <a:solidFill>
+            <a:srgbClr val="F8FAFC"/>
+          </a:solidFill>
+          <a:ln/>
+        </p:spPr>
+      </p:sp>
+      <p:sp>
+        <p:nvSpPr>
+          <p:cNvPr id="3" name="Shape 1"/>
+          <p:cNvSpPr/>
+          <p:nvPr/>
+        </p:nvSpPr>
+        <p:spPr>
+          <a:xfrm>
+            <a:off x="0" y="0"/>
+            <a:ext cx="9144000" cy="73152"/>
+          </a:xfrm>
+          <a:prstGeom prst="rect">
+            <a:avLst/>
+          </a:prstGeom>
+          <a:solidFill>
+            <a:srgbClr val="1E3A5F"/>
+          </a:solidFill>
+          <a:ln/>
+        </p:spPr>
+      </p:sp>
+      <p:sp>
+        <p:nvSpPr>
+          <p:cNvPr id="4" name="Shape 2"/>
+          <p:cNvSpPr/>
+          <p:nvPr/>
+        </p:nvSpPr>
+        <p:spPr>
+          <a:xfrm>
+            <a:off x="0" y="5070348"/>
+            <a:ext cx="9144000" cy="73152"/>
+          </a:xfrm>
+          <a:prstGeom prst="rect">
+            <a:avLst/>
+          </a:prstGeom>
+          <a:solidFill>
+            <a:srgbClr val="0D9488"/>
+          </a:solidFill>
+          <a:ln/>
+        </p:spPr>
+      </p:sp>
+      <p:sp>
+        <p:nvSpPr>
+          <p:cNvPr id="5" name="Text 3"/>
+          <p:cNvSpPr/>
+          <p:nvPr/>
+        </p:nvSpPr>
+        <p:spPr>
+          <a:xfrm>
+            <a:off x="457200" y="274320"/>
+            <a:ext cx="8229600" cy="548640"/>
+          </a:xfrm>
+          <a:prstGeom prst="rect">
+            <a:avLst/>
+          </a:prstGeom>
+          <a:noFill/>
+          <a:ln/>
+        </p:spPr>
+        <p:txBody>
+          <a:bodyPr wrap="square" rtlCol="0" anchor="ctr"/>
+          <a:lstStyle/>
+          <a:p>
+            <a:pPr indent="0" marL="0">
+              <a:buNone/>
+            </a:pPr>
+            <a:r>
+              <a:rPr lang="en-US" sz="3200" b="1" dirty="0">
+                <a:solidFill>
+                  <a:srgbClr val="1E3A5F"/>
+                </a:solidFill>
+              </a:rPr>
+              <a:t>The Hidden Cost</a:t>
+            </a:r>
+            <a:endParaRPr lang="en-US" sz="3200" dirty="0"/>
+          </a:p>
+        </p:txBody>
+      </p:sp>
+      <p:sp>
+        <p:nvSpPr>
+          <p:cNvPr id="6" name="Shape 4"/>
+          <p:cNvSpPr/>
+          <p:nvPr/>
+        </p:nvSpPr>
+        <p:spPr>
+          <a:xfrm>
+            <a:off x="457200" y="1005840"/>
+            <a:ext cx="3840480" cy="2560320"/>
+          </a:xfrm>
+          <a:prstGeom prst="roundRect">
+            <a:avLst/>
+          </a:prstGeom>
+          <a:solidFill>
+            <a:srgbClr val="FECACA"/>
+          </a:solidFill>
+          <a:ln/>
+        </p:spPr>
+      </p:sp>
+      <p:sp>
+        <p:nvSpPr>
+          <p:cNvPr id="7" name="Text 5"/>
+          <p:cNvSpPr/>
+          <p:nvPr/>
+        </p:nvSpPr>
+        <p:spPr>
+          <a:xfrm>
+            <a:off x="640080" y="1143000"/>
+            <a:ext cx="3474720" cy="320040"/>
+          </a:xfrm>
+          <a:prstGeom prst="rect">
+            <a:avLst/>
+          </a:prstGeom>
+          <a:noFill/>
+          <a:ln/>
+        </p:spPr>
+        <p:txBody>
+          <a:bodyPr wrap="square" rtlCol="0" anchor="ctr"/>
+          <a:lstStyle/>
+          <a:p>
+            <a:pPr indent="0" marL="0">
+              <a:buNone/>
+            </a:pPr>
+            <a:r>
+              <a:rPr lang="en-US" sz="1600" b="1" dirty="0">
+                <a:solidFill>
+                  <a:srgbClr val="DC2626"/>
+                </a:solidFill>
+              </a:rPr>
+              <a:t>What We Pay For</a:t>
+            </a:r>
+            <a:endParaRPr lang="en-US" sz="1600" dirty="0"/>
+          </a:p>
+        </p:txBody>
+      </p:sp>
+      <p:sp>
+        <p:nvSpPr>
+          <p:cNvPr id="8" name="Text 6"/>
+          <p:cNvSpPr/>
+          <p:nvPr/>
+        </p:nvSpPr>
+        <p:spPr>
+          <a:xfrm>
+            <a:off x="640080" y="1554480"/>
+            <a:ext cx="3474720" cy="411480"/>
+          </a:xfrm>
+          <a:prstGeom prst="rect">
+            <a:avLst/>
+          </a:prstGeom>
+          <a:noFill/>
+          <a:ln/>
+        </p:spPr>
+        <p:txBody>
+          <a:bodyPr wrap="square" rtlCol="0" anchor="ctr"/>
+          <a:lstStyle/>
+          <a:p>
+            <a:pPr indent="0" marL="0">
+              <a:buNone/>
+            </a:pPr>
+            <a:r>
+              <a:rPr lang="en-US" sz="1200" dirty="0">
+                <a:solidFill>
+                  <a:srgbClr val="334155"/>
+                </a:solidFill>
+              </a:rPr>
+              <a:t>✗  Duplicate hardware purchases</a:t>
+            </a:r>
+            <a:endParaRPr lang="en-US" sz="1200" dirty="0"/>
+          </a:p>
+        </p:txBody>
+      </p:sp>
+      <p:sp>
+        <p:nvSpPr>
+          <p:cNvPr id="9" name="Text 7"/>
+          <p:cNvSpPr/>
+          <p:nvPr/>
+        </p:nvSpPr>
+        <p:spPr>
+          <a:xfrm>
+            <a:off x="640080" y="2011680"/>
+            <a:ext cx="3474720" cy="411480"/>
+          </a:xfrm>
+          <a:prstGeom prst="rect">
+            <a:avLst/>
+          </a:prstGeom>
+          <a:noFill/>
+          <a:ln/>
+        </p:spPr>
+        <p:txBody>
+          <a:bodyPr wrap="square" rtlCol="0" anchor="ctr"/>
+          <a:lstStyle/>
+          <a:p>
+            <a:pPr indent="0" marL="0">
+              <a:buNone/>
+            </a:pPr>
+            <a:r>
+              <a:rPr lang="en-US" sz="1200" dirty="0">
+                <a:solidFill>
+                  <a:srgbClr val="334155"/>
+                </a:solidFill>
+              </a:rPr>
+              <a:t>✗  Redundant VM infrastructure</a:t>
+            </a:r>
+            <a:endParaRPr lang="en-US" sz="1200" dirty="0"/>
+          </a:p>
+        </p:txBody>
+      </p:sp>
+      <p:sp>
+        <p:nvSpPr>
+          <p:cNvPr id="10" name="Text 8"/>
+          <p:cNvSpPr/>
+          <p:nvPr/>
+        </p:nvSpPr>
+        <p:spPr>
+          <a:xfrm>
+            <a:off x="640080" y="2468880"/>
+            <a:ext cx="3474720" cy="411480"/>
+          </a:xfrm>
+          <a:prstGeom prst="rect">
+            <a:avLst/>
+          </a:prstGeom>
+          <a:noFill/>
+          <a:ln/>
+        </p:spPr>
+        <p:txBody>
+          <a:bodyPr wrap="square" rtlCol="0" anchor="ctr"/>
+          <a:lstStyle/>
+          <a:p>
+            <a:pPr indent="0" marL="0">
+              <a:buNone/>
+            </a:pPr>
+            <a:r>
+              <a:rPr lang="en-US" sz="1200" dirty="0">
+                <a:solidFill>
+                  <a:srgbClr val="334155"/>
+                </a:solidFill>
+              </a:rPr>
+              <a:t>✗  Separate container runtimes</a:t>
+            </a:r>
+            <a:endParaRPr lang="en-US" sz="1200" dirty="0"/>
+          </a:p>
+        </p:txBody>
+      </p:sp>
+      <p:sp>
+        <p:nvSpPr>
+          <p:cNvPr id="11" name="Text 9"/>
+          <p:cNvSpPr/>
+          <p:nvPr/>
+        </p:nvSpPr>
+        <p:spPr>
+          <a:xfrm>
+            <a:off x="640080" y="2926080"/>
+            <a:ext cx="3474720" cy="411480"/>
+          </a:xfrm>
+          <a:prstGeom prst="rect">
+            <a:avLst/>
+          </a:prstGeom>
+          <a:noFill/>
+          <a:ln/>
+        </p:spPr>
+        <p:txBody>
+          <a:bodyPr wrap="square" rtlCol="0" anchor="ctr"/>
+          <a:lstStyle/>
+          <a:p>
+            <a:pPr indent="0" marL="0">
+              <a:buNone/>
+            </a:pPr>
+            <a:r>
+              <a:rPr lang="en-US" sz="1200" dirty="0">
+                <a:solidFill>
+                  <a:srgbClr val="334155"/>
+                </a:solidFill>
+              </a:rPr>
+              <a:t>✗  Individual security tools</a:t>
+            </a:r>
+            <a:endParaRPr lang="en-US" sz="1200" dirty="0"/>
+          </a:p>
+        </p:txBody>
+      </p:sp>
+      <p:sp>
+        <p:nvSpPr>
+          <p:cNvPr id="12" name="Shape 10"/>
+          <p:cNvSpPr/>
+          <p:nvPr/>
+        </p:nvSpPr>
+        <p:spPr>
+          <a:xfrm>
+            <a:off x="4846320" y="1005840"/>
+            <a:ext cx="3840480" cy="2560320"/>
+          </a:xfrm>
+          <a:prstGeom prst="roundRect">
+            <a:avLst/>
+          </a:prstGeom>
+          <a:solidFill>
+            <a:srgbClr val="FECACA"/>
+          </a:solidFill>
+          <a:ln/>
+        </p:spPr>
+      </p:sp>
+      <p:sp>
+        <p:nvSpPr>
+          <p:cNvPr id="13" name="Text 11"/>
+          <p:cNvSpPr/>
+          <p:nvPr/>
+        </p:nvSpPr>
+        <p:spPr>
+          <a:xfrm>
+            <a:off x="5029200" y="1143000"/>
+            <a:ext cx="3474720" cy="320040"/>
+          </a:xfrm>
+          <a:prstGeom prst="rect">
+            <a:avLst/>
+          </a:prstGeom>
+          <a:noFill/>
+          <a:ln/>
+        </p:spPr>
+        <p:txBody>
+          <a:bodyPr wrap="square" rtlCol="0" anchor="ctr"/>
+          <a:lstStyle/>
+          <a:p>
+            <a:pPr indent="0" marL="0">
+              <a:buNone/>
+            </a:pPr>
+            <a:r>
+              <a:rPr lang="en-US" sz="1600" b="1" dirty="0">
+                <a:solidFill>
+                  <a:srgbClr val="DC2626"/>
+                </a:solidFill>
+              </a:rPr>
+              <a:t>What We Get</a:t>
+            </a:r>
+            <a:endParaRPr lang="en-US" sz="1600" dirty="0"/>
+          </a:p>
+        </p:txBody>
+      </p:sp>
+      <p:sp>
+        <p:nvSpPr>
+          <p:cNvPr id="14" name="Text 12"/>
+          <p:cNvSpPr/>
+          <p:nvPr/>
+        </p:nvSpPr>
+        <p:spPr>
+          <a:xfrm>
+            <a:off x="5029200" y="1554480"/>
+            <a:ext cx="3474720" cy="411480"/>
+          </a:xfrm>
+          <a:prstGeom prst="rect">
+            <a:avLst/>
+          </a:prstGeom>
+          <a:noFill/>
+          <a:ln/>
+        </p:spPr>
+        <p:txBody>
+          <a:bodyPr wrap="square" rtlCol="0" anchor="ctr"/>
+          <a:lstStyle/>
+          <a:p>
+            <a:pPr indent="0" marL="0">
+              <a:buNone/>
+            </a:pPr>
+            <a:r>
+              <a:rPr lang="en-US" sz="1200" dirty="0">
+                <a:solidFill>
+                  <a:srgbClr val="334155"/>
+                </a:solidFill>
+              </a:rPr>
+              <a:t>✗  Incompatible systems</a:t>
+            </a:r>
+            <a:endParaRPr lang="en-US" sz="1200" dirty="0"/>
+          </a:p>
+        </p:txBody>
+      </p:sp>
+      <p:sp>
+        <p:nvSpPr>
+          <p:cNvPr id="15" name="Text 13"/>
+          <p:cNvSpPr/>
+          <p:nvPr/>
+        </p:nvSpPr>
+        <p:spPr>
+          <a:xfrm>
+            <a:off x="5029200" y="2011680"/>
+            <a:ext cx="3474720" cy="411480"/>
+          </a:xfrm>
+          <a:prstGeom prst="rect">
+            <a:avLst/>
+          </a:prstGeom>
+          <a:noFill/>
+          <a:ln/>
+        </p:spPr>
+        <p:txBody>
+          <a:bodyPr wrap="square" rtlCol="0" anchor="ctr"/>
+          <a:lstStyle/>
+          <a:p>
+            <a:pPr indent="0" marL="0">
+              <a:buNone/>
+            </a:pPr>
+            <a:r>
+              <a:rPr lang="en-US" sz="1200" dirty="0">
+                <a:solidFill>
+                  <a:srgbClr val="334155"/>
+                </a:solidFill>
+              </a:rPr>
+              <a:t>✗  No shared controls</a:t>
+            </a:r>
+            <a:endParaRPr lang="en-US" sz="1200" dirty="0"/>
+          </a:p>
+        </p:txBody>
+      </p:sp>
+      <p:sp>
+        <p:nvSpPr>
+          <p:cNvPr id="16" name="Text 14"/>
+          <p:cNvSpPr/>
+          <p:nvPr/>
+        </p:nvSpPr>
+        <p:spPr>
+          <a:xfrm>
+            <a:off x="5029200" y="2468880"/>
+            <a:ext cx="3474720" cy="411480"/>
+          </a:xfrm>
+          <a:prstGeom prst="rect">
+            <a:avLst/>
+          </a:prstGeom>
+          <a:noFill/>
+          <a:ln/>
+        </p:spPr>
+        <p:txBody>
+          <a:bodyPr wrap="square" rtlCol="0" anchor="ctr"/>
+          <a:lstStyle/>
+          <a:p>
+            <a:pPr indent="0" marL="0">
+              <a:buNone/>
+            </a:pPr>
+            <a:r>
+              <a:rPr lang="en-US" sz="1200" dirty="0">
+                <a:solidFill>
+                  <a:srgbClr val="334155"/>
+                </a:solidFill>
+              </a:rPr>
+              <a:t>✗  Manual everything</a:t>
+            </a:r>
+            <a:endParaRPr lang="en-US" sz="1200" dirty="0"/>
+          </a:p>
+        </p:txBody>
+      </p:sp>
+      <p:sp>
+        <p:nvSpPr>
+          <p:cNvPr id="17" name="Text 15"/>
+          <p:cNvSpPr/>
+          <p:nvPr/>
+        </p:nvSpPr>
+        <p:spPr>
+          <a:xfrm>
+            <a:off x="5029200" y="2926080"/>
+            <a:ext cx="3474720" cy="411480"/>
+          </a:xfrm>
+          <a:prstGeom prst="rect">
+            <a:avLst/>
+          </a:prstGeom>
+          <a:noFill/>
+          <a:ln/>
+        </p:spPr>
+        <p:txBody>
+          <a:bodyPr wrap="square" rtlCol="0" anchor="ctr"/>
+          <a:lstStyle/>
+          <a:p>
+            <a:pPr indent="0" marL="0">
+              <a:buNone/>
+            </a:pPr>
+            <a:r>
+              <a:rPr lang="en-US" sz="1200" dirty="0">
+                <a:solidFill>
+                  <a:srgbClr val="334155"/>
+                </a:solidFill>
+              </a:rPr>
+              <a:t>✗  Endless re-work</a:t>
+            </a:r>
+            <a:endParaRPr lang="en-US" sz="1200" dirty="0"/>
+          </a:p>
+        </p:txBody>
+      </p:sp>
+      <p:sp>
+        <p:nvSpPr>
+          <p:cNvPr id="18" name="Shape 16"/>
+          <p:cNvSpPr/>
+          <p:nvPr/>
+        </p:nvSpPr>
+        <p:spPr>
+          <a:xfrm>
+            <a:off x="731520" y="3749040"/>
+            <a:ext cx="7680960" cy="594360"/>
+          </a:xfrm>
+          <a:prstGeom prst="roundRect">
+            <a:avLst/>
+          </a:prstGeom>
+          <a:solidFill>
+            <a:srgbClr val="FDE68A"/>
+          </a:solidFill>
+          <a:ln/>
+        </p:spPr>
+      </p:sp>
+      <p:sp>
+        <p:nvSpPr>
+          <p:cNvPr id="19" name="Text 17"/>
+          <p:cNvSpPr/>
+          <p:nvPr/>
+        </p:nvSpPr>
+        <p:spPr>
+          <a:xfrm>
+            <a:off x="731520" y="3840480"/>
+            <a:ext cx="7680960" cy="457200"/>
+          </a:xfrm>
+          <a:prstGeom prst="rect">
+            <a:avLst/>
+          </a:prstGeom>
+          <a:noFill/>
+          <a:ln/>
+        </p:spPr>
+        <p:txBody>
+          <a:bodyPr wrap="square" rtlCol="0" anchor="ctr"/>
+          <a:lstStyle/>
+          <a:p>
+            <a:pPr algn="ctr" indent="0" marL="0">
+              <a:buNone/>
+            </a:pPr>
+            <a:r>
+              <a:rPr lang="en-US" sz="1300" b="1" dirty="0">
+                <a:solidFill>
+                  <a:srgbClr val="D97706"/>
+                </a:solidFill>
+              </a:rPr>
+              <a:t>The real cost isn't hardware—it's the millions spent on labor that could be automated</a:t>
+            </a:r>
+            <a:endParaRPr lang="en-US" sz="1300" dirty="0"/>
+          </a:p>
+        </p:txBody>
+      </p:sp>
+      <p:sp>
+        <p:nvSpPr>
+          <p:cNvPr id="20" name="Text 18"/>
+          <p:cNvSpPr/>
+          <p:nvPr/>
+        </p:nvSpPr>
+        <p:spPr>
+          <a:xfrm>
+            <a:off x="8229600" y="4777740"/>
+            <a:ext cx="731520" cy="274320"/>
+          </a:xfrm>
+          <a:prstGeom prst="rect">
+            <a:avLst/>
+          </a:prstGeom>
+          <a:noFill/>
+          <a:ln/>
+        </p:spPr>
+        <p:txBody>
+          <a:bodyPr wrap="square" rtlCol="0" anchor="ctr"/>
+          <a:lstStyle/>
+          <a:p>
+            <a:pPr algn="r" indent="0" marL="0">
+              <a:buNone/>
+            </a:pPr>
+            <a:r>
+              <a:rPr lang="en-US" sz="900" dirty="0">
+                <a:solidFill>
+                  <a:srgbClr val="475569"/>
+                </a:solidFill>
+              </a:rPr>
+              <a:t>3 / 14</a:t>
+            </a:r>
+            <a:endParaRPr lang="en-US" sz="900" dirty="0"/>
+          </a:p>
+        </p:txBody>
+      </p:sp>
     </p:spTree>
   </p:cSld>
   <p:clrMapOvr>
@@ -2417,20 +7469,12 @@
           <a:chExt cx="0" cy="0"/>
         </a:xfrm>
       </p:grpSpPr>
-      <p:pic>
-        <p:nvPicPr>
-          <p:cNvPr id="2" name="Image 0" descr="preencoded.png">    </p:cNvPr>
-          <p:cNvPicPr>
-            <a:picLocks noChangeAspect="1"/>
-          </p:cNvPicPr>
-          <p:nvPr/>
-        </p:nvPicPr>
-        <p:blipFill>
-          <a:blip r:embed="rId1"/>
-          <a:stretch>
-            <a:fillRect/>
-          </a:stretch>
-        </p:blipFill>
+      <p:sp>
+        <p:nvSpPr>
+          <p:cNvPr id="2" name="Shape 0"/>
+          <p:cNvSpPr/>
+          <p:nvPr/>
+        </p:nvSpPr>
         <p:spPr>
           <a:xfrm>
             <a:off x="0" y="0"/>
@@ -2439,8 +7483,768 @@
           <a:prstGeom prst="rect">
             <a:avLst/>
           </a:prstGeom>
-        </p:spPr>
-      </p:pic>
+          <a:solidFill>
+            <a:srgbClr val="F8FAFC"/>
+          </a:solidFill>
+          <a:ln/>
+        </p:spPr>
+      </p:sp>
+      <p:sp>
+        <p:nvSpPr>
+          <p:cNvPr id="3" name="Shape 1"/>
+          <p:cNvSpPr/>
+          <p:nvPr/>
+        </p:nvSpPr>
+        <p:spPr>
+          <a:xfrm>
+            <a:off x="0" y="0"/>
+            <a:ext cx="9144000" cy="73152"/>
+          </a:xfrm>
+          <a:prstGeom prst="rect">
+            <a:avLst/>
+          </a:prstGeom>
+          <a:solidFill>
+            <a:srgbClr val="1E3A5F"/>
+          </a:solidFill>
+          <a:ln/>
+        </p:spPr>
+      </p:sp>
+      <p:sp>
+        <p:nvSpPr>
+          <p:cNvPr id="4" name="Shape 2"/>
+          <p:cNvSpPr/>
+          <p:nvPr/>
+        </p:nvSpPr>
+        <p:spPr>
+          <a:xfrm>
+            <a:off x="0" y="5070348"/>
+            <a:ext cx="9144000" cy="73152"/>
+          </a:xfrm>
+          <a:prstGeom prst="rect">
+            <a:avLst/>
+          </a:prstGeom>
+          <a:solidFill>
+            <a:srgbClr val="0D9488"/>
+          </a:solidFill>
+          <a:ln/>
+        </p:spPr>
+      </p:sp>
+      <p:sp>
+        <p:nvSpPr>
+          <p:cNvPr id="5" name="Text 3"/>
+          <p:cNvSpPr/>
+          <p:nvPr/>
+        </p:nvSpPr>
+        <p:spPr>
+          <a:xfrm>
+            <a:off x="457200" y="274320"/>
+            <a:ext cx="8229600" cy="548640"/>
+          </a:xfrm>
+          <a:prstGeom prst="rect">
+            <a:avLst/>
+          </a:prstGeom>
+          <a:noFill/>
+          <a:ln/>
+        </p:spPr>
+        <p:txBody>
+          <a:bodyPr wrap="square" rtlCol="0" anchor="ctr"/>
+          <a:lstStyle/>
+          <a:p>
+            <a:pPr indent="0" marL="0">
+              <a:buNone/>
+            </a:pPr>
+            <a:r>
+              <a:rPr lang="en-US" sz="3200" b="1" dirty="0">
+                <a:solidFill>
+                  <a:srgbClr val="1E3A5F"/>
+                </a:solidFill>
+              </a:rPr>
+              <a:t>Authorization Chaos</a:t>
+            </a:r>
+            <a:endParaRPr lang="en-US" sz="3200" dirty="0"/>
+          </a:p>
+        </p:txBody>
+      </p:sp>
+      <p:sp>
+        <p:nvSpPr>
+          <p:cNvPr id="6" name="Text 4"/>
+          <p:cNvSpPr/>
+          <p:nvPr/>
+        </p:nvSpPr>
+        <p:spPr>
+          <a:xfrm>
+            <a:off x="457200" y="777240"/>
+            <a:ext cx="8229600" cy="365760"/>
+          </a:xfrm>
+          <a:prstGeom prst="rect">
+            <a:avLst/>
+          </a:prstGeom>
+          <a:noFill/>
+          <a:ln/>
+        </p:spPr>
+        <p:txBody>
+          <a:bodyPr wrap="square" rtlCol="0" anchor="ctr"/>
+          <a:lstStyle/>
+          <a:p>
+            <a:pPr indent="0" marL="0">
+              <a:buNone/>
+            </a:pPr>
+            <a:r>
+              <a:rPr lang="en-US" sz="1600" dirty="0">
+                <a:solidFill>
+                  <a:srgbClr val="0D9488"/>
+                </a:solidFill>
+              </a:rPr>
+              <a:t>Why Every ATO Takes 18 Months</a:t>
+            </a:r>
+            <a:endParaRPr lang="en-US" sz="1600" dirty="0"/>
+          </a:p>
+        </p:txBody>
+      </p:sp>
+      <p:sp>
+        <p:nvSpPr>
+          <p:cNvPr id="7" name="Shape 5"/>
+          <p:cNvSpPr/>
+          <p:nvPr/>
+        </p:nvSpPr>
+        <p:spPr>
+          <a:xfrm>
+            <a:off x="525780" y="1645920"/>
+            <a:ext cx="1234440" cy="594360"/>
+          </a:xfrm>
+          <a:prstGeom prst="roundRect">
+            <a:avLst/>
+          </a:prstGeom>
+          <a:solidFill>
+            <a:srgbClr val="334155"/>
+          </a:solidFill>
+          <a:ln/>
+        </p:spPr>
+      </p:sp>
+      <p:sp>
+        <p:nvSpPr>
+          <p:cNvPr id="8" name="Text 6"/>
+          <p:cNvSpPr/>
+          <p:nvPr/>
+        </p:nvSpPr>
+        <p:spPr>
+          <a:xfrm>
+            <a:off x="525780" y="1810512"/>
+            <a:ext cx="1234440" cy="320040"/>
+          </a:xfrm>
+          <a:prstGeom prst="rect">
+            <a:avLst/>
+          </a:prstGeom>
+          <a:noFill/>
+          <a:ln/>
+        </p:spPr>
+        <p:txBody>
+          <a:bodyPr wrap="square" rtlCol="0" anchor="ctr"/>
+          <a:lstStyle/>
+          <a:p>
+            <a:pPr algn="ctr" indent="0" marL="0">
+              <a:buNone/>
+            </a:pPr>
+            <a:r>
+              <a:rPr lang="en-US" sz="1000" dirty="0">
+                <a:solidFill>
+                  <a:srgbClr val="FFFFFF"/>
+                </a:solidFill>
+              </a:rPr>
+              <a:t>New System</a:t>
+            </a:r>
+            <a:endParaRPr lang="en-US" sz="1000" dirty="0"/>
+          </a:p>
+        </p:txBody>
+      </p:sp>
+      <p:sp>
+        <p:nvSpPr>
+          <p:cNvPr id="9" name="Text 7"/>
+          <p:cNvSpPr/>
+          <p:nvPr/>
+        </p:nvSpPr>
+        <p:spPr>
+          <a:xfrm>
+            <a:off x="1760220" y="1737360"/>
+            <a:ext cx="137160" cy="411480"/>
+          </a:xfrm>
+          <a:prstGeom prst="rect">
+            <a:avLst/>
+          </a:prstGeom>
+          <a:noFill/>
+          <a:ln/>
+        </p:spPr>
+        <p:txBody>
+          <a:bodyPr wrap="square" rtlCol="0" anchor="ctr"/>
+          <a:lstStyle/>
+          <a:p>
+            <a:pPr algn="ctr" indent="0" marL="0">
+              <a:buNone/>
+            </a:pPr>
+            <a:r>
+              <a:rPr lang="en-US" sz="1600" dirty="0">
+                <a:solidFill>
+                  <a:srgbClr val="0D9488"/>
+                </a:solidFill>
+              </a:rPr>
+              <a:t>→</a:t>
+            </a:r>
+            <a:endParaRPr lang="en-US" sz="1600" dirty="0"/>
+          </a:p>
+        </p:txBody>
+      </p:sp>
+      <p:sp>
+        <p:nvSpPr>
+          <p:cNvPr id="10" name="Shape 8"/>
+          <p:cNvSpPr/>
+          <p:nvPr/>
+        </p:nvSpPr>
+        <p:spPr>
+          <a:xfrm>
+            <a:off x="1897380" y="1645920"/>
+            <a:ext cx="1234440" cy="594360"/>
+          </a:xfrm>
+          <a:prstGeom prst="roundRect">
+            <a:avLst/>
+          </a:prstGeom>
+          <a:solidFill>
+            <a:srgbClr val="334155"/>
+          </a:solidFill>
+          <a:ln/>
+        </p:spPr>
+      </p:sp>
+      <p:sp>
+        <p:nvSpPr>
+          <p:cNvPr id="11" name="Text 9"/>
+          <p:cNvSpPr/>
+          <p:nvPr/>
+        </p:nvSpPr>
+        <p:spPr>
+          <a:xfrm>
+            <a:off x="1897380" y="1810512"/>
+            <a:ext cx="1234440" cy="320040"/>
+          </a:xfrm>
+          <a:prstGeom prst="rect">
+            <a:avLst/>
+          </a:prstGeom>
+          <a:noFill/>
+          <a:ln/>
+        </p:spPr>
+        <p:txBody>
+          <a:bodyPr wrap="square" rtlCol="0" anchor="ctr"/>
+          <a:lstStyle/>
+          <a:p>
+            <a:pPr algn="ctr" indent="0" marL="0">
+              <a:buNone/>
+            </a:pPr>
+            <a:r>
+              <a:rPr lang="en-US" sz="1000" dirty="0">
+                <a:solidFill>
+                  <a:srgbClr val="FFFFFF"/>
+                </a:solidFill>
+              </a:rPr>
+              <a:t>Custom Docs</a:t>
+            </a:r>
+            <a:endParaRPr lang="en-US" sz="1000" dirty="0"/>
+          </a:p>
+        </p:txBody>
+      </p:sp>
+      <p:sp>
+        <p:nvSpPr>
+          <p:cNvPr id="12" name="Text 10"/>
+          <p:cNvSpPr/>
+          <p:nvPr/>
+        </p:nvSpPr>
+        <p:spPr>
+          <a:xfrm>
+            <a:off x="3131820" y="1737360"/>
+            <a:ext cx="137160" cy="411480"/>
+          </a:xfrm>
+          <a:prstGeom prst="rect">
+            <a:avLst/>
+          </a:prstGeom>
+          <a:noFill/>
+          <a:ln/>
+        </p:spPr>
+        <p:txBody>
+          <a:bodyPr wrap="square" rtlCol="0" anchor="ctr"/>
+          <a:lstStyle/>
+          <a:p>
+            <a:pPr algn="ctr" indent="0" marL="0">
+              <a:buNone/>
+            </a:pPr>
+            <a:r>
+              <a:rPr lang="en-US" sz="1600" dirty="0">
+                <a:solidFill>
+                  <a:srgbClr val="0D9488"/>
+                </a:solidFill>
+              </a:rPr>
+              <a:t>→</a:t>
+            </a:r>
+            <a:endParaRPr lang="en-US" sz="1600" dirty="0"/>
+          </a:p>
+        </p:txBody>
+      </p:sp>
+      <p:sp>
+        <p:nvSpPr>
+          <p:cNvPr id="13" name="Shape 11"/>
+          <p:cNvSpPr/>
+          <p:nvPr/>
+        </p:nvSpPr>
+        <p:spPr>
+          <a:xfrm>
+            <a:off x="3268980" y="1645920"/>
+            <a:ext cx="1234440" cy="594360"/>
+          </a:xfrm>
+          <a:prstGeom prst="roundRect">
+            <a:avLst/>
+          </a:prstGeom>
+          <a:solidFill>
+            <a:srgbClr val="334155"/>
+          </a:solidFill>
+          <a:ln/>
+        </p:spPr>
+      </p:sp>
+      <p:sp>
+        <p:nvSpPr>
+          <p:cNvPr id="14" name="Text 12"/>
+          <p:cNvSpPr/>
+          <p:nvPr/>
+        </p:nvSpPr>
+        <p:spPr>
+          <a:xfrm>
+            <a:off x="3268980" y="1810512"/>
+            <a:ext cx="1234440" cy="320040"/>
+          </a:xfrm>
+          <a:prstGeom prst="rect">
+            <a:avLst/>
+          </a:prstGeom>
+          <a:noFill/>
+          <a:ln/>
+        </p:spPr>
+        <p:txBody>
+          <a:bodyPr wrap="square" rtlCol="0" anchor="ctr"/>
+          <a:lstStyle/>
+          <a:p>
+            <a:pPr algn="ctr" indent="0" marL="0">
+              <a:buNone/>
+            </a:pPr>
+            <a:r>
+              <a:rPr lang="en-US" sz="1000" dirty="0">
+                <a:solidFill>
+                  <a:srgbClr val="FFFFFF"/>
+                </a:solidFill>
+              </a:rPr>
+              <a:t>Manual Evidence</a:t>
+            </a:r>
+            <a:endParaRPr lang="en-US" sz="1000" dirty="0"/>
+          </a:p>
+        </p:txBody>
+      </p:sp>
+      <p:sp>
+        <p:nvSpPr>
+          <p:cNvPr id="15" name="Text 13"/>
+          <p:cNvSpPr/>
+          <p:nvPr/>
+        </p:nvSpPr>
+        <p:spPr>
+          <a:xfrm>
+            <a:off x="4503420" y="1737360"/>
+            <a:ext cx="137160" cy="411480"/>
+          </a:xfrm>
+          <a:prstGeom prst="rect">
+            <a:avLst/>
+          </a:prstGeom>
+          <a:noFill/>
+          <a:ln/>
+        </p:spPr>
+        <p:txBody>
+          <a:bodyPr wrap="square" rtlCol="0" anchor="ctr"/>
+          <a:lstStyle/>
+          <a:p>
+            <a:pPr algn="ctr" indent="0" marL="0">
+              <a:buNone/>
+            </a:pPr>
+            <a:r>
+              <a:rPr lang="en-US" sz="1600" dirty="0">
+                <a:solidFill>
+                  <a:srgbClr val="0D9488"/>
+                </a:solidFill>
+              </a:rPr>
+              <a:t>→</a:t>
+            </a:r>
+            <a:endParaRPr lang="en-US" sz="1600" dirty="0"/>
+          </a:p>
+        </p:txBody>
+      </p:sp>
+      <p:sp>
+        <p:nvSpPr>
+          <p:cNvPr id="16" name="Shape 14"/>
+          <p:cNvSpPr/>
+          <p:nvPr/>
+        </p:nvSpPr>
+        <p:spPr>
+          <a:xfrm>
+            <a:off x="4640580" y="1645920"/>
+            <a:ext cx="1234440" cy="594360"/>
+          </a:xfrm>
+          <a:prstGeom prst="roundRect">
+            <a:avLst/>
+          </a:prstGeom>
+          <a:solidFill>
+            <a:srgbClr val="334155"/>
+          </a:solidFill>
+          <a:ln/>
+        </p:spPr>
+      </p:sp>
+      <p:sp>
+        <p:nvSpPr>
+          <p:cNvPr id="17" name="Text 15"/>
+          <p:cNvSpPr/>
+          <p:nvPr/>
+        </p:nvSpPr>
+        <p:spPr>
+          <a:xfrm>
+            <a:off x="4640580" y="1810512"/>
+            <a:ext cx="1234440" cy="320040"/>
+          </a:xfrm>
+          <a:prstGeom prst="rect">
+            <a:avLst/>
+          </a:prstGeom>
+          <a:noFill/>
+          <a:ln/>
+        </p:spPr>
+        <p:txBody>
+          <a:bodyPr wrap="square" rtlCol="0" anchor="ctr"/>
+          <a:lstStyle/>
+          <a:p>
+            <a:pPr algn="ctr" indent="0" marL="0">
+              <a:buNone/>
+            </a:pPr>
+            <a:r>
+              <a:rPr lang="en-US" sz="1000" dirty="0">
+                <a:solidFill>
+                  <a:srgbClr val="FFFFFF"/>
+                </a:solidFill>
+              </a:rPr>
+              <a:t>Long Review</a:t>
+            </a:r>
+            <a:endParaRPr lang="en-US" sz="1000" dirty="0"/>
+          </a:p>
+        </p:txBody>
+      </p:sp>
+      <p:sp>
+        <p:nvSpPr>
+          <p:cNvPr id="18" name="Text 16"/>
+          <p:cNvSpPr/>
+          <p:nvPr/>
+        </p:nvSpPr>
+        <p:spPr>
+          <a:xfrm>
+            <a:off x="5875020" y="1737360"/>
+            <a:ext cx="137160" cy="411480"/>
+          </a:xfrm>
+          <a:prstGeom prst="rect">
+            <a:avLst/>
+          </a:prstGeom>
+          <a:noFill/>
+          <a:ln/>
+        </p:spPr>
+        <p:txBody>
+          <a:bodyPr wrap="square" rtlCol="0" anchor="ctr"/>
+          <a:lstStyle/>
+          <a:p>
+            <a:pPr algn="ctr" indent="0" marL="0">
+              <a:buNone/>
+            </a:pPr>
+            <a:r>
+              <a:rPr lang="en-US" sz="1600" dirty="0">
+                <a:solidFill>
+                  <a:srgbClr val="0D9488"/>
+                </a:solidFill>
+              </a:rPr>
+              <a:t>→</a:t>
+            </a:r>
+            <a:endParaRPr lang="en-US" sz="1600" dirty="0"/>
+          </a:p>
+        </p:txBody>
+      </p:sp>
+      <p:sp>
+        <p:nvSpPr>
+          <p:cNvPr id="19" name="Shape 17"/>
+          <p:cNvSpPr/>
+          <p:nvPr/>
+        </p:nvSpPr>
+        <p:spPr>
+          <a:xfrm>
+            <a:off x="6012180" y="1645920"/>
+            <a:ext cx="1234440" cy="594360"/>
+          </a:xfrm>
+          <a:prstGeom prst="roundRect">
+            <a:avLst/>
+          </a:prstGeom>
+          <a:solidFill>
+            <a:srgbClr val="334155"/>
+          </a:solidFill>
+          <a:ln/>
+        </p:spPr>
+      </p:sp>
+      <p:sp>
+        <p:nvSpPr>
+          <p:cNvPr id="20" name="Text 18"/>
+          <p:cNvSpPr/>
+          <p:nvPr/>
+        </p:nvSpPr>
+        <p:spPr>
+          <a:xfrm>
+            <a:off x="6012180" y="1810512"/>
+            <a:ext cx="1234440" cy="320040"/>
+          </a:xfrm>
+          <a:prstGeom prst="rect">
+            <a:avLst/>
+          </a:prstGeom>
+          <a:noFill/>
+          <a:ln/>
+        </p:spPr>
+        <p:txBody>
+          <a:bodyPr wrap="square" rtlCol="0" anchor="ctr"/>
+          <a:lstStyle/>
+          <a:p>
+            <a:pPr algn="ctr" indent="0" marL="0">
+              <a:buNone/>
+            </a:pPr>
+            <a:r>
+              <a:rPr lang="en-US" sz="1000" dirty="0">
+                <a:solidFill>
+                  <a:srgbClr val="FFFFFF"/>
+                </a:solidFill>
+              </a:rPr>
+              <a:t>Finally ATO</a:t>
+            </a:r>
+            <a:endParaRPr lang="en-US" sz="1000" dirty="0"/>
+          </a:p>
+        </p:txBody>
+      </p:sp>
+      <p:sp>
+        <p:nvSpPr>
+          <p:cNvPr id="21" name="Text 19"/>
+          <p:cNvSpPr/>
+          <p:nvPr/>
+        </p:nvSpPr>
+        <p:spPr>
+          <a:xfrm>
+            <a:off x="7246620" y="1737360"/>
+            <a:ext cx="137160" cy="411480"/>
+          </a:xfrm>
+          <a:prstGeom prst="rect">
+            <a:avLst/>
+          </a:prstGeom>
+          <a:noFill/>
+          <a:ln/>
+        </p:spPr>
+        <p:txBody>
+          <a:bodyPr wrap="square" rtlCol="0" anchor="ctr"/>
+          <a:lstStyle/>
+          <a:p>
+            <a:pPr algn="ctr" indent="0" marL="0">
+              <a:buNone/>
+            </a:pPr>
+            <a:r>
+              <a:rPr lang="en-US" sz="1600" dirty="0">
+                <a:solidFill>
+                  <a:srgbClr val="0D9488"/>
+                </a:solidFill>
+              </a:rPr>
+              <a:t>→</a:t>
+            </a:r>
+            <a:endParaRPr lang="en-US" sz="1600" dirty="0"/>
+          </a:p>
+        </p:txBody>
+      </p:sp>
+      <p:sp>
+        <p:nvSpPr>
+          <p:cNvPr id="22" name="Shape 20"/>
+          <p:cNvSpPr/>
+          <p:nvPr/>
+        </p:nvSpPr>
+        <p:spPr>
+          <a:xfrm>
+            <a:off x="7383780" y="1645920"/>
+            <a:ext cx="1234440" cy="594360"/>
+          </a:xfrm>
+          <a:prstGeom prst="roundRect">
+            <a:avLst/>
+          </a:prstGeom>
+          <a:solidFill>
+            <a:srgbClr val="334155"/>
+          </a:solidFill>
+          <a:ln/>
+        </p:spPr>
+      </p:sp>
+      <p:sp>
+        <p:nvSpPr>
+          <p:cNvPr id="23" name="Text 21"/>
+          <p:cNvSpPr/>
+          <p:nvPr/>
+        </p:nvSpPr>
+        <p:spPr>
+          <a:xfrm>
+            <a:off x="7383780" y="1810512"/>
+            <a:ext cx="1234440" cy="320040"/>
+          </a:xfrm>
+          <a:prstGeom prst="rect">
+            <a:avLst/>
+          </a:prstGeom>
+          <a:noFill/>
+          <a:ln/>
+        </p:spPr>
+        <p:txBody>
+          <a:bodyPr wrap="square" rtlCol="0" anchor="ctr"/>
+          <a:lstStyle/>
+          <a:p>
+            <a:pPr algn="ctr" indent="0" marL="0">
+              <a:buNone/>
+            </a:pPr>
+            <a:r>
+              <a:rPr lang="en-US" sz="1000" dirty="0">
+                <a:solidFill>
+                  <a:srgbClr val="FFFFFF"/>
+                </a:solidFill>
+              </a:rPr>
+              <a:t>Immediately Stale</a:t>
+            </a:r>
+            <a:endParaRPr lang="en-US" sz="1000" dirty="0"/>
+          </a:p>
+        </p:txBody>
+      </p:sp>
+      <p:sp>
+        <p:nvSpPr>
+          <p:cNvPr id="24" name="Shape 22"/>
+          <p:cNvSpPr/>
+          <p:nvPr/>
+        </p:nvSpPr>
+        <p:spPr>
+          <a:xfrm>
+            <a:off x="1371600" y="2743200"/>
+            <a:ext cx="6400800" cy="1005840"/>
+          </a:xfrm>
+          <a:prstGeom prst="roundRect">
+            <a:avLst/>
+          </a:prstGeom>
+          <a:solidFill>
+            <a:srgbClr val="FECACA"/>
+          </a:solidFill>
+          <a:ln/>
+        </p:spPr>
+      </p:sp>
+      <p:sp>
+        <p:nvSpPr>
+          <p:cNvPr id="25" name="Text 23"/>
+          <p:cNvSpPr/>
+          <p:nvPr/>
+        </p:nvSpPr>
+        <p:spPr>
+          <a:xfrm>
+            <a:off x="1554480" y="2834640"/>
+            <a:ext cx="6035040" cy="365760"/>
+          </a:xfrm>
+          <a:prstGeom prst="rect">
+            <a:avLst/>
+          </a:prstGeom>
+          <a:noFill/>
+          <a:ln/>
+        </p:spPr>
+        <p:txBody>
+          <a:bodyPr wrap="square" rtlCol="0" anchor="ctr"/>
+          <a:lstStyle/>
+          <a:p>
+            <a:pPr indent="0" marL="0">
+              <a:buNone/>
+            </a:pPr>
+            <a:r>
+              <a:rPr lang="en-US" sz="1400" b="1" dirty="0">
+                <a:solidFill>
+                  <a:srgbClr val="DC2626"/>
+                </a:solidFill>
+              </a:rPr>
+              <a:t>⚠  The Vicious Cycle</a:t>
+            </a:r>
+            <a:endParaRPr lang="en-US" sz="1400" dirty="0"/>
+          </a:p>
+        </p:txBody>
+      </p:sp>
+      <p:sp>
+        <p:nvSpPr>
+          <p:cNvPr id="26" name="Text 24"/>
+          <p:cNvSpPr/>
+          <p:nvPr/>
+        </p:nvSpPr>
+        <p:spPr>
+          <a:xfrm>
+            <a:off x="1554480" y="3200400"/>
+            <a:ext cx="6035040" cy="457200"/>
+          </a:xfrm>
+          <a:prstGeom prst="rect">
+            <a:avLst/>
+          </a:prstGeom>
+          <a:noFill/>
+          <a:ln/>
+        </p:spPr>
+        <p:txBody>
+          <a:bodyPr wrap="square" rtlCol="0" anchor="ctr"/>
+          <a:lstStyle/>
+          <a:p>
+            <a:pPr indent="0" marL="0">
+              <a:buNone/>
+            </a:pPr>
+            <a:r>
+              <a:rPr lang="en-US" sz="1200" dirty="0">
+                <a:solidFill>
+                  <a:srgbClr val="334155"/>
+                </a:solidFill>
+              </a:rPr>
+              <a:t>Each assessment starts from scratch, even when systems share 80%+ of their architecture</a:t>
+            </a:r>
+            <a:endParaRPr lang="en-US" sz="1200" dirty="0"/>
+          </a:p>
+        </p:txBody>
+      </p:sp>
+      <p:sp>
+        <p:nvSpPr>
+          <p:cNvPr id="27" name="Text 25"/>
+          <p:cNvSpPr/>
+          <p:nvPr/>
+        </p:nvSpPr>
+        <p:spPr>
+          <a:xfrm>
+            <a:off x="8229600" y="4777740"/>
+            <a:ext cx="731520" cy="274320"/>
+          </a:xfrm>
+          <a:prstGeom prst="rect">
+            <a:avLst/>
+          </a:prstGeom>
+          <a:noFill/>
+          <a:ln/>
+        </p:spPr>
+        <p:txBody>
+          <a:bodyPr wrap="square" rtlCol="0" anchor="ctr"/>
+          <a:lstStyle/>
+          <a:p>
+            <a:pPr algn="r" indent="0" marL="0">
+              <a:buNone/>
+            </a:pPr>
+            <a:r>
+              <a:rPr lang="en-US" sz="900" dirty="0">
+                <a:solidFill>
+                  <a:srgbClr val="475569"/>
+                </a:solidFill>
+              </a:rPr>
+              <a:t>4 / 14</a:t>
+            </a:r>
+            <a:endParaRPr lang="en-US" sz="900" dirty="0"/>
+          </a:p>
+        </p:txBody>
+      </p:sp>
     </p:spTree>
   </p:cSld>
   <p:clrMapOvr>
@@ -2466,20 +8270,12 @@
           <a:chExt cx="0" cy="0"/>
         </a:xfrm>
       </p:grpSpPr>
-      <p:pic>
-        <p:nvPicPr>
-          <p:cNvPr id="2" name="Image 0" descr="preencoded.png">    </p:cNvPr>
-          <p:cNvPicPr>
-            <a:picLocks noChangeAspect="1"/>
-          </p:cNvPicPr>
-          <p:nvPr/>
-        </p:nvPicPr>
-        <p:blipFill>
-          <a:blip r:embed="rId1"/>
-          <a:stretch>
-            <a:fillRect/>
-          </a:stretch>
-        </p:blipFill>
+      <p:sp>
+        <p:nvSpPr>
+          <p:cNvPr id="2" name="Shape 0"/>
+          <p:cNvSpPr/>
+          <p:nvPr/>
+        </p:nvSpPr>
         <p:spPr>
           <a:xfrm>
             <a:off x="0" y="0"/>
@@ -2488,8 +8284,196 @@
           <a:prstGeom prst="rect">
             <a:avLst/>
           </a:prstGeom>
-        </p:spPr>
-      </p:pic>
+          <a:solidFill>
+            <a:srgbClr val="1E3A5F"/>
+          </a:solidFill>
+          <a:ln/>
+        </p:spPr>
+      </p:sp>
+      <p:sp>
+        <p:nvSpPr>
+          <p:cNvPr id="3" name="Shape 1"/>
+          <p:cNvSpPr/>
+          <p:nvPr/>
+        </p:nvSpPr>
+        <p:spPr>
+          <a:xfrm>
+            <a:off x="0" y="5006340"/>
+            <a:ext cx="9144000" cy="137160"/>
+          </a:xfrm>
+          <a:prstGeom prst="rect">
+            <a:avLst/>
+          </a:prstGeom>
+          <a:solidFill>
+            <a:srgbClr val="0D9488"/>
+          </a:solidFill>
+          <a:ln/>
+        </p:spPr>
+      </p:sp>
+      <p:sp>
+        <p:nvSpPr>
+          <p:cNvPr id="4" name="Text 2"/>
+          <p:cNvSpPr/>
+          <p:nvPr/>
+        </p:nvSpPr>
+        <p:spPr>
+          <a:xfrm>
+            <a:off x="457200" y="1097280"/>
+            <a:ext cx="8229600" cy="640080"/>
+          </a:xfrm>
+          <a:prstGeom prst="rect">
+            <a:avLst/>
+          </a:prstGeom>
+          <a:noFill/>
+          <a:ln/>
+        </p:spPr>
+        <p:txBody>
+          <a:bodyPr wrap="square" rtlCol="0" anchor="ctr"/>
+          <a:lstStyle/>
+          <a:p>
+            <a:pPr algn="ctr" indent="0" marL="0">
+              <a:buNone/>
+            </a:pPr>
+            <a:r>
+              <a:rPr lang="en-US" sz="3800" b="1" dirty="0">
+                <a:solidFill>
+                  <a:srgbClr val="FFFFFF"/>
+                </a:solidFill>
+              </a:rPr>
+              <a:t>There Is a Better Way</a:t>
+            </a:r>
+            <a:endParaRPr lang="en-US" sz="3800" dirty="0"/>
+          </a:p>
+        </p:txBody>
+      </p:sp>
+      <p:sp>
+        <p:nvSpPr>
+          <p:cNvPr id="5" name="Shape 3"/>
+          <p:cNvSpPr/>
+          <p:nvPr/>
+        </p:nvSpPr>
+        <p:spPr>
+          <a:xfrm>
+            <a:off x="1371600" y="2103120"/>
+            <a:ext cx="6400800" cy="1371600"/>
+          </a:xfrm>
+          <a:prstGeom prst="roundRect">
+            <a:avLst/>
+          </a:prstGeom>
+          <a:solidFill>
+            <a:srgbClr val="0D9488"/>
+          </a:solidFill>
+          <a:ln/>
+        </p:spPr>
+      </p:sp>
+      <p:sp>
+        <p:nvSpPr>
+          <p:cNvPr id="6" name="Text 4"/>
+          <p:cNvSpPr/>
+          <p:nvPr/>
+        </p:nvSpPr>
+        <p:spPr>
+          <a:xfrm>
+            <a:off x="1371600" y="2286000"/>
+            <a:ext cx="6400800" cy="640080"/>
+          </a:xfrm>
+          <a:prstGeom prst="rect">
+            <a:avLst/>
+          </a:prstGeom>
+          <a:noFill/>
+          <a:ln/>
+        </p:spPr>
+        <p:txBody>
+          <a:bodyPr wrap="square" rtlCol="0" anchor="ctr"/>
+          <a:lstStyle/>
+          <a:p>
+            <a:pPr algn="ctr" indent="0" marL="0">
+              <a:buNone/>
+            </a:pPr>
+            <a:r>
+              <a:rPr lang="en-US" sz="2400" b="1" dirty="0">
+                <a:solidFill>
+                  <a:srgbClr val="FFFFFF"/>
+                </a:solidFill>
+              </a:rPr>
+              <a:t>Platform-Based Continuous Authorization</a:t>
+            </a:r>
+            <a:endParaRPr lang="en-US" sz="2400" dirty="0"/>
+          </a:p>
+        </p:txBody>
+      </p:sp>
+      <p:sp>
+        <p:nvSpPr>
+          <p:cNvPr id="7" name="Text 5"/>
+          <p:cNvSpPr/>
+          <p:nvPr/>
+        </p:nvSpPr>
+        <p:spPr>
+          <a:xfrm>
+            <a:off x="1371600" y="2926080"/>
+            <a:ext cx="6400800" cy="457200"/>
+          </a:xfrm>
+          <a:prstGeom prst="rect">
+            <a:avLst/>
+          </a:prstGeom>
+          <a:noFill/>
+          <a:ln/>
+        </p:spPr>
+        <p:txBody>
+          <a:bodyPr wrap="square" rtlCol="0" anchor="ctr"/>
+          <a:lstStyle/>
+          <a:p>
+            <a:pPr algn="ctr" indent="0" marL="0">
+              <a:buNone/>
+            </a:pPr>
+            <a:r>
+              <a:rPr lang="en-US" sz="1600" dirty="0">
+                <a:solidFill>
+                  <a:srgbClr val="FFFFFF"/>
+                </a:solidFill>
+              </a:rPr>
+              <a:t>One platform. Inherited controls. Automated compliance.</a:t>
+            </a:r>
+            <a:endParaRPr lang="en-US" sz="1600" dirty="0"/>
+          </a:p>
+        </p:txBody>
+      </p:sp>
+      <p:sp>
+        <p:nvSpPr>
+          <p:cNvPr id="8" name="Text 6"/>
+          <p:cNvSpPr/>
+          <p:nvPr/>
+        </p:nvSpPr>
+        <p:spPr>
+          <a:xfrm>
+            <a:off x="8229600" y="4777740"/>
+            <a:ext cx="731520" cy="274320"/>
+          </a:xfrm>
+          <a:prstGeom prst="rect">
+            <a:avLst/>
+          </a:prstGeom>
+          <a:noFill/>
+          <a:ln/>
+        </p:spPr>
+        <p:txBody>
+          <a:bodyPr wrap="square" rtlCol="0" anchor="ctr"/>
+          <a:lstStyle/>
+          <a:p>
+            <a:pPr algn="r" indent="0" marL="0">
+              <a:buNone/>
+            </a:pPr>
+            <a:r>
+              <a:rPr lang="en-US" sz="900" dirty="0">
+                <a:solidFill>
+                  <a:srgbClr val="E2E8F0"/>
+                </a:solidFill>
+              </a:rPr>
+              <a:t>5 / 14</a:t>
+            </a:r>
+            <a:endParaRPr lang="en-US" sz="900" dirty="0"/>
+          </a:p>
+        </p:txBody>
+      </p:sp>
     </p:spTree>
   </p:cSld>
   <p:clrMapOvr>
@@ -2515,20 +8499,12 @@
           <a:chExt cx="0" cy="0"/>
         </a:xfrm>
       </p:grpSpPr>
-      <p:pic>
-        <p:nvPicPr>
-          <p:cNvPr id="2" name="Image 0" descr="preencoded.png">    </p:cNvPr>
-          <p:cNvPicPr>
-            <a:picLocks noChangeAspect="1"/>
-          </p:cNvPicPr>
-          <p:nvPr/>
-        </p:nvPicPr>
-        <p:blipFill>
-          <a:blip r:embed="rId1"/>
-          <a:stretch>
-            <a:fillRect/>
-          </a:stretch>
-        </p:blipFill>
+      <p:sp>
+        <p:nvSpPr>
+          <p:cNvPr id="2" name="Shape 0"/>
+          <p:cNvSpPr/>
+          <p:nvPr/>
+        </p:nvSpPr>
         <p:spPr>
           <a:xfrm>
             <a:off x="0" y="0"/>
@@ -2537,8 +8513,675 @@
           <a:prstGeom prst="rect">
             <a:avLst/>
           </a:prstGeom>
-        </p:spPr>
-      </p:pic>
+          <a:solidFill>
+            <a:srgbClr val="F8FAFC"/>
+          </a:solidFill>
+          <a:ln/>
+        </p:spPr>
+      </p:sp>
+      <p:sp>
+        <p:nvSpPr>
+          <p:cNvPr id="3" name="Shape 1"/>
+          <p:cNvSpPr/>
+          <p:nvPr/>
+        </p:nvSpPr>
+        <p:spPr>
+          <a:xfrm>
+            <a:off x="0" y="0"/>
+            <a:ext cx="9144000" cy="73152"/>
+          </a:xfrm>
+          <a:prstGeom prst="rect">
+            <a:avLst/>
+          </a:prstGeom>
+          <a:solidFill>
+            <a:srgbClr val="1E3A5F"/>
+          </a:solidFill>
+          <a:ln/>
+        </p:spPr>
+      </p:sp>
+      <p:sp>
+        <p:nvSpPr>
+          <p:cNvPr id="4" name="Shape 2"/>
+          <p:cNvSpPr/>
+          <p:nvPr/>
+        </p:nvSpPr>
+        <p:spPr>
+          <a:xfrm>
+            <a:off x="0" y="5070348"/>
+            <a:ext cx="9144000" cy="73152"/>
+          </a:xfrm>
+          <a:prstGeom prst="rect">
+            <a:avLst/>
+          </a:prstGeom>
+          <a:solidFill>
+            <a:srgbClr val="0D9488"/>
+          </a:solidFill>
+          <a:ln/>
+        </p:spPr>
+      </p:sp>
+      <p:sp>
+        <p:nvSpPr>
+          <p:cNvPr id="5" name="Text 3"/>
+          <p:cNvSpPr/>
+          <p:nvPr/>
+        </p:nvSpPr>
+        <p:spPr>
+          <a:xfrm>
+            <a:off x="457200" y="274320"/>
+            <a:ext cx="8229600" cy="548640"/>
+          </a:xfrm>
+          <a:prstGeom prst="rect">
+            <a:avLst/>
+          </a:prstGeom>
+          <a:noFill/>
+          <a:ln/>
+        </p:spPr>
+        <p:txBody>
+          <a:bodyPr wrap="square" rtlCol="0" anchor="ctr"/>
+          <a:lstStyle/>
+          <a:p>
+            <a:pPr indent="0" marL="0">
+              <a:buNone/>
+            </a:pPr>
+            <a:r>
+              <a:rPr lang="en-US" sz="3200" b="1" dirty="0">
+                <a:solidFill>
+                  <a:srgbClr val="1E3A5F"/>
+                </a:solidFill>
+              </a:rPr>
+              <a:t>The DSOP Advantage</a:t>
+            </a:r>
+            <a:endParaRPr lang="en-US" sz="3200" dirty="0"/>
+          </a:p>
+        </p:txBody>
+      </p:sp>
+      <p:sp>
+        <p:nvSpPr>
+          <p:cNvPr id="6" name="Text 4"/>
+          <p:cNvSpPr/>
+          <p:nvPr/>
+        </p:nvSpPr>
+        <p:spPr>
+          <a:xfrm>
+            <a:off x="457200" y="777240"/>
+            <a:ext cx="8229600" cy="365760"/>
+          </a:xfrm>
+          <a:prstGeom prst="rect">
+            <a:avLst/>
+          </a:prstGeom>
+          <a:noFill/>
+          <a:ln/>
+        </p:spPr>
+        <p:txBody>
+          <a:bodyPr wrap="square" rtlCol="0" anchor="ctr"/>
+          <a:lstStyle/>
+          <a:p>
+            <a:pPr indent="0" marL="0">
+              <a:buNone/>
+            </a:pPr>
+            <a:r>
+              <a:rPr lang="en-US" sz="1600" dirty="0">
+                <a:solidFill>
+                  <a:srgbClr val="0D9488"/>
+                </a:solidFill>
+              </a:rPr>
+              <a:t>DevSecOps Platform + Secure Container Runtime</a:t>
+            </a:r>
+            <a:endParaRPr lang="en-US" sz="1600" dirty="0"/>
+          </a:p>
+        </p:txBody>
+      </p:sp>
+      <p:sp>
+        <p:nvSpPr>
+          <p:cNvPr id="7" name="Shape 5"/>
+          <p:cNvSpPr/>
+          <p:nvPr/>
+        </p:nvSpPr>
+        <p:spPr>
+          <a:xfrm>
+            <a:off x="2286000" y="1280160"/>
+            <a:ext cx="4572000" cy="502920"/>
+          </a:xfrm>
+          <a:prstGeom prst="roundRect">
+            <a:avLst/>
+          </a:prstGeom>
+          <a:solidFill>
+            <a:srgbClr val="0D9488"/>
+          </a:solidFill>
+          <a:ln/>
+        </p:spPr>
+      </p:sp>
+      <p:sp>
+        <p:nvSpPr>
+          <p:cNvPr id="8" name="Text 6"/>
+          <p:cNvSpPr/>
+          <p:nvPr/>
+        </p:nvSpPr>
+        <p:spPr>
+          <a:xfrm>
+            <a:off x="2286000" y="1389888"/>
+            <a:ext cx="4572000" cy="320040"/>
+          </a:xfrm>
+          <a:prstGeom prst="rect">
+            <a:avLst/>
+          </a:prstGeom>
+          <a:noFill/>
+          <a:ln/>
+        </p:spPr>
+        <p:txBody>
+          <a:bodyPr wrap="square" rtlCol="0" anchor="ctr"/>
+          <a:lstStyle/>
+          <a:p>
+            <a:pPr algn="ctr" indent="0" marL="0">
+              <a:buNone/>
+            </a:pPr>
+            <a:r>
+              <a:rPr lang="en-US" sz="1300" b="1" dirty="0">
+                <a:solidFill>
+                  <a:srgbClr val="FFFFFF"/>
+                </a:solidFill>
+              </a:rPr>
+              <a:t>Mission Applications</a:t>
+            </a:r>
+            <a:endParaRPr lang="en-US" sz="1300" dirty="0"/>
+          </a:p>
+        </p:txBody>
+      </p:sp>
+      <p:sp>
+        <p:nvSpPr>
+          <p:cNvPr id="9" name="Shape 7"/>
+          <p:cNvSpPr/>
+          <p:nvPr/>
+        </p:nvSpPr>
+        <p:spPr>
+          <a:xfrm>
+            <a:off x="2286000" y="1856232"/>
+            <a:ext cx="4572000" cy="502920"/>
+          </a:xfrm>
+          <a:prstGeom prst="roundRect">
+            <a:avLst/>
+          </a:prstGeom>
+          <a:solidFill>
+            <a:srgbClr val="475569"/>
+          </a:solidFill>
+          <a:ln/>
+        </p:spPr>
+      </p:sp>
+      <p:sp>
+        <p:nvSpPr>
+          <p:cNvPr id="10" name="Text 8"/>
+          <p:cNvSpPr/>
+          <p:nvPr/>
+        </p:nvSpPr>
+        <p:spPr>
+          <a:xfrm>
+            <a:off x="2286000" y="1965960"/>
+            <a:ext cx="4572000" cy="320040"/>
+          </a:xfrm>
+          <a:prstGeom prst="rect">
+            <a:avLst/>
+          </a:prstGeom>
+          <a:noFill/>
+          <a:ln/>
+        </p:spPr>
+        <p:txBody>
+          <a:bodyPr wrap="square" rtlCol="0" anchor="ctr"/>
+          <a:lstStyle/>
+          <a:p>
+            <a:pPr algn="ctr" indent="0" marL="0">
+              <a:buNone/>
+            </a:pPr>
+            <a:r>
+              <a:rPr lang="en-US" sz="1300" b="1" dirty="0">
+                <a:solidFill>
+                  <a:srgbClr val="FFFFFF"/>
+                </a:solidFill>
+              </a:rPr>
+              <a:t>Inherited Controls</a:t>
+            </a:r>
+            <a:endParaRPr lang="en-US" sz="1300" dirty="0"/>
+          </a:p>
+        </p:txBody>
+      </p:sp>
+      <p:sp>
+        <p:nvSpPr>
+          <p:cNvPr id="11" name="Shape 9"/>
+          <p:cNvSpPr/>
+          <p:nvPr/>
+        </p:nvSpPr>
+        <p:spPr>
+          <a:xfrm>
+            <a:off x="2286000" y="2432304"/>
+            <a:ext cx="4572000" cy="502920"/>
+          </a:xfrm>
+          <a:prstGeom prst="roundRect">
+            <a:avLst/>
+          </a:prstGeom>
+          <a:solidFill>
+            <a:srgbClr val="334155"/>
+          </a:solidFill>
+          <a:ln/>
+        </p:spPr>
+      </p:sp>
+      <p:sp>
+        <p:nvSpPr>
+          <p:cNvPr id="12" name="Text 10"/>
+          <p:cNvSpPr/>
+          <p:nvPr/>
+        </p:nvSpPr>
+        <p:spPr>
+          <a:xfrm>
+            <a:off x="2286000" y="2542032"/>
+            <a:ext cx="4572000" cy="320040"/>
+          </a:xfrm>
+          <a:prstGeom prst="rect">
+            <a:avLst/>
+          </a:prstGeom>
+          <a:noFill/>
+          <a:ln/>
+        </p:spPr>
+        <p:txBody>
+          <a:bodyPr wrap="square" rtlCol="0" anchor="ctr"/>
+          <a:lstStyle/>
+          <a:p>
+            <a:pPr algn="ctr" indent="0" marL="0">
+              <a:buNone/>
+            </a:pPr>
+            <a:r>
+              <a:rPr lang="en-US" sz="1300" b="1" dirty="0">
+                <a:solidFill>
+                  <a:srgbClr val="FFFFFF"/>
+                </a:solidFill>
+              </a:rPr>
+              <a:t>DSOP Platform</a:t>
+            </a:r>
+            <a:endParaRPr lang="en-US" sz="1300" dirty="0"/>
+          </a:p>
+        </p:txBody>
+      </p:sp>
+      <p:sp>
+        <p:nvSpPr>
+          <p:cNvPr id="13" name="Shape 11"/>
+          <p:cNvSpPr/>
+          <p:nvPr/>
+        </p:nvSpPr>
+        <p:spPr>
+          <a:xfrm>
+            <a:off x="2286000" y="3008376"/>
+            <a:ext cx="4572000" cy="502920"/>
+          </a:xfrm>
+          <a:prstGeom prst="roundRect">
+            <a:avLst/>
+          </a:prstGeom>
+          <a:solidFill>
+            <a:srgbClr val="1E3A5F"/>
+          </a:solidFill>
+          <a:ln/>
+        </p:spPr>
+      </p:sp>
+      <p:sp>
+        <p:nvSpPr>
+          <p:cNvPr id="14" name="Text 12"/>
+          <p:cNvSpPr/>
+          <p:nvPr/>
+        </p:nvSpPr>
+        <p:spPr>
+          <a:xfrm>
+            <a:off x="2286000" y="3118104"/>
+            <a:ext cx="4572000" cy="320040"/>
+          </a:xfrm>
+          <a:prstGeom prst="rect">
+            <a:avLst/>
+          </a:prstGeom>
+          <a:noFill/>
+          <a:ln/>
+        </p:spPr>
+        <p:txBody>
+          <a:bodyPr wrap="square" rtlCol="0" anchor="ctr"/>
+          <a:lstStyle/>
+          <a:p>
+            <a:pPr algn="ctr" indent="0" marL="0">
+              <a:buNone/>
+            </a:pPr>
+            <a:r>
+              <a:rPr lang="en-US" sz="1300" b="1" dirty="0">
+                <a:solidFill>
+                  <a:srgbClr val="FFFFFF"/>
+                </a:solidFill>
+              </a:rPr>
+              <a:t>Secure Runtime</a:t>
+            </a:r>
+            <a:endParaRPr lang="en-US" sz="1300" dirty="0"/>
+          </a:p>
+        </p:txBody>
+      </p:sp>
+      <p:sp>
+        <p:nvSpPr>
+          <p:cNvPr id="15" name="Shape 13"/>
+          <p:cNvSpPr/>
+          <p:nvPr/>
+        </p:nvSpPr>
+        <p:spPr>
+          <a:xfrm>
+            <a:off x="1234440" y="3474720"/>
+            <a:ext cx="2103120" cy="914400"/>
+          </a:xfrm>
+          <a:prstGeom prst="roundRect">
+            <a:avLst/>
+          </a:prstGeom>
+          <a:solidFill>
+            <a:srgbClr val="1E293B"/>
+          </a:solidFill>
+          <a:ln w="12700">
+            <a:solidFill>
+              <a:srgbClr val="0D9488"/>
+            </a:solidFill>
+            <a:prstDash val="solid"/>
+          </a:ln>
+        </p:spPr>
+      </p:sp>
+      <p:sp>
+        <p:nvSpPr>
+          <p:cNvPr id="16" name="Text 14"/>
+          <p:cNvSpPr/>
+          <p:nvPr/>
+        </p:nvSpPr>
+        <p:spPr>
+          <a:xfrm>
+            <a:off x="1234440" y="3566160"/>
+            <a:ext cx="2103120" cy="457200"/>
+          </a:xfrm>
+          <a:prstGeom prst="rect">
+            <a:avLst/>
+          </a:prstGeom>
+          <a:noFill/>
+          <a:ln/>
+        </p:spPr>
+        <p:txBody>
+          <a:bodyPr wrap="square" rtlCol="0" anchor="ctr"/>
+          <a:lstStyle/>
+          <a:p>
+            <a:pPr algn="ctr" indent="0" marL="0">
+              <a:buNone/>
+            </a:pPr>
+            <a:r>
+              <a:rPr lang="en-US" sz="2600" b="1" dirty="0">
+                <a:solidFill>
+                  <a:srgbClr val="0D9488"/>
+                </a:solidFill>
+              </a:rPr>
+              <a:t>60%</a:t>
+            </a:r>
+            <a:endParaRPr lang="en-US" sz="2600" dirty="0"/>
+          </a:p>
+        </p:txBody>
+      </p:sp>
+      <p:sp>
+        <p:nvSpPr>
+          <p:cNvPr id="17" name="Text 15"/>
+          <p:cNvSpPr/>
+          <p:nvPr/>
+        </p:nvSpPr>
+        <p:spPr>
+          <a:xfrm>
+            <a:off x="1234440" y="4023360"/>
+            <a:ext cx="2103120" cy="274320"/>
+          </a:xfrm>
+          <a:prstGeom prst="rect">
+            <a:avLst/>
+          </a:prstGeom>
+          <a:noFill/>
+          <a:ln/>
+        </p:spPr>
+        <p:txBody>
+          <a:bodyPr wrap="square" rtlCol="0" anchor="ctr"/>
+          <a:lstStyle/>
+          <a:p>
+            <a:pPr algn="ctr" indent="0" marL="0">
+              <a:buNone/>
+            </a:pPr>
+            <a:r>
+              <a:rPr lang="en-US" sz="900" dirty="0">
+                <a:solidFill>
+                  <a:srgbClr val="FFFFFF"/>
+                </a:solidFill>
+              </a:rPr>
+              <a:t>Controls Inherited</a:t>
+            </a:r>
+            <a:endParaRPr lang="en-US" sz="900" dirty="0"/>
+          </a:p>
+        </p:txBody>
+      </p:sp>
+      <p:sp>
+        <p:nvSpPr>
+          <p:cNvPr id="18" name="Shape 16"/>
+          <p:cNvSpPr/>
+          <p:nvPr/>
+        </p:nvSpPr>
+        <p:spPr>
+          <a:xfrm>
+            <a:off x="3520440" y="3474720"/>
+            <a:ext cx="2103120" cy="914400"/>
+          </a:xfrm>
+          <a:prstGeom prst="roundRect">
+            <a:avLst/>
+          </a:prstGeom>
+          <a:solidFill>
+            <a:srgbClr val="1E293B"/>
+          </a:solidFill>
+          <a:ln w="12700">
+            <a:solidFill>
+              <a:srgbClr val="0D9488"/>
+            </a:solidFill>
+            <a:prstDash val="solid"/>
+          </a:ln>
+        </p:spPr>
+      </p:sp>
+      <p:sp>
+        <p:nvSpPr>
+          <p:cNvPr id="19" name="Text 17"/>
+          <p:cNvSpPr/>
+          <p:nvPr/>
+        </p:nvSpPr>
+        <p:spPr>
+          <a:xfrm>
+            <a:off x="3520440" y="3566160"/>
+            <a:ext cx="2103120" cy="457200"/>
+          </a:xfrm>
+          <a:prstGeom prst="rect">
+            <a:avLst/>
+          </a:prstGeom>
+          <a:noFill/>
+          <a:ln/>
+        </p:spPr>
+        <p:txBody>
+          <a:bodyPr wrap="square" rtlCol="0" anchor="ctr"/>
+          <a:lstStyle/>
+          <a:p>
+            <a:pPr algn="ctr" indent="0" marL="0">
+              <a:buNone/>
+            </a:pPr>
+            <a:r>
+              <a:rPr lang="en-US" sz="2600" b="1" dirty="0">
+                <a:solidFill>
+                  <a:srgbClr val="0D9488"/>
+                </a:solidFill>
+              </a:rPr>
+              <a:t>1x</a:t>
+            </a:r>
+            <a:endParaRPr lang="en-US" sz="2600" dirty="0"/>
+          </a:p>
+        </p:txBody>
+      </p:sp>
+      <p:sp>
+        <p:nvSpPr>
+          <p:cNvPr id="20" name="Text 18"/>
+          <p:cNvSpPr/>
+          <p:nvPr/>
+        </p:nvSpPr>
+        <p:spPr>
+          <a:xfrm>
+            <a:off x="3520440" y="4023360"/>
+            <a:ext cx="2103120" cy="274320"/>
+          </a:xfrm>
+          <a:prstGeom prst="rect">
+            <a:avLst/>
+          </a:prstGeom>
+          <a:noFill/>
+          <a:ln/>
+        </p:spPr>
+        <p:txBody>
+          <a:bodyPr wrap="square" rtlCol="0" anchor="ctr"/>
+          <a:lstStyle/>
+          <a:p>
+            <a:pPr algn="ctr" indent="0" marL="0">
+              <a:buNone/>
+            </a:pPr>
+            <a:r>
+              <a:rPr lang="en-US" sz="900" dirty="0">
+                <a:solidFill>
+                  <a:srgbClr val="FFFFFF"/>
+                </a:solidFill>
+              </a:rPr>
+              <a:t>Authorize Once</a:t>
+            </a:r>
+            <a:endParaRPr lang="en-US" sz="900" dirty="0"/>
+          </a:p>
+        </p:txBody>
+      </p:sp>
+      <p:sp>
+        <p:nvSpPr>
+          <p:cNvPr id="21" name="Shape 19"/>
+          <p:cNvSpPr/>
+          <p:nvPr/>
+        </p:nvSpPr>
+        <p:spPr>
+          <a:xfrm>
+            <a:off x="5806440" y="3474720"/>
+            <a:ext cx="2103120" cy="914400"/>
+          </a:xfrm>
+          <a:prstGeom prst="roundRect">
+            <a:avLst/>
+          </a:prstGeom>
+          <a:solidFill>
+            <a:srgbClr val="1E293B"/>
+          </a:solidFill>
+          <a:ln w="12700">
+            <a:solidFill>
+              <a:srgbClr val="0D9488"/>
+            </a:solidFill>
+            <a:prstDash val="solid"/>
+          </a:ln>
+        </p:spPr>
+      </p:sp>
+      <p:sp>
+        <p:nvSpPr>
+          <p:cNvPr id="22" name="Text 20"/>
+          <p:cNvSpPr/>
+          <p:nvPr/>
+        </p:nvSpPr>
+        <p:spPr>
+          <a:xfrm>
+            <a:off x="5806440" y="3566160"/>
+            <a:ext cx="2103120" cy="457200"/>
+          </a:xfrm>
+          <a:prstGeom prst="rect">
+            <a:avLst/>
+          </a:prstGeom>
+          <a:noFill/>
+          <a:ln/>
+        </p:spPr>
+        <p:txBody>
+          <a:bodyPr wrap="square" rtlCol="0" anchor="ctr"/>
+          <a:lstStyle/>
+          <a:p>
+            <a:pPr algn="ctr" indent="0" marL="0">
+              <a:buNone/>
+            </a:pPr>
+            <a:r>
+              <a:rPr lang="en-US" sz="2600" b="1" dirty="0">
+                <a:solidFill>
+                  <a:srgbClr val="0D9488"/>
+                </a:solidFill>
+              </a:rPr>
+              <a:t>∞</a:t>
+            </a:r>
+            <a:endParaRPr lang="en-US" sz="2600" dirty="0"/>
+          </a:p>
+        </p:txBody>
+      </p:sp>
+      <p:sp>
+        <p:nvSpPr>
+          <p:cNvPr id="23" name="Text 21"/>
+          <p:cNvSpPr/>
+          <p:nvPr/>
+        </p:nvSpPr>
+        <p:spPr>
+          <a:xfrm>
+            <a:off x="5806440" y="4023360"/>
+            <a:ext cx="2103120" cy="274320"/>
+          </a:xfrm>
+          <a:prstGeom prst="rect">
+            <a:avLst/>
+          </a:prstGeom>
+          <a:noFill/>
+          <a:ln/>
+        </p:spPr>
+        <p:txBody>
+          <a:bodyPr wrap="square" rtlCol="0" anchor="ctr"/>
+          <a:lstStyle/>
+          <a:p>
+            <a:pPr algn="ctr" indent="0" marL="0">
+              <a:buNone/>
+            </a:pPr>
+            <a:r>
+              <a:rPr lang="en-US" sz="900" dirty="0">
+                <a:solidFill>
+                  <a:srgbClr val="FFFFFF"/>
+                </a:solidFill>
+              </a:rPr>
+              <a:t>Apps Benefit</a:t>
+            </a:r>
+            <a:endParaRPr lang="en-US" sz="900" dirty="0"/>
+          </a:p>
+        </p:txBody>
+      </p:sp>
+      <p:sp>
+        <p:nvSpPr>
+          <p:cNvPr id="24" name="Text 22"/>
+          <p:cNvSpPr/>
+          <p:nvPr/>
+        </p:nvSpPr>
+        <p:spPr>
+          <a:xfrm>
+            <a:off x="8229600" y="4777740"/>
+            <a:ext cx="731520" cy="274320"/>
+          </a:xfrm>
+          <a:prstGeom prst="rect">
+            <a:avLst/>
+          </a:prstGeom>
+          <a:noFill/>
+          <a:ln/>
+        </p:spPr>
+        <p:txBody>
+          <a:bodyPr wrap="square" rtlCol="0" anchor="ctr"/>
+          <a:lstStyle/>
+          <a:p>
+            <a:pPr algn="r" indent="0" marL="0">
+              <a:buNone/>
+            </a:pPr>
+            <a:r>
+              <a:rPr lang="en-US" sz="900" dirty="0">
+                <a:solidFill>
+                  <a:srgbClr val="475569"/>
+                </a:solidFill>
+              </a:rPr>
+              <a:t>6 / 14</a:t>
+            </a:r>
+            <a:endParaRPr lang="en-US" sz="900" dirty="0"/>
+          </a:p>
+        </p:txBody>
+      </p:sp>
     </p:spTree>
   </p:cSld>
   <p:clrMapOvr>
@@ -2564,20 +9207,12 @@
           <a:chExt cx="0" cy="0"/>
         </a:xfrm>
       </p:grpSpPr>
-      <p:pic>
-        <p:nvPicPr>
-          <p:cNvPr id="2" name="Image 0" descr="preencoded.png">    </p:cNvPr>
-          <p:cNvPicPr>
-            <a:picLocks noChangeAspect="1"/>
-          </p:cNvPicPr>
-          <p:nvPr/>
-        </p:nvPicPr>
-        <p:blipFill>
-          <a:blip r:embed="rId1"/>
-          <a:stretch>
-            <a:fillRect/>
-          </a:stretch>
-        </p:blipFill>
+      <p:sp>
+        <p:nvSpPr>
+          <p:cNvPr id="2" name="Shape 0"/>
+          <p:cNvSpPr/>
+          <p:nvPr/>
+        </p:nvSpPr>
         <p:spPr>
           <a:xfrm>
             <a:off x="0" y="0"/>
@@ -2586,8 +9221,616 @@
           <a:prstGeom prst="rect">
             <a:avLst/>
           </a:prstGeom>
-        </p:spPr>
-      </p:pic>
+          <a:solidFill>
+            <a:srgbClr val="F8FAFC"/>
+          </a:solidFill>
+          <a:ln/>
+        </p:spPr>
+      </p:sp>
+      <p:sp>
+        <p:nvSpPr>
+          <p:cNvPr id="3" name="Shape 1"/>
+          <p:cNvSpPr/>
+          <p:nvPr/>
+        </p:nvSpPr>
+        <p:spPr>
+          <a:xfrm>
+            <a:off x="0" y="0"/>
+            <a:ext cx="9144000" cy="73152"/>
+          </a:xfrm>
+          <a:prstGeom prst="rect">
+            <a:avLst/>
+          </a:prstGeom>
+          <a:solidFill>
+            <a:srgbClr val="1E3A5F"/>
+          </a:solidFill>
+          <a:ln/>
+        </p:spPr>
+      </p:sp>
+      <p:sp>
+        <p:nvSpPr>
+          <p:cNvPr id="4" name="Shape 2"/>
+          <p:cNvSpPr/>
+          <p:nvPr/>
+        </p:nvSpPr>
+        <p:spPr>
+          <a:xfrm>
+            <a:off x="0" y="5070348"/>
+            <a:ext cx="9144000" cy="73152"/>
+          </a:xfrm>
+          <a:prstGeom prst="rect">
+            <a:avLst/>
+          </a:prstGeom>
+          <a:solidFill>
+            <a:srgbClr val="0D9488"/>
+          </a:solidFill>
+          <a:ln/>
+        </p:spPr>
+      </p:sp>
+      <p:sp>
+        <p:nvSpPr>
+          <p:cNvPr id="5" name="Text 3"/>
+          <p:cNvSpPr/>
+          <p:nvPr/>
+        </p:nvSpPr>
+        <p:spPr>
+          <a:xfrm>
+            <a:off x="457200" y="274320"/>
+            <a:ext cx="8229600" cy="548640"/>
+          </a:xfrm>
+          <a:prstGeom prst="rect">
+            <a:avLst/>
+          </a:prstGeom>
+          <a:noFill/>
+          <a:ln/>
+        </p:spPr>
+        <p:txBody>
+          <a:bodyPr wrap="square" rtlCol="0" anchor="ctr"/>
+          <a:lstStyle/>
+          <a:p>
+            <a:pPr indent="0" marL="0">
+              <a:buNone/>
+            </a:pPr>
+            <a:r>
+              <a:rPr lang="en-US" sz="3200" b="1" dirty="0">
+                <a:solidFill>
+                  <a:srgbClr val="1E3A5F"/>
+                </a:solidFill>
+              </a:rPr>
+              <a:t>Flexible Deployment</a:t>
+            </a:r>
+            <a:endParaRPr lang="en-US" sz="3200" dirty="0"/>
+          </a:p>
+        </p:txBody>
+      </p:sp>
+      <p:sp>
+        <p:nvSpPr>
+          <p:cNvPr id="6" name="Text 4"/>
+          <p:cNvSpPr/>
+          <p:nvPr/>
+        </p:nvSpPr>
+        <p:spPr>
+          <a:xfrm>
+            <a:off x="457200" y="777240"/>
+            <a:ext cx="8229600" cy="365760"/>
+          </a:xfrm>
+          <a:prstGeom prst="rect">
+            <a:avLst/>
+          </a:prstGeom>
+          <a:noFill/>
+          <a:ln/>
+        </p:spPr>
+        <p:txBody>
+          <a:bodyPr wrap="square" rtlCol="0" anchor="ctr"/>
+          <a:lstStyle/>
+          <a:p>
+            <a:pPr indent="0" marL="0">
+              <a:buNone/>
+            </a:pPr>
+            <a:r>
+              <a:rPr lang="en-US" sz="1600" dirty="0">
+                <a:solidFill>
+                  <a:srgbClr val="0D9488"/>
+                </a:solidFill>
+              </a:rPr>
+              <a:t>One Platform, Your Way</a:t>
+            </a:r>
+            <a:endParaRPr lang="en-US" sz="1600" dirty="0"/>
+          </a:p>
+        </p:txBody>
+      </p:sp>
+      <p:sp>
+        <p:nvSpPr>
+          <p:cNvPr id="7" name="Shape 5"/>
+          <p:cNvSpPr/>
+          <p:nvPr/>
+        </p:nvSpPr>
+        <p:spPr>
+          <a:xfrm>
+            <a:off x="457200" y="1188720"/>
+            <a:ext cx="3840480" cy="2194560"/>
+          </a:xfrm>
+          <a:prstGeom prst="roundRect">
+            <a:avLst/>
+          </a:prstGeom>
+          <a:solidFill>
+            <a:srgbClr val="BBF7D0"/>
+          </a:solidFill>
+          <a:ln/>
+        </p:spPr>
+      </p:sp>
+      <p:sp>
+        <p:nvSpPr>
+          <p:cNvPr id="8" name="Text 6"/>
+          <p:cNvSpPr/>
+          <p:nvPr/>
+        </p:nvSpPr>
+        <p:spPr>
+          <a:xfrm>
+            <a:off x="640080" y="1280160"/>
+            <a:ext cx="3474720" cy="320040"/>
+          </a:xfrm>
+          <a:prstGeom prst="rect">
+            <a:avLst/>
+          </a:prstGeom>
+          <a:noFill/>
+          <a:ln/>
+        </p:spPr>
+        <p:txBody>
+          <a:bodyPr wrap="square" rtlCol="0" anchor="ctr"/>
+          <a:lstStyle/>
+          <a:p>
+            <a:pPr indent="0" marL="0">
+              <a:buNone/>
+            </a:pPr>
+            <a:r>
+              <a:rPr lang="en-US" sz="1600" b="1" dirty="0">
+                <a:solidFill>
+                  <a:srgbClr val="16A34A"/>
+                </a:solidFill>
+              </a:rPr>
+              <a:t>Managed Service</a:t>
+            </a:r>
+            <a:endParaRPr lang="en-US" sz="1600" dirty="0"/>
+          </a:p>
+        </p:txBody>
+      </p:sp>
+      <p:sp>
+        <p:nvSpPr>
+          <p:cNvPr id="9" name="Text 7"/>
+          <p:cNvSpPr/>
+          <p:nvPr/>
+        </p:nvSpPr>
+        <p:spPr>
+          <a:xfrm>
+            <a:off x="640080" y="1691640"/>
+            <a:ext cx="3474720" cy="365760"/>
+          </a:xfrm>
+          <a:prstGeom prst="rect">
+            <a:avLst/>
+          </a:prstGeom>
+          <a:noFill/>
+          <a:ln/>
+        </p:spPr>
+        <p:txBody>
+          <a:bodyPr wrap="square" rtlCol="0" anchor="ctr"/>
+          <a:lstStyle/>
+          <a:p>
+            <a:pPr indent="0" marL="0">
+              <a:buNone/>
+            </a:pPr>
+            <a:r>
+              <a:rPr lang="en-US" sz="1200" dirty="0">
+                <a:solidFill>
+                  <a:srgbClr val="334155"/>
+                </a:solidFill>
+              </a:rPr>
+              <a:t>✓  Turnkey solution</a:t>
+            </a:r>
+            <a:endParaRPr lang="en-US" sz="1200" dirty="0"/>
+          </a:p>
+        </p:txBody>
+      </p:sp>
+      <p:sp>
+        <p:nvSpPr>
+          <p:cNvPr id="10" name="Text 8"/>
+          <p:cNvSpPr/>
+          <p:nvPr/>
+        </p:nvSpPr>
+        <p:spPr>
+          <a:xfrm>
+            <a:off x="640080" y="2103120"/>
+            <a:ext cx="3474720" cy="365760"/>
+          </a:xfrm>
+          <a:prstGeom prst="rect">
+            <a:avLst/>
+          </a:prstGeom>
+          <a:noFill/>
+          <a:ln/>
+        </p:spPr>
+        <p:txBody>
+          <a:bodyPr wrap="square" rtlCol="0" anchor="ctr"/>
+          <a:lstStyle/>
+          <a:p>
+            <a:pPr indent="0" marL="0">
+              <a:buNone/>
+            </a:pPr>
+            <a:r>
+              <a:rPr lang="en-US" sz="1200" dirty="0">
+                <a:solidFill>
+                  <a:srgbClr val="334155"/>
+                </a:solidFill>
+              </a:rPr>
+              <a:t>✓  We operate it</a:t>
+            </a:r>
+            <a:endParaRPr lang="en-US" sz="1200" dirty="0"/>
+          </a:p>
+        </p:txBody>
+      </p:sp>
+      <p:sp>
+        <p:nvSpPr>
+          <p:cNvPr id="11" name="Text 9"/>
+          <p:cNvSpPr/>
+          <p:nvPr/>
+        </p:nvSpPr>
+        <p:spPr>
+          <a:xfrm>
+            <a:off x="640080" y="2514600"/>
+            <a:ext cx="3474720" cy="365760"/>
+          </a:xfrm>
+          <a:prstGeom prst="rect">
+            <a:avLst/>
+          </a:prstGeom>
+          <a:noFill/>
+          <a:ln/>
+        </p:spPr>
+        <p:txBody>
+          <a:bodyPr wrap="square" rtlCol="0" anchor="ctr"/>
+          <a:lstStyle/>
+          <a:p>
+            <a:pPr indent="0" marL="0">
+              <a:buNone/>
+            </a:pPr>
+            <a:r>
+              <a:rPr lang="en-US" sz="1200" dirty="0">
+                <a:solidFill>
+                  <a:srgbClr val="334155"/>
+                </a:solidFill>
+              </a:rPr>
+              <a:t>✓  Fastest deployment</a:t>
+            </a:r>
+            <a:endParaRPr lang="en-US" sz="1200" dirty="0"/>
+          </a:p>
+        </p:txBody>
+      </p:sp>
+      <p:sp>
+        <p:nvSpPr>
+          <p:cNvPr id="12" name="Text 10"/>
+          <p:cNvSpPr/>
+          <p:nvPr/>
+        </p:nvSpPr>
+        <p:spPr>
+          <a:xfrm>
+            <a:off x="640080" y="2926080"/>
+            <a:ext cx="3474720" cy="365760"/>
+          </a:xfrm>
+          <a:prstGeom prst="rect">
+            <a:avLst/>
+          </a:prstGeom>
+          <a:noFill/>
+          <a:ln/>
+        </p:spPr>
+        <p:txBody>
+          <a:bodyPr wrap="square" rtlCol="0" anchor="ctr"/>
+          <a:lstStyle/>
+          <a:p>
+            <a:pPr indent="0" marL="0">
+              <a:buNone/>
+            </a:pPr>
+            <a:r>
+              <a:rPr lang="en-US" sz="1200" dirty="0">
+                <a:solidFill>
+                  <a:srgbClr val="334155"/>
+                </a:solidFill>
+              </a:rPr>
+              <a:t>✓  Lower overhead</a:t>
+            </a:r>
+            <a:endParaRPr lang="en-US" sz="1200" dirty="0"/>
+          </a:p>
+        </p:txBody>
+      </p:sp>
+      <p:sp>
+        <p:nvSpPr>
+          <p:cNvPr id="13" name="Shape 11"/>
+          <p:cNvSpPr/>
+          <p:nvPr/>
+        </p:nvSpPr>
+        <p:spPr>
+          <a:xfrm>
+            <a:off x="4846320" y="1188720"/>
+            <a:ext cx="3840480" cy="2194560"/>
+          </a:xfrm>
+          <a:prstGeom prst="roundRect">
+            <a:avLst/>
+          </a:prstGeom>
+          <a:solidFill>
+            <a:srgbClr val="BBF7D0"/>
+          </a:solidFill>
+          <a:ln/>
+        </p:spPr>
+      </p:sp>
+      <p:sp>
+        <p:nvSpPr>
+          <p:cNvPr id="14" name="Text 12"/>
+          <p:cNvSpPr/>
+          <p:nvPr/>
+        </p:nvSpPr>
+        <p:spPr>
+          <a:xfrm>
+            <a:off x="5029200" y="1280160"/>
+            <a:ext cx="3474720" cy="320040"/>
+          </a:xfrm>
+          <a:prstGeom prst="rect">
+            <a:avLst/>
+          </a:prstGeom>
+          <a:noFill/>
+          <a:ln/>
+        </p:spPr>
+        <p:txBody>
+          <a:bodyPr wrap="square" rtlCol="0" anchor="ctr"/>
+          <a:lstStyle/>
+          <a:p>
+            <a:pPr indent="0" marL="0">
+              <a:buNone/>
+            </a:pPr>
+            <a:r>
+              <a:rPr lang="en-US" sz="1600" b="1" dirty="0">
+                <a:solidFill>
+                  <a:srgbClr val="16A34A"/>
+                </a:solidFill>
+              </a:rPr>
+              <a:t>Local Installation</a:t>
+            </a:r>
+            <a:endParaRPr lang="en-US" sz="1600" dirty="0"/>
+          </a:p>
+        </p:txBody>
+      </p:sp>
+      <p:sp>
+        <p:nvSpPr>
+          <p:cNvPr id="15" name="Text 13"/>
+          <p:cNvSpPr/>
+          <p:nvPr/>
+        </p:nvSpPr>
+        <p:spPr>
+          <a:xfrm>
+            <a:off x="5029200" y="1691640"/>
+            <a:ext cx="3474720" cy="365760"/>
+          </a:xfrm>
+          <a:prstGeom prst="rect">
+            <a:avLst/>
+          </a:prstGeom>
+          <a:noFill/>
+          <a:ln/>
+        </p:spPr>
+        <p:txBody>
+          <a:bodyPr wrap="square" rtlCol="0" anchor="ctr"/>
+          <a:lstStyle/>
+          <a:p>
+            <a:pPr indent="0" marL="0">
+              <a:buNone/>
+            </a:pPr>
+            <a:r>
+              <a:rPr lang="en-US" sz="1200" dirty="0">
+                <a:solidFill>
+                  <a:srgbClr val="334155"/>
+                </a:solidFill>
+              </a:rPr>
+              <a:t>✓  Your hardware</a:t>
+            </a:r>
+            <a:endParaRPr lang="en-US" sz="1200" dirty="0"/>
+          </a:p>
+        </p:txBody>
+      </p:sp>
+      <p:sp>
+        <p:nvSpPr>
+          <p:cNvPr id="16" name="Text 14"/>
+          <p:cNvSpPr/>
+          <p:nvPr/>
+        </p:nvSpPr>
+        <p:spPr>
+          <a:xfrm>
+            <a:off x="5029200" y="2103120"/>
+            <a:ext cx="3474720" cy="365760"/>
+          </a:xfrm>
+          <a:prstGeom prst="rect">
+            <a:avLst/>
+          </a:prstGeom>
+          <a:noFill/>
+          <a:ln/>
+        </p:spPr>
+        <p:txBody>
+          <a:bodyPr wrap="square" rtlCol="0" anchor="ctr"/>
+          <a:lstStyle/>
+          <a:p>
+            <a:pPr indent="0" marL="0">
+              <a:buNone/>
+            </a:pPr>
+            <a:r>
+              <a:rPr lang="en-US" sz="1200" dirty="0">
+                <a:solidFill>
+                  <a:srgbClr val="334155"/>
+                </a:solidFill>
+              </a:rPr>
+              <a:t>✓  Air-gap ready</a:t>
+            </a:r>
+            <a:endParaRPr lang="en-US" sz="1200" dirty="0"/>
+          </a:p>
+        </p:txBody>
+      </p:sp>
+      <p:sp>
+        <p:nvSpPr>
+          <p:cNvPr id="17" name="Text 15"/>
+          <p:cNvSpPr/>
+          <p:nvPr/>
+        </p:nvSpPr>
+        <p:spPr>
+          <a:xfrm>
+            <a:off x="5029200" y="2514600"/>
+            <a:ext cx="3474720" cy="365760"/>
+          </a:xfrm>
+          <a:prstGeom prst="rect">
+            <a:avLst/>
+          </a:prstGeom>
+          <a:noFill/>
+          <a:ln/>
+        </p:spPr>
+        <p:txBody>
+          <a:bodyPr wrap="square" rtlCol="0" anchor="ctr"/>
+          <a:lstStyle/>
+          <a:p>
+            <a:pPr indent="0" marL="0">
+              <a:buNone/>
+            </a:pPr>
+            <a:r>
+              <a:rPr lang="en-US" sz="1200" dirty="0">
+                <a:solidFill>
+                  <a:srgbClr val="334155"/>
+                </a:solidFill>
+              </a:rPr>
+              <a:t>✓  Data residency</a:t>
+            </a:r>
+            <a:endParaRPr lang="en-US" sz="1200" dirty="0"/>
+          </a:p>
+        </p:txBody>
+      </p:sp>
+      <p:sp>
+        <p:nvSpPr>
+          <p:cNvPr id="18" name="Text 16"/>
+          <p:cNvSpPr/>
+          <p:nvPr/>
+        </p:nvSpPr>
+        <p:spPr>
+          <a:xfrm>
+            <a:off x="5029200" y="2926080"/>
+            <a:ext cx="3474720" cy="365760"/>
+          </a:xfrm>
+          <a:prstGeom prst="rect">
+            <a:avLst/>
+          </a:prstGeom>
+          <a:noFill/>
+          <a:ln/>
+        </p:spPr>
+        <p:txBody>
+          <a:bodyPr wrap="square" rtlCol="0" anchor="ctr"/>
+          <a:lstStyle/>
+          <a:p>
+            <a:pPr indent="0" marL="0">
+              <a:buNone/>
+            </a:pPr>
+            <a:r>
+              <a:rPr lang="en-US" sz="1200" dirty="0">
+                <a:solidFill>
+                  <a:srgbClr val="334155"/>
+                </a:solidFill>
+              </a:rPr>
+              <a:t>✓  Full control</a:t>
+            </a:r>
+            <a:endParaRPr lang="en-US" sz="1200" dirty="0"/>
+          </a:p>
+        </p:txBody>
+      </p:sp>
+      <p:sp>
+        <p:nvSpPr>
+          <p:cNvPr id="19" name="Shape 17"/>
+          <p:cNvSpPr/>
+          <p:nvPr/>
+        </p:nvSpPr>
+        <p:spPr>
+          <a:xfrm>
+            <a:off x="731520" y="3566160"/>
+            <a:ext cx="7680960" cy="594360"/>
+          </a:xfrm>
+          <a:prstGeom prst="roundRect">
+            <a:avLst/>
+          </a:prstGeom>
+          <a:solidFill>
+            <a:srgbClr val="99F6E4"/>
+          </a:solidFill>
+          <a:ln/>
+        </p:spPr>
+      </p:sp>
+      <p:sp>
+        <p:nvSpPr>
+          <p:cNvPr id="20" name="Text 18"/>
+          <p:cNvSpPr/>
+          <p:nvPr/>
+        </p:nvSpPr>
+        <p:spPr>
+          <a:xfrm>
+            <a:off x="731520" y="3657600"/>
+            <a:ext cx="7680960" cy="457200"/>
+          </a:xfrm>
+          <a:prstGeom prst="rect">
+            <a:avLst/>
+          </a:prstGeom>
+          <a:noFill/>
+          <a:ln/>
+        </p:spPr>
+        <p:txBody>
+          <a:bodyPr wrap="square" rtlCol="0" anchor="ctr"/>
+          <a:lstStyle/>
+          <a:p>
+            <a:pPr algn="ctr" indent="0" marL="0">
+              <a:buNone/>
+            </a:pPr>
+            <a:r>
+              <a:rPr lang="en-US" sz="1300" b="1" dirty="0">
+                <a:solidFill>
+                  <a:srgbClr val="0D9488"/>
+                </a:solidFill>
+              </a:rPr>
+              <a:t>Same hardened runtime. Same security controls. Same compliance inheritance.</a:t>
+            </a:r>
+            <a:endParaRPr lang="en-US" sz="1300" dirty="0"/>
+          </a:p>
+        </p:txBody>
+      </p:sp>
+      <p:sp>
+        <p:nvSpPr>
+          <p:cNvPr id="21" name="Text 19"/>
+          <p:cNvSpPr/>
+          <p:nvPr/>
+        </p:nvSpPr>
+        <p:spPr>
+          <a:xfrm>
+            <a:off x="8229600" y="4777740"/>
+            <a:ext cx="731520" cy="274320"/>
+          </a:xfrm>
+          <a:prstGeom prst="rect">
+            <a:avLst/>
+          </a:prstGeom>
+          <a:noFill/>
+          <a:ln/>
+        </p:spPr>
+        <p:txBody>
+          <a:bodyPr wrap="square" rtlCol="0" anchor="ctr"/>
+          <a:lstStyle/>
+          <a:p>
+            <a:pPr algn="r" indent="0" marL="0">
+              <a:buNone/>
+            </a:pPr>
+            <a:r>
+              <a:rPr lang="en-US" sz="900" dirty="0">
+                <a:solidFill>
+                  <a:srgbClr val="475569"/>
+                </a:solidFill>
+              </a:rPr>
+              <a:t>7 / 14</a:t>
+            </a:r>
+            <a:endParaRPr lang="en-US" sz="900" dirty="0"/>
+          </a:p>
+        </p:txBody>
+      </p:sp>
     </p:spTree>
   </p:cSld>
   <p:clrMapOvr>
@@ -2613,20 +9856,12 @@
           <a:chExt cx="0" cy="0"/>
         </a:xfrm>
       </p:grpSpPr>
-      <p:pic>
-        <p:nvPicPr>
-          <p:cNvPr id="2" name="Image 0" descr="preencoded.png">    </p:cNvPr>
-          <p:cNvPicPr>
-            <a:picLocks noChangeAspect="1"/>
-          </p:cNvPicPr>
-          <p:nvPr/>
-        </p:nvPicPr>
-        <p:blipFill>
-          <a:blip r:embed="rId1"/>
-          <a:stretch>
-            <a:fillRect/>
-          </a:stretch>
-        </p:blipFill>
+      <p:sp>
+        <p:nvSpPr>
+          <p:cNvPr id="2" name="Shape 0"/>
+          <p:cNvSpPr/>
+          <p:nvPr/>
+        </p:nvSpPr>
         <p:spPr>
           <a:xfrm>
             <a:off x="0" y="0"/>
@@ -2635,8 +9870,747 @@
           <a:prstGeom prst="rect">
             <a:avLst/>
           </a:prstGeom>
-        </p:spPr>
-      </p:pic>
+          <a:solidFill>
+            <a:srgbClr val="1E293B"/>
+          </a:solidFill>
+          <a:ln/>
+        </p:spPr>
+      </p:sp>
+      <p:sp>
+        <p:nvSpPr>
+          <p:cNvPr id="3" name="Shape 1"/>
+          <p:cNvSpPr/>
+          <p:nvPr/>
+        </p:nvSpPr>
+        <p:spPr>
+          <a:xfrm>
+            <a:off x="0" y="0"/>
+            <a:ext cx="73152" cy="5143500"/>
+          </a:xfrm>
+          <a:prstGeom prst="rect">
+            <a:avLst/>
+          </a:prstGeom>
+          <a:solidFill>
+            <a:srgbClr val="0D9488"/>
+          </a:solidFill>
+          <a:ln/>
+        </p:spPr>
+      </p:sp>
+      <p:sp>
+        <p:nvSpPr>
+          <p:cNvPr id="4" name="Shape 2"/>
+          <p:cNvSpPr/>
+          <p:nvPr/>
+        </p:nvSpPr>
+        <p:spPr>
+          <a:xfrm>
+            <a:off x="0" y="5070348"/>
+            <a:ext cx="9144000" cy="73152"/>
+          </a:xfrm>
+          <a:prstGeom prst="rect">
+            <a:avLst/>
+          </a:prstGeom>
+          <a:solidFill>
+            <a:srgbClr val="0D9488"/>
+          </a:solidFill>
+          <a:ln/>
+        </p:spPr>
+      </p:sp>
+      <p:sp>
+        <p:nvSpPr>
+          <p:cNvPr id="5" name="Text 3"/>
+          <p:cNvSpPr/>
+          <p:nvPr/>
+        </p:nvSpPr>
+        <p:spPr>
+          <a:xfrm>
+            <a:off x="457200" y="274320"/>
+            <a:ext cx="8229600" cy="548640"/>
+          </a:xfrm>
+          <a:prstGeom prst="rect">
+            <a:avLst/>
+          </a:prstGeom>
+          <a:noFill/>
+          <a:ln/>
+        </p:spPr>
+        <p:txBody>
+          <a:bodyPr wrap="square" rtlCol="0" anchor="ctr"/>
+          <a:lstStyle/>
+          <a:p>
+            <a:pPr indent="0" marL="0">
+              <a:buNone/>
+            </a:pPr>
+            <a:r>
+              <a:rPr lang="en-US" sz="3200" b="1" dirty="0">
+                <a:solidFill>
+                  <a:srgbClr val="FFFFFF"/>
+                </a:solidFill>
+              </a:rPr>
+              <a:t>Automation Changes Everything</a:t>
+            </a:r>
+            <a:endParaRPr lang="en-US" sz="3200" dirty="0"/>
+          </a:p>
+        </p:txBody>
+      </p:sp>
+      <p:sp>
+        <p:nvSpPr>
+          <p:cNvPr id="6" name="Shape 4"/>
+          <p:cNvSpPr/>
+          <p:nvPr/>
+        </p:nvSpPr>
+        <p:spPr>
+          <a:xfrm>
+            <a:off x="1234440" y="1005840"/>
+            <a:ext cx="2103120" cy="914400"/>
+          </a:xfrm>
+          <a:prstGeom prst="roundRect">
+            <a:avLst/>
+          </a:prstGeom>
+          <a:solidFill>
+            <a:srgbClr val="334155"/>
+          </a:solidFill>
+          <a:ln w="12700">
+            <a:solidFill>
+              <a:srgbClr val="0D9488"/>
+            </a:solidFill>
+            <a:prstDash val="solid"/>
+          </a:ln>
+        </p:spPr>
+      </p:sp>
+      <p:sp>
+        <p:nvSpPr>
+          <p:cNvPr id="7" name="Text 5"/>
+          <p:cNvSpPr/>
+          <p:nvPr/>
+        </p:nvSpPr>
+        <p:spPr>
+          <a:xfrm>
+            <a:off x="1234440" y="1097280"/>
+            <a:ext cx="2103120" cy="457200"/>
+          </a:xfrm>
+          <a:prstGeom prst="rect">
+            <a:avLst/>
+          </a:prstGeom>
+          <a:noFill/>
+          <a:ln/>
+        </p:spPr>
+        <p:txBody>
+          <a:bodyPr wrap="square" rtlCol="0" anchor="ctr"/>
+          <a:lstStyle/>
+          <a:p>
+            <a:pPr algn="ctr" indent="0" marL="0">
+              <a:buNone/>
+            </a:pPr>
+            <a:r>
+              <a:rPr lang="en-US" sz="2600" b="1" dirty="0">
+                <a:solidFill>
+                  <a:srgbClr val="0D9488"/>
+                </a:solidFill>
+              </a:rPr>
+              <a:t>OSCAL</a:t>
+            </a:r>
+            <a:endParaRPr lang="en-US" sz="2600" dirty="0"/>
+          </a:p>
+        </p:txBody>
+      </p:sp>
+      <p:sp>
+        <p:nvSpPr>
+          <p:cNvPr id="8" name="Text 6"/>
+          <p:cNvSpPr/>
+          <p:nvPr/>
+        </p:nvSpPr>
+        <p:spPr>
+          <a:xfrm>
+            <a:off x="1234440" y="1554480"/>
+            <a:ext cx="2103120" cy="274320"/>
+          </a:xfrm>
+          <a:prstGeom prst="rect">
+            <a:avLst/>
+          </a:prstGeom>
+          <a:noFill/>
+          <a:ln/>
+        </p:spPr>
+        <p:txBody>
+          <a:bodyPr wrap="square" rtlCol="0" anchor="ctr"/>
+          <a:lstStyle/>
+          <a:p>
+            <a:pPr algn="ctr" indent="0" marL="0">
+              <a:buNone/>
+            </a:pPr>
+            <a:r>
+              <a:rPr lang="en-US" sz="900" dirty="0">
+                <a:solidFill>
+                  <a:srgbClr val="FFFFFF"/>
+                </a:solidFill>
+              </a:rPr>
+              <a:t>Machine-Readable Docs</a:t>
+            </a:r>
+            <a:endParaRPr lang="en-US" sz="900" dirty="0"/>
+          </a:p>
+        </p:txBody>
+      </p:sp>
+      <p:sp>
+        <p:nvSpPr>
+          <p:cNvPr id="9" name="Shape 7"/>
+          <p:cNvSpPr/>
+          <p:nvPr/>
+        </p:nvSpPr>
+        <p:spPr>
+          <a:xfrm>
+            <a:off x="3520440" y="1005840"/>
+            <a:ext cx="2103120" cy="914400"/>
+          </a:xfrm>
+          <a:prstGeom prst="roundRect">
+            <a:avLst/>
+          </a:prstGeom>
+          <a:solidFill>
+            <a:srgbClr val="334155"/>
+          </a:solidFill>
+          <a:ln w="12700">
+            <a:solidFill>
+              <a:srgbClr val="0D9488"/>
+            </a:solidFill>
+            <a:prstDash val="solid"/>
+          </a:ln>
+        </p:spPr>
+      </p:sp>
+      <p:sp>
+        <p:nvSpPr>
+          <p:cNvPr id="10" name="Text 8"/>
+          <p:cNvSpPr/>
+          <p:nvPr/>
+        </p:nvSpPr>
+        <p:spPr>
+          <a:xfrm>
+            <a:off x="3520440" y="1097280"/>
+            <a:ext cx="2103120" cy="457200"/>
+          </a:xfrm>
+          <a:prstGeom prst="rect">
+            <a:avLst/>
+          </a:prstGeom>
+          <a:noFill/>
+          <a:ln/>
+        </p:spPr>
+        <p:txBody>
+          <a:bodyPr wrap="square" rtlCol="0" anchor="ctr"/>
+          <a:lstStyle/>
+          <a:p>
+            <a:pPr algn="ctr" indent="0" marL="0">
+              <a:buNone/>
+            </a:pPr>
+            <a:r>
+              <a:rPr lang="en-US" sz="2600" b="1" dirty="0">
+                <a:solidFill>
+                  <a:srgbClr val="0D9488"/>
+                </a:solidFill>
+              </a:rPr>
+              <a:t>24/7</a:t>
+            </a:r>
+            <a:endParaRPr lang="en-US" sz="2600" dirty="0"/>
+          </a:p>
+        </p:txBody>
+      </p:sp>
+      <p:sp>
+        <p:nvSpPr>
+          <p:cNvPr id="11" name="Text 9"/>
+          <p:cNvSpPr/>
+          <p:nvPr/>
+        </p:nvSpPr>
+        <p:spPr>
+          <a:xfrm>
+            <a:off x="3520440" y="1554480"/>
+            <a:ext cx="2103120" cy="274320"/>
+          </a:xfrm>
+          <a:prstGeom prst="rect">
+            <a:avLst/>
+          </a:prstGeom>
+          <a:noFill/>
+          <a:ln/>
+        </p:spPr>
+        <p:txBody>
+          <a:bodyPr wrap="square" rtlCol="0" anchor="ctr"/>
+          <a:lstStyle/>
+          <a:p>
+            <a:pPr algn="ctr" indent="0" marL="0">
+              <a:buNone/>
+            </a:pPr>
+            <a:r>
+              <a:rPr lang="en-US" sz="900" dirty="0">
+                <a:solidFill>
+                  <a:srgbClr val="FFFFFF"/>
+                </a:solidFill>
+              </a:rPr>
+              <a:t>Evidence Collection</a:t>
+            </a:r>
+            <a:endParaRPr lang="en-US" sz="900" dirty="0"/>
+          </a:p>
+        </p:txBody>
+      </p:sp>
+      <p:sp>
+        <p:nvSpPr>
+          <p:cNvPr id="12" name="Shape 10"/>
+          <p:cNvSpPr/>
+          <p:nvPr/>
+        </p:nvSpPr>
+        <p:spPr>
+          <a:xfrm>
+            <a:off x="5806440" y="1005840"/>
+            <a:ext cx="2103120" cy="914400"/>
+          </a:xfrm>
+          <a:prstGeom prst="roundRect">
+            <a:avLst/>
+          </a:prstGeom>
+          <a:solidFill>
+            <a:srgbClr val="334155"/>
+          </a:solidFill>
+          <a:ln w="12700">
+            <a:solidFill>
+              <a:srgbClr val="0D9488"/>
+            </a:solidFill>
+            <a:prstDash val="solid"/>
+          </a:ln>
+        </p:spPr>
+      </p:sp>
+      <p:sp>
+        <p:nvSpPr>
+          <p:cNvPr id="13" name="Text 11"/>
+          <p:cNvSpPr/>
+          <p:nvPr/>
+        </p:nvSpPr>
+        <p:spPr>
+          <a:xfrm>
+            <a:off x="5806440" y="1097280"/>
+            <a:ext cx="2103120" cy="457200"/>
+          </a:xfrm>
+          <a:prstGeom prst="rect">
+            <a:avLst/>
+          </a:prstGeom>
+          <a:noFill/>
+          <a:ln/>
+        </p:spPr>
+        <p:txBody>
+          <a:bodyPr wrap="square" rtlCol="0" anchor="ctr"/>
+          <a:lstStyle/>
+          <a:p>
+            <a:pPr algn="ctr" indent="0" marL="0">
+              <a:buNone/>
+            </a:pPr>
+            <a:r>
+              <a:rPr lang="en-US" sz="2600" b="1" dirty="0">
+                <a:solidFill>
+                  <a:srgbClr val="0D9488"/>
+                </a:solidFill>
+              </a:rPr>
+              <a:t>0</a:t>
+            </a:r>
+            <a:endParaRPr lang="en-US" sz="2600" dirty="0"/>
+          </a:p>
+        </p:txBody>
+      </p:sp>
+      <p:sp>
+        <p:nvSpPr>
+          <p:cNvPr id="14" name="Text 12"/>
+          <p:cNvSpPr/>
+          <p:nvPr/>
+        </p:nvSpPr>
+        <p:spPr>
+          <a:xfrm>
+            <a:off x="5806440" y="1554480"/>
+            <a:ext cx="2103120" cy="274320"/>
+          </a:xfrm>
+          <a:prstGeom prst="rect">
+            <a:avLst/>
+          </a:prstGeom>
+          <a:noFill/>
+          <a:ln/>
+        </p:spPr>
+        <p:txBody>
+          <a:bodyPr wrap="square" rtlCol="0" anchor="ctr"/>
+          <a:lstStyle/>
+          <a:p>
+            <a:pPr algn="ctr" indent="0" marL="0">
+              <a:buNone/>
+            </a:pPr>
+            <a:r>
+              <a:rPr lang="en-US" sz="900" dirty="0">
+                <a:solidFill>
+                  <a:srgbClr val="FFFFFF"/>
+                </a:solidFill>
+              </a:rPr>
+              <a:t>Manual Updates</a:t>
+            </a:r>
+            <a:endParaRPr lang="en-US" sz="900" dirty="0"/>
+          </a:p>
+        </p:txBody>
+      </p:sp>
+      <p:sp>
+        <p:nvSpPr>
+          <p:cNvPr id="15" name="Shape 13"/>
+          <p:cNvSpPr/>
+          <p:nvPr/>
+        </p:nvSpPr>
+        <p:spPr>
+          <a:xfrm>
+            <a:off x="640080" y="2560320"/>
+            <a:ext cx="1828800" cy="640080"/>
+          </a:xfrm>
+          <a:prstGeom prst="roundRect">
+            <a:avLst/>
+          </a:prstGeom>
+          <a:solidFill>
+            <a:srgbClr val="1E3A5F"/>
+          </a:solidFill>
+          <a:ln/>
+        </p:spPr>
+      </p:sp>
+      <p:sp>
+        <p:nvSpPr>
+          <p:cNvPr id="16" name="Text 14"/>
+          <p:cNvSpPr/>
+          <p:nvPr/>
+        </p:nvSpPr>
+        <p:spPr>
+          <a:xfrm>
+            <a:off x="640080" y="2697480"/>
+            <a:ext cx="1828800" cy="365760"/>
+          </a:xfrm>
+          <a:prstGeom prst="rect">
+            <a:avLst/>
+          </a:prstGeom>
+          <a:noFill/>
+          <a:ln/>
+        </p:spPr>
+        <p:txBody>
+          <a:bodyPr wrap="square" rtlCol="0" anchor="ctr"/>
+          <a:lstStyle/>
+          <a:p>
+            <a:pPr algn="ctr" indent="0" marL="0">
+              <a:buNone/>
+            </a:pPr>
+            <a:r>
+              <a:rPr lang="en-US" sz="1100" dirty="0">
+                <a:solidFill>
+                  <a:srgbClr val="FFFFFF"/>
+                </a:solidFill>
+              </a:rPr>
+              <a:t>Config Change</a:t>
+            </a:r>
+            <a:endParaRPr lang="en-US" sz="1100" dirty="0"/>
+          </a:p>
+        </p:txBody>
+      </p:sp>
+      <p:sp>
+        <p:nvSpPr>
+          <p:cNvPr id="17" name="Text 15"/>
+          <p:cNvSpPr/>
+          <p:nvPr/>
+        </p:nvSpPr>
+        <p:spPr>
+          <a:xfrm>
+            <a:off x="2468880" y="2606040"/>
+            <a:ext cx="182880" cy="457200"/>
+          </a:xfrm>
+          <a:prstGeom prst="rect">
+            <a:avLst/>
+          </a:prstGeom>
+          <a:noFill/>
+          <a:ln/>
+        </p:spPr>
+        <p:txBody>
+          <a:bodyPr wrap="square" rtlCol="0" anchor="ctr"/>
+          <a:lstStyle/>
+          <a:p>
+            <a:pPr algn="ctr" indent="0" marL="0">
+              <a:buNone/>
+            </a:pPr>
+            <a:r>
+              <a:rPr lang="en-US" sz="1800" dirty="0">
+                <a:solidFill>
+                  <a:srgbClr val="0D9488"/>
+                </a:solidFill>
+              </a:rPr>
+              <a:t>→</a:t>
+            </a:r>
+            <a:endParaRPr lang="en-US" sz="1800" dirty="0"/>
+          </a:p>
+        </p:txBody>
+      </p:sp>
+      <p:sp>
+        <p:nvSpPr>
+          <p:cNvPr id="18" name="Shape 16"/>
+          <p:cNvSpPr/>
+          <p:nvPr/>
+        </p:nvSpPr>
+        <p:spPr>
+          <a:xfrm>
+            <a:off x="2651760" y="2560320"/>
+            <a:ext cx="1828800" cy="640080"/>
+          </a:xfrm>
+          <a:prstGeom prst="roundRect">
+            <a:avLst/>
+          </a:prstGeom>
+          <a:solidFill>
+            <a:srgbClr val="1E3A5F"/>
+          </a:solidFill>
+          <a:ln/>
+        </p:spPr>
+      </p:sp>
+      <p:sp>
+        <p:nvSpPr>
+          <p:cNvPr id="19" name="Text 17"/>
+          <p:cNvSpPr/>
+          <p:nvPr/>
+        </p:nvSpPr>
+        <p:spPr>
+          <a:xfrm>
+            <a:off x="2651760" y="2697480"/>
+            <a:ext cx="1828800" cy="365760"/>
+          </a:xfrm>
+          <a:prstGeom prst="rect">
+            <a:avLst/>
+          </a:prstGeom>
+          <a:noFill/>
+          <a:ln/>
+        </p:spPr>
+        <p:txBody>
+          <a:bodyPr wrap="square" rtlCol="0" anchor="ctr"/>
+          <a:lstStyle/>
+          <a:p>
+            <a:pPr algn="ctr" indent="0" marL="0">
+              <a:buNone/>
+            </a:pPr>
+            <a:r>
+              <a:rPr lang="en-US" sz="1100" dirty="0">
+                <a:solidFill>
+                  <a:srgbClr val="FFFFFF"/>
+                </a:solidFill>
+              </a:rPr>
+              <a:t>Auto-Update SSP</a:t>
+            </a:r>
+            <a:endParaRPr lang="en-US" sz="1100" dirty="0"/>
+          </a:p>
+        </p:txBody>
+      </p:sp>
+      <p:sp>
+        <p:nvSpPr>
+          <p:cNvPr id="20" name="Text 18"/>
+          <p:cNvSpPr/>
+          <p:nvPr/>
+        </p:nvSpPr>
+        <p:spPr>
+          <a:xfrm>
+            <a:off x="4480560" y="2606040"/>
+            <a:ext cx="182880" cy="457200"/>
+          </a:xfrm>
+          <a:prstGeom prst="rect">
+            <a:avLst/>
+          </a:prstGeom>
+          <a:noFill/>
+          <a:ln/>
+        </p:spPr>
+        <p:txBody>
+          <a:bodyPr wrap="square" rtlCol="0" anchor="ctr"/>
+          <a:lstStyle/>
+          <a:p>
+            <a:pPr algn="ctr" indent="0" marL="0">
+              <a:buNone/>
+            </a:pPr>
+            <a:r>
+              <a:rPr lang="en-US" sz="1800" dirty="0">
+                <a:solidFill>
+                  <a:srgbClr val="0D9488"/>
+                </a:solidFill>
+              </a:rPr>
+              <a:t>→</a:t>
+            </a:r>
+            <a:endParaRPr lang="en-US" sz="1800" dirty="0"/>
+          </a:p>
+        </p:txBody>
+      </p:sp>
+      <p:sp>
+        <p:nvSpPr>
+          <p:cNvPr id="21" name="Shape 19"/>
+          <p:cNvSpPr/>
+          <p:nvPr/>
+        </p:nvSpPr>
+        <p:spPr>
+          <a:xfrm>
+            <a:off x="4663440" y="2560320"/>
+            <a:ext cx="1828800" cy="640080"/>
+          </a:xfrm>
+          <a:prstGeom prst="roundRect">
+            <a:avLst/>
+          </a:prstGeom>
+          <a:solidFill>
+            <a:srgbClr val="1E3A5F"/>
+          </a:solidFill>
+          <a:ln/>
+        </p:spPr>
+      </p:sp>
+      <p:sp>
+        <p:nvSpPr>
+          <p:cNvPr id="22" name="Text 20"/>
+          <p:cNvSpPr/>
+          <p:nvPr/>
+        </p:nvSpPr>
+        <p:spPr>
+          <a:xfrm>
+            <a:off x="4663440" y="2697480"/>
+            <a:ext cx="1828800" cy="365760"/>
+          </a:xfrm>
+          <a:prstGeom prst="rect">
+            <a:avLst/>
+          </a:prstGeom>
+          <a:noFill/>
+          <a:ln/>
+        </p:spPr>
+        <p:txBody>
+          <a:bodyPr wrap="square" rtlCol="0" anchor="ctr"/>
+          <a:lstStyle/>
+          <a:p>
+            <a:pPr algn="ctr" indent="0" marL="0">
+              <a:buNone/>
+            </a:pPr>
+            <a:r>
+              <a:rPr lang="en-US" sz="1100" dirty="0">
+                <a:solidFill>
+                  <a:srgbClr val="FFFFFF"/>
+                </a:solidFill>
+              </a:rPr>
+              <a:t>Collect Evidence</a:t>
+            </a:r>
+            <a:endParaRPr lang="en-US" sz="1100" dirty="0"/>
+          </a:p>
+        </p:txBody>
+      </p:sp>
+      <p:sp>
+        <p:nvSpPr>
+          <p:cNvPr id="23" name="Text 21"/>
+          <p:cNvSpPr/>
+          <p:nvPr/>
+        </p:nvSpPr>
+        <p:spPr>
+          <a:xfrm>
+            <a:off x="6492240" y="2606040"/>
+            <a:ext cx="182880" cy="457200"/>
+          </a:xfrm>
+          <a:prstGeom prst="rect">
+            <a:avLst/>
+          </a:prstGeom>
+          <a:noFill/>
+          <a:ln/>
+        </p:spPr>
+        <p:txBody>
+          <a:bodyPr wrap="square" rtlCol="0" anchor="ctr"/>
+          <a:lstStyle/>
+          <a:p>
+            <a:pPr algn="ctr" indent="0" marL="0">
+              <a:buNone/>
+            </a:pPr>
+            <a:r>
+              <a:rPr lang="en-US" sz="1800" dirty="0">
+                <a:solidFill>
+                  <a:srgbClr val="0D9488"/>
+                </a:solidFill>
+              </a:rPr>
+              <a:t>→</a:t>
+            </a:r>
+            <a:endParaRPr lang="en-US" sz="1800" dirty="0"/>
+          </a:p>
+        </p:txBody>
+      </p:sp>
+      <p:sp>
+        <p:nvSpPr>
+          <p:cNvPr id="24" name="Shape 22"/>
+          <p:cNvSpPr/>
+          <p:nvPr/>
+        </p:nvSpPr>
+        <p:spPr>
+          <a:xfrm>
+            <a:off x="6675120" y="2560320"/>
+            <a:ext cx="1828800" cy="640080"/>
+          </a:xfrm>
+          <a:prstGeom prst="roundRect">
+            <a:avLst/>
+          </a:prstGeom>
+          <a:solidFill>
+            <a:srgbClr val="1E3A5F"/>
+          </a:solidFill>
+          <a:ln/>
+        </p:spPr>
+      </p:sp>
+      <p:sp>
+        <p:nvSpPr>
+          <p:cNvPr id="25" name="Text 23"/>
+          <p:cNvSpPr/>
+          <p:nvPr/>
+        </p:nvSpPr>
+        <p:spPr>
+          <a:xfrm>
+            <a:off x="6675120" y="2697480"/>
+            <a:ext cx="1828800" cy="365760"/>
+          </a:xfrm>
+          <a:prstGeom prst="rect">
+            <a:avLst/>
+          </a:prstGeom>
+          <a:noFill/>
+          <a:ln/>
+        </p:spPr>
+        <p:txBody>
+          <a:bodyPr wrap="square" rtlCol="0" anchor="ctr"/>
+          <a:lstStyle/>
+          <a:p>
+            <a:pPr algn="ctr" indent="0" marL="0">
+              <a:buNone/>
+            </a:pPr>
+            <a:r>
+              <a:rPr lang="en-US" sz="1100" dirty="0">
+                <a:solidFill>
+                  <a:srgbClr val="FFFFFF"/>
+                </a:solidFill>
+              </a:rPr>
+              <a:t>Dashboard Ready</a:t>
+            </a:r>
+            <a:endParaRPr lang="en-US" sz="1100" dirty="0"/>
+          </a:p>
+        </p:txBody>
+      </p:sp>
+      <p:sp>
+        <p:nvSpPr>
+          <p:cNvPr id="26" name="Text 24"/>
+          <p:cNvSpPr/>
+          <p:nvPr/>
+        </p:nvSpPr>
+        <p:spPr>
+          <a:xfrm>
+            <a:off x="8229600" y="4777740"/>
+            <a:ext cx="731520" cy="274320"/>
+          </a:xfrm>
+          <a:prstGeom prst="rect">
+            <a:avLst/>
+          </a:prstGeom>
+          <a:noFill/>
+          <a:ln/>
+        </p:spPr>
+        <p:txBody>
+          <a:bodyPr wrap="square" rtlCol="0" anchor="ctr"/>
+          <a:lstStyle/>
+          <a:p>
+            <a:pPr algn="r" indent="0" marL="0">
+              <a:buNone/>
+            </a:pPr>
+            <a:r>
+              <a:rPr lang="en-US" sz="900" dirty="0">
+                <a:solidFill>
+                  <a:srgbClr val="E2E8F0"/>
+                </a:solidFill>
+              </a:rPr>
+              <a:t>8 / 14</a:t>
+            </a:r>
+            <a:endParaRPr lang="en-US" sz="900" dirty="0"/>
+          </a:p>
+        </p:txBody>
+      </p:sp>
     </p:spTree>
   </p:cSld>
   <p:clrMapOvr>
@@ -2662,20 +10636,12 @@
           <a:chExt cx="0" cy="0"/>
         </a:xfrm>
       </p:grpSpPr>
-      <p:pic>
-        <p:nvPicPr>
-          <p:cNvPr id="2" name="Image 0" descr="preencoded.png">    </p:cNvPr>
-          <p:cNvPicPr>
-            <a:picLocks noChangeAspect="1"/>
-          </p:cNvPicPr>
-          <p:nvPr/>
-        </p:nvPicPr>
-        <p:blipFill>
-          <a:blip r:embed="rId1"/>
-          <a:stretch>
-            <a:fillRect/>
-          </a:stretch>
-        </p:blipFill>
+      <p:sp>
+        <p:nvSpPr>
+          <p:cNvPr id="2" name="Shape 0"/>
+          <p:cNvSpPr/>
+          <p:nvPr/>
+        </p:nvSpPr>
         <p:spPr>
           <a:xfrm>
             <a:off x="0" y="0"/>
@@ -2684,8 +10650,560 @@
           <a:prstGeom prst="rect">
             <a:avLst/>
           </a:prstGeom>
-        </p:spPr>
-      </p:pic>
+          <a:solidFill>
+            <a:srgbClr val="F8FAFC"/>
+          </a:solidFill>
+          <a:ln/>
+        </p:spPr>
+      </p:sp>
+      <p:sp>
+        <p:nvSpPr>
+          <p:cNvPr id="3" name="Shape 1"/>
+          <p:cNvSpPr/>
+          <p:nvPr/>
+        </p:nvSpPr>
+        <p:spPr>
+          <a:xfrm>
+            <a:off x="0" y="0"/>
+            <a:ext cx="9144000" cy="73152"/>
+          </a:xfrm>
+          <a:prstGeom prst="rect">
+            <a:avLst/>
+          </a:prstGeom>
+          <a:solidFill>
+            <a:srgbClr val="1E3A5F"/>
+          </a:solidFill>
+          <a:ln/>
+        </p:spPr>
+      </p:sp>
+      <p:sp>
+        <p:nvSpPr>
+          <p:cNvPr id="4" name="Shape 2"/>
+          <p:cNvSpPr/>
+          <p:nvPr/>
+        </p:nvSpPr>
+        <p:spPr>
+          <a:xfrm>
+            <a:off x="0" y="5070348"/>
+            <a:ext cx="9144000" cy="73152"/>
+          </a:xfrm>
+          <a:prstGeom prst="rect">
+            <a:avLst/>
+          </a:prstGeom>
+          <a:solidFill>
+            <a:srgbClr val="0D9488"/>
+          </a:solidFill>
+          <a:ln/>
+        </p:spPr>
+      </p:sp>
+      <p:sp>
+        <p:nvSpPr>
+          <p:cNvPr id="5" name="Text 3"/>
+          <p:cNvSpPr/>
+          <p:nvPr/>
+        </p:nvSpPr>
+        <p:spPr>
+          <a:xfrm>
+            <a:off x="457200" y="274320"/>
+            <a:ext cx="8229600" cy="548640"/>
+          </a:xfrm>
+          <a:prstGeom prst="rect">
+            <a:avLst/>
+          </a:prstGeom>
+          <a:noFill/>
+          <a:ln/>
+        </p:spPr>
+        <p:txBody>
+          <a:bodyPr wrap="square" rtlCol="0" anchor="ctr"/>
+          <a:lstStyle/>
+          <a:p>
+            <a:pPr indent="0" marL="0">
+              <a:buNone/>
+            </a:pPr>
+            <a:r>
+              <a:rPr lang="en-US" sz="3200" b="1" dirty="0">
+                <a:solidFill>
+                  <a:srgbClr val="1E3A5F"/>
+                </a:solidFill>
+              </a:rPr>
+              <a:t>Continuous ATO</a:t>
+            </a:r>
+            <a:endParaRPr lang="en-US" sz="3200" dirty="0"/>
+          </a:p>
+        </p:txBody>
+      </p:sp>
+      <p:sp>
+        <p:nvSpPr>
+          <p:cNvPr id="6" name="Text 4"/>
+          <p:cNvSpPr/>
+          <p:nvPr/>
+        </p:nvSpPr>
+        <p:spPr>
+          <a:xfrm>
+            <a:off x="457200" y="777240"/>
+            <a:ext cx="8229600" cy="365760"/>
+          </a:xfrm>
+          <a:prstGeom prst="rect">
+            <a:avLst/>
+          </a:prstGeom>
+          <a:noFill/>
+          <a:ln/>
+        </p:spPr>
+        <p:txBody>
+          <a:bodyPr wrap="square" rtlCol="0" anchor="ctr"/>
+          <a:lstStyle/>
+          <a:p>
+            <a:pPr indent="0" marL="0">
+              <a:buNone/>
+            </a:pPr>
+            <a:r>
+              <a:rPr lang="en-US" sz="1600" dirty="0">
+                <a:solidFill>
+                  <a:srgbClr val="0D9488"/>
+                </a:solidFill>
+              </a:rPr>
+              <a:t>Authorization That Stays Current</a:t>
+            </a:r>
+            <a:endParaRPr lang="en-US" sz="1600" dirty="0"/>
+          </a:p>
+        </p:txBody>
+      </p:sp>
+      <p:sp>
+        <p:nvSpPr>
+          <p:cNvPr id="7" name="Shape 5"/>
+          <p:cNvSpPr/>
+          <p:nvPr/>
+        </p:nvSpPr>
+        <p:spPr>
+          <a:xfrm>
+            <a:off x="457200" y="1280160"/>
+            <a:ext cx="3840480" cy="2560320"/>
+          </a:xfrm>
+          <a:prstGeom prst="roundRect">
+            <a:avLst/>
+          </a:prstGeom>
+          <a:solidFill>
+            <a:srgbClr val="FECACA"/>
+          </a:solidFill>
+          <a:ln/>
+        </p:spPr>
+      </p:sp>
+      <p:sp>
+        <p:nvSpPr>
+          <p:cNvPr id="8" name="Text 6"/>
+          <p:cNvSpPr/>
+          <p:nvPr/>
+        </p:nvSpPr>
+        <p:spPr>
+          <a:xfrm>
+            <a:off x="640080" y="1371600"/>
+            <a:ext cx="3474720" cy="365760"/>
+          </a:xfrm>
+          <a:prstGeom prst="rect">
+            <a:avLst/>
+          </a:prstGeom>
+          <a:noFill/>
+          <a:ln/>
+        </p:spPr>
+        <p:txBody>
+          <a:bodyPr wrap="square" rtlCol="0" anchor="ctr"/>
+          <a:lstStyle/>
+          <a:p>
+            <a:pPr indent="0" marL="0">
+              <a:buNone/>
+            </a:pPr>
+            <a:r>
+              <a:rPr lang="en-US" sz="1600" b="1" dirty="0">
+                <a:solidFill>
+                  <a:srgbClr val="DC2626"/>
+                </a:solidFill>
+              </a:rPr>
+              <a:t>Traditional ATO</a:t>
+            </a:r>
+            <a:endParaRPr lang="en-US" sz="1600" dirty="0"/>
+          </a:p>
+        </p:txBody>
+      </p:sp>
+      <p:sp>
+        <p:nvSpPr>
+          <p:cNvPr id="9" name="Text 7"/>
+          <p:cNvSpPr/>
+          <p:nvPr/>
+        </p:nvSpPr>
+        <p:spPr>
+          <a:xfrm>
+            <a:off x="640080" y="1828800"/>
+            <a:ext cx="3474720" cy="411480"/>
+          </a:xfrm>
+          <a:prstGeom prst="rect">
+            <a:avLst/>
+          </a:prstGeom>
+          <a:noFill/>
+          <a:ln/>
+        </p:spPr>
+        <p:txBody>
+          <a:bodyPr wrap="square" rtlCol="0" anchor="ctr"/>
+          <a:lstStyle/>
+          <a:p>
+            <a:pPr indent="0" marL="0">
+              <a:buNone/>
+            </a:pPr>
+            <a:r>
+              <a:rPr lang="en-US" sz="1200" dirty="0">
+                <a:solidFill>
+                  <a:srgbClr val="334155"/>
+                </a:solidFill>
+              </a:rPr>
+              <a:t>✗  Point-in-time snapshot</a:t>
+            </a:r>
+            <a:endParaRPr lang="en-US" sz="1200" dirty="0"/>
+          </a:p>
+        </p:txBody>
+      </p:sp>
+      <p:sp>
+        <p:nvSpPr>
+          <p:cNvPr id="10" name="Text 8"/>
+          <p:cNvSpPr/>
+          <p:nvPr/>
+        </p:nvSpPr>
+        <p:spPr>
+          <a:xfrm>
+            <a:off x="640080" y="2286000"/>
+            <a:ext cx="3474720" cy="411480"/>
+          </a:xfrm>
+          <a:prstGeom prst="rect">
+            <a:avLst/>
+          </a:prstGeom>
+          <a:noFill/>
+          <a:ln/>
+        </p:spPr>
+        <p:txBody>
+          <a:bodyPr wrap="square" rtlCol="0" anchor="ctr"/>
+          <a:lstStyle/>
+          <a:p>
+            <a:pPr indent="0" marL="0">
+              <a:buNone/>
+            </a:pPr>
+            <a:r>
+              <a:rPr lang="en-US" sz="1200" dirty="0">
+                <a:solidFill>
+                  <a:srgbClr val="334155"/>
+                </a:solidFill>
+              </a:rPr>
+              <a:t>✗  Immediately decays</a:t>
+            </a:r>
+            <a:endParaRPr lang="en-US" sz="1200" dirty="0"/>
+          </a:p>
+        </p:txBody>
+      </p:sp>
+      <p:sp>
+        <p:nvSpPr>
+          <p:cNvPr id="11" name="Text 9"/>
+          <p:cNvSpPr/>
+          <p:nvPr/>
+        </p:nvSpPr>
+        <p:spPr>
+          <a:xfrm>
+            <a:off x="640080" y="2743200"/>
+            <a:ext cx="3474720" cy="411480"/>
+          </a:xfrm>
+          <a:prstGeom prst="rect">
+            <a:avLst/>
+          </a:prstGeom>
+          <a:noFill/>
+          <a:ln/>
+        </p:spPr>
+        <p:txBody>
+          <a:bodyPr wrap="square" rtlCol="0" anchor="ctr"/>
+          <a:lstStyle/>
+          <a:p>
+            <a:pPr indent="0" marL="0">
+              <a:buNone/>
+            </a:pPr>
+            <a:r>
+              <a:rPr lang="en-US" sz="1200" dirty="0">
+                <a:solidFill>
+                  <a:srgbClr val="334155"/>
+                </a:solidFill>
+              </a:rPr>
+              <a:t>✗  Periodic re-assessment</a:t>
+            </a:r>
+            <a:endParaRPr lang="en-US" sz="1200" dirty="0"/>
+          </a:p>
+        </p:txBody>
+      </p:sp>
+      <p:sp>
+        <p:nvSpPr>
+          <p:cNvPr id="12" name="Text 10"/>
+          <p:cNvSpPr/>
+          <p:nvPr/>
+        </p:nvSpPr>
+        <p:spPr>
+          <a:xfrm>
+            <a:off x="640080" y="3200400"/>
+            <a:ext cx="3474720" cy="411480"/>
+          </a:xfrm>
+          <a:prstGeom prst="rect">
+            <a:avLst/>
+          </a:prstGeom>
+          <a:noFill/>
+          <a:ln/>
+        </p:spPr>
+        <p:txBody>
+          <a:bodyPr wrap="square" rtlCol="0" anchor="ctr"/>
+          <a:lstStyle/>
+          <a:p>
+            <a:pPr indent="0" marL="0">
+              <a:buNone/>
+            </a:pPr>
+            <a:r>
+              <a:rPr lang="en-US" sz="1200" dirty="0">
+                <a:solidFill>
+                  <a:srgbClr val="334155"/>
+                </a:solidFill>
+              </a:rPr>
+              <a:t>✗  18-month cycles</a:t>
+            </a:r>
+            <a:endParaRPr lang="en-US" sz="1200" dirty="0"/>
+          </a:p>
+        </p:txBody>
+      </p:sp>
+      <p:sp>
+        <p:nvSpPr>
+          <p:cNvPr id="13" name="Shape 11"/>
+          <p:cNvSpPr/>
+          <p:nvPr/>
+        </p:nvSpPr>
+        <p:spPr>
+          <a:xfrm>
+            <a:off x="4846320" y="1280160"/>
+            <a:ext cx="3840480" cy="2560320"/>
+          </a:xfrm>
+          <a:prstGeom prst="roundRect">
+            <a:avLst/>
+          </a:prstGeom>
+          <a:solidFill>
+            <a:srgbClr val="BBF7D0"/>
+          </a:solidFill>
+          <a:ln/>
+        </p:spPr>
+      </p:sp>
+      <p:sp>
+        <p:nvSpPr>
+          <p:cNvPr id="14" name="Text 12"/>
+          <p:cNvSpPr/>
+          <p:nvPr/>
+        </p:nvSpPr>
+        <p:spPr>
+          <a:xfrm>
+            <a:off x="5029200" y="1371600"/>
+            <a:ext cx="3474720" cy="365760"/>
+          </a:xfrm>
+          <a:prstGeom prst="rect">
+            <a:avLst/>
+          </a:prstGeom>
+          <a:noFill/>
+          <a:ln/>
+        </p:spPr>
+        <p:txBody>
+          <a:bodyPr wrap="square" rtlCol="0" anchor="ctr"/>
+          <a:lstStyle/>
+          <a:p>
+            <a:pPr indent="0" marL="0">
+              <a:buNone/>
+            </a:pPr>
+            <a:r>
+              <a:rPr lang="en-US" sz="1600" b="1" dirty="0">
+                <a:solidFill>
+                  <a:srgbClr val="16A34A"/>
+                </a:solidFill>
+              </a:rPr>
+              <a:t>Continuous ATO</a:t>
+            </a:r>
+            <a:endParaRPr lang="en-US" sz="1600" dirty="0"/>
+          </a:p>
+        </p:txBody>
+      </p:sp>
+      <p:sp>
+        <p:nvSpPr>
+          <p:cNvPr id="15" name="Text 13"/>
+          <p:cNvSpPr/>
+          <p:nvPr/>
+        </p:nvSpPr>
+        <p:spPr>
+          <a:xfrm>
+            <a:off x="5029200" y="1828800"/>
+            <a:ext cx="3474720" cy="411480"/>
+          </a:xfrm>
+          <a:prstGeom prst="rect">
+            <a:avLst/>
+          </a:prstGeom>
+          <a:noFill/>
+          <a:ln/>
+        </p:spPr>
+        <p:txBody>
+          <a:bodyPr wrap="square" rtlCol="0" anchor="ctr"/>
+          <a:lstStyle/>
+          <a:p>
+            <a:pPr indent="0" marL="0">
+              <a:buNone/>
+            </a:pPr>
+            <a:r>
+              <a:rPr lang="en-US" sz="1200" dirty="0">
+                <a:solidFill>
+                  <a:srgbClr val="334155"/>
+                </a:solidFill>
+              </a:rPr>
+              <a:t>✓  Real-time visibility</a:t>
+            </a:r>
+            <a:endParaRPr lang="en-US" sz="1200" dirty="0"/>
+          </a:p>
+        </p:txBody>
+      </p:sp>
+      <p:sp>
+        <p:nvSpPr>
+          <p:cNvPr id="16" name="Text 14"/>
+          <p:cNvSpPr/>
+          <p:nvPr/>
+        </p:nvSpPr>
+        <p:spPr>
+          <a:xfrm>
+            <a:off x="5029200" y="2286000"/>
+            <a:ext cx="3474720" cy="411480"/>
+          </a:xfrm>
+          <a:prstGeom prst="rect">
+            <a:avLst/>
+          </a:prstGeom>
+          <a:noFill/>
+          <a:ln/>
+        </p:spPr>
+        <p:txBody>
+          <a:bodyPr wrap="square" rtlCol="0" anchor="ctr"/>
+          <a:lstStyle/>
+          <a:p>
+            <a:pPr indent="0" marL="0">
+              <a:buNone/>
+            </a:pPr>
+            <a:r>
+              <a:rPr lang="en-US" sz="1200" dirty="0">
+                <a:solidFill>
+                  <a:srgbClr val="334155"/>
+                </a:solidFill>
+              </a:rPr>
+              <a:t>✓  Always current</a:t>
+            </a:r>
+            <a:endParaRPr lang="en-US" sz="1200" dirty="0"/>
+          </a:p>
+        </p:txBody>
+      </p:sp>
+      <p:sp>
+        <p:nvSpPr>
+          <p:cNvPr id="17" name="Text 15"/>
+          <p:cNvSpPr/>
+          <p:nvPr/>
+        </p:nvSpPr>
+        <p:spPr>
+          <a:xfrm>
+            <a:off x="5029200" y="2743200"/>
+            <a:ext cx="3474720" cy="411480"/>
+          </a:xfrm>
+          <a:prstGeom prst="rect">
+            <a:avLst/>
+          </a:prstGeom>
+          <a:noFill/>
+          <a:ln/>
+        </p:spPr>
+        <p:txBody>
+          <a:bodyPr wrap="square" rtlCol="0" anchor="ctr"/>
+          <a:lstStyle/>
+          <a:p>
+            <a:pPr indent="0" marL="0">
+              <a:buNone/>
+            </a:pPr>
+            <a:r>
+              <a:rPr lang="en-US" sz="1200" dirty="0">
+                <a:solidFill>
+                  <a:srgbClr val="334155"/>
+                </a:solidFill>
+              </a:rPr>
+              <a:t>✓  Continuous assurance</a:t>
+            </a:r>
+            <a:endParaRPr lang="en-US" sz="1200" dirty="0"/>
+          </a:p>
+        </p:txBody>
+      </p:sp>
+      <p:sp>
+        <p:nvSpPr>
+          <p:cNvPr id="18" name="Text 16"/>
+          <p:cNvSpPr/>
+          <p:nvPr/>
+        </p:nvSpPr>
+        <p:spPr>
+          <a:xfrm>
+            <a:off x="5029200" y="3200400"/>
+            <a:ext cx="3474720" cy="411480"/>
+          </a:xfrm>
+          <a:prstGeom prst="rect">
+            <a:avLst/>
+          </a:prstGeom>
+          <a:noFill/>
+          <a:ln/>
+        </p:spPr>
+        <p:txBody>
+          <a:bodyPr wrap="square" rtlCol="0" anchor="ctr"/>
+          <a:lstStyle/>
+          <a:p>
+            <a:pPr indent="0" marL="0">
+              <a:buNone/>
+            </a:pPr>
+            <a:r>
+              <a:rPr lang="en-US" sz="1200" dirty="0">
+                <a:solidFill>
+                  <a:srgbClr val="334155"/>
+                </a:solidFill>
+              </a:rPr>
+              <a:t>✓  Deploy anytime</a:t>
+            </a:r>
+            <a:endParaRPr lang="en-US" sz="1200" dirty="0"/>
+          </a:p>
+        </p:txBody>
+      </p:sp>
+      <p:sp>
+        <p:nvSpPr>
+          <p:cNvPr id="19" name="Text 17"/>
+          <p:cNvSpPr/>
+          <p:nvPr/>
+        </p:nvSpPr>
+        <p:spPr>
+          <a:xfrm>
+            <a:off x="8229600" y="4777740"/>
+            <a:ext cx="731520" cy="274320"/>
+          </a:xfrm>
+          <a:prstGeom prst="rect">
+            <a:avLst/>
+          </a:prstGeom>
+          <a:noFill/>
+          <a:ln/>
+        </p:spPr>
+        <p:txBody>
+          <a:bodyPr wrap="square" rtlCol="0" anchor="ctr"/>
+          <a:lstStyle/>
+          <a:p>
+            <a:pPr algn="r" indent="0" marL="0">
+              <a:buNone/>
+            </a:pPr>
+            <a:r>
+              <a:rPr lang="en-US" sz="900" dirty="0">
+                <a:solidFill>
+                  <a:srgbClr val="475569"/>
+                </a:solidFill>
+              </a:rPr>
+              <a:t>9 / 14</a:t>
+            </a:r>
+            <a:endParaRPr lang="en-US" sz="900" dirty="0"/>
+          </a:p>
+        </p:txBody>
+      </p:sp>
     </p:spTree>
   </p:cSld>
   <p:clrMapOvr>
